--- a/展示PPT/Terrain Modificaiton with fluid simulation using doubly-coupled Present.pptx
+++ b/展示PPT/Terrain Modificaiton with fluid simulation using doubly-coupled Present.pptx
@@ -2,18 +2,22 @@
 <file path=ppt/presentation.xml><?xml version="1.0" encoding="utf-8"?>
 <p:presentation xmlns:a="http://schemas.openxmlformats.org/drawingml/2006/main" xmlns:r="http://schemas.openxmlformats.org/officeDocument/2006/relationships" xmlns:p="http://schemas.openxmlformats.org/presentationml/2006/main" saveSubsetFonts="1">
   <p:sldMasterIdLst>
-    <p:sldMasterId id="2147483648" r:id="rId1"/>
+    <p:sldMasterId id="2147483892" r:id="rId1"/>
   </p:sldMasterIdLst>
+  <p:notesMasterIdLst>
+    <p:notesMasterId r:id="rId4"/>
+  </p:notesMasterIdLst>
   <p:sldIdLst>
     <p:sldId id="256" r:id="rId2"/>
+    <p:sldId id="257" r:id="rId3"/>
   </p:sldIdLst>
   <p:sldSz cx="12192000" cy="6858000"/>
   <p:notesSz cx="6858000" cy="9144000"/>
   <p:defaultTextStyle>
     <a:defPPr>
-      <a:defRPr lang="zh-CN"/>
+      <a:defRPr lang="en-US"/>
     </a:defPPr>
-    <a:lvl1pPr marL="0" algn="l" defTabSz="914400" rtl="0" eaLnBrk="1" latinLnBrk="0" hangingPunct="1">
+    <a:lvl1pPr marL="0" algn="l" defTabSz="457200" rtl="0" eaLnBrk="1" latinLnBrk="0" hangingPunct="1">
       <a:defRPr sz="1800" kern="1200">
         <a:solidFill>
           <a:schemeClr val="tx1"/>
@@ -23,7 +27,7 @@
         <a:cs typeface="+mn-cs"/>
       </a:defRPr>
     </a:lvl1pPr>
-    <a:lvl2pPr marL="457200" algn="l" defTabSz="914400" rtl="0" eaLnBrk="1" latinLnBrk="0" hangingPunct="1">
+    <a:lvl2pPr marL="457200" algn="l" defTabSz="457200" rtl="0" eaLnBrk="1" latinLnBrk="0" hangingPunct="1">
       <a:defRPr sz="1800" kern="1200">
         <a:solidFill>
           <a:schemeClr val="tx1"/>
@@ -33,7 +37,7 @@
         <a:cs typeface="+mn-cs"/>
       </a:defRPr>
     </a:lvl2pPr>
-    <a:lvl3pPr marL="914400" algn="l" defTabSz="914400" rtl="0" eaLnBrk="1" latinLnBrk="0" hangingPunct="1">
+    <a:lvl3pPr marL="914400" algn="l" defTabSz="457200" rtl="0" eaLnBrk="1" latinLnBrk="0" hangingPunct="1">
       <a:defRPr sz="1800" kern="1200">
         <a:solidFill>
           <a:schemeClr val="tx1"/>
@@ -43,7 +47,7 @@
         <a:cs typeface="+mn-cs"/>
       </a:defRPr>
     </a:lvl3pPr>
-    <a:lvl4pPr marL="1371600" algn="l" defTabSz="914400" rtl="0" eaLnBrk="1" latinLnBrk="0" hangingPunct="1">
+    <a:lvl4pPr marL="1371600" algn="l" defTabSz="457200" rtl="0" eaLnBrk="1" latinLnBrk="0" hangingPunct="1">
       <a:defRPr sz="1800" kern="1200">
         <a:solidFill>
           <a:schemeClr val="tx1"/>
@@ -53,7 +57,7 @@
         <a:cs typeface="+mn-cs"/>
       </a:defRPr>
     </a:lvl4pPr>
-    <a:lvl5pPr marL="1828800" algn="l" defTabSz="914400" rtl="0" eaLnBrk="1" latinLnBrk="0" hangingPunct="1">
+    <a:lvl5pPr marL="1828800" algn="l" defTabSz="457200" rtl="0" eaLnBrk="1" latinLnBrk="0" hangingPunct="1">
       <a:defRPr sz="1800" kern="1200">
         <a:solidFill>
           <a:schemeClr val="tx1"/>
@@ -63,7 +67,7 @@
         <a:cs typeface="+mn-cs"/>
       </a:defRPr>
     </a:lvl5pPr>
-    <a:lvl6pPr marL="2286000" algn="l" defTabSz="914400" rtl="0" eaLnBrk="1" latinLnBrk="0" hangingPunct="1">
+    <a:lvl6pPr marL="2286000" algn="l" defTabSz="457200" rtl="0" eaLnBrk="1" latinLnBrk="0" hangingPunct="1">
       <a:defRPr sz="1800" kern="1200">
         <a:solidFill>
           <a:schemeClr val="tx1"/>
@@ -73,7 +77,7 @@
         <a:cs typeface="+mn-cs"/>
       </a:defRPr>
     </a:lvl6pPr>
-    <a:lvl7pPr marL="2743200" algn="l" defTabSz="914400" rtl="0" eaLnBrk="1" latinLnBrk="0" hangingPunct="1">
+    <a:lvl7pPr marL="2743200" algn="l" defTabSz="457200" rtl="0" eaLnBrk="1" latinLnBrk="0" hangingPunct="1">
       <a:defRPr sz="1800" kern="1200">
         <a:solidFill>
           <a:schemeClr val="tx1"/>
@@ -83,7 +87,7 @@
         <a:cs typeface="+mn-cs"/>
       </a:defRPr>
     </a:lvl7pPr>
-    <a:lvl8pPr marL="3200400" algn="l" defTabSz="914400" rtl="0" eaLnBrk="1" latinLnBrk="0" hangingPunct="1">
+    <a:lvl8pPr marL="3200400" algn="l" defTabSz="457200" rtl="0" eaLnBrk="1" latinLnBrk="0" hangingPunct="1">
       <a:defRPr sz="1800" kern="1200">
         <a:solidFill>
           <a:schemeClr val="tx1"/>
@@ -93,7 +97,7 @@
         <a:cs typeface="+mn-cs"/>
       </a:defRPr>
     </a:lvl8pPr>
-    <a:lvl9pPr marL="3657600" algn="l" defTabSz="914400" rtl="0" eaLnBrk="1" latinLnBrk="0" hangingPunct="1">
+    <a:lvl9pPr marL="3657600" algn="l" defTabSz="457200" rtl="0" eaLnBrk="1" latinLnBrk="0" hangingPunct="1">
       <a:defRPr sz="1800" kern="1200">
         <a:solidFill>
           <a:schemeClr val="tx1"/>
@@ -104,11 +108,449 @@
       </a:defRPr>
     </a:lvl9pPr>
   </p:defaultTextStyle>
+  <p:extLst>
+    <p:ext uri="{EFAFB233-063F-42B5-8137-9DF3F51BA10A}">
+      <p15:sldGuideLst xmlns:p15="http://schemas.microsoft.com/office/powerpoint/2012/main"/>
+    </p:ext>
+  </p:extLst>
 </p:presentation>
 </file>
 
+<file path=ppt/notesMasters/notesMaster1.xml><?xml version="1.0" encoding="utf-8"?>
+<p:notesMaster xmlns:a="http://schemas.openxmlformats.org/drawingml/2006/main" xmlns:r="http://schemas.openxmlformats.org/officeDocument/2006/relationships" xmlns:p="http://schemas.openxmlformats.org/presentationml/2006/main">
+  <p:cSld>
+    <p:bg>
+      <p:bgRef idx="1001">
+        <a:schemeClr val="bg1"/>
+      </p:bgRef>
+    </p:bg>
+    <p:spTree>
+      <p:nvGrpSpPr>
+        <p:cNvPr id="1" name=""/>
+        <p:cNvGrpSpPr/>
+        <p:nvPr/>
+      </p:nvGrpSpPr>
+      <p:grpSpPr>
+        <a:xfrm>
+          <a:off x="0" y="0"/>
+          <a:ext cx="0" cy="0"/>
+          <a:chOff x="0" y="0"/>
+          <a:chExt cx="0" cy="0"/>
+        </a:xfrm>
+      </p:grpSpPr>
+      <p:sp>
+        <p:nvSpPr>
+          <p:cNvPr id="2" name="页眉占位符 1"/>
+          <p:cNvSpPr>
+            <a:spLocks noGrp="1"/>
+          </p:cNvSpPr>
+          <p:nvPr>
+            <p:ph type="hdr" sz="quarter"/>
+          </p:nvPr>
+        </p:nvSpPr>
+        <p:spPr>
+          <a:xfrm>
+            <a:off x="0" y="0"/>
+            <a:ext cx="2971800" cy="458788"/>
+          </a:xfrm>
+          <a:prstGeom prst="rect">
+            <a:avLst/>
+          </a:prstGeom>
+        </p:spPr>
+        <p:txBody>
+          <a:bodyPr vert="horz" lIns="91440" tIns="45720" rIns="91440" bIns="45720" rtlCol="0"/>
+          <a:lstStyle>
+            <a:lvl1pPr algn="l">
+              <a:defRPr sz="1200"/>
+            </a:lvl1pPr>
+          </a:lstStyle>
+          <a:p>
+            <a:endParaRPr lang="zh-CN" altLang="en-US"/>
+          </a:p>
+        </p:txBody>
+      </p:sp>
+      <p:sp>
+        <p:nvSpPr>
+          <p:cNvPr id="3" name="日期占位符 2"/>
+          <p:cNvSpPr>
+            <a:spLocks noGrp="1"/>
+          </p:cNvSpPr>
+          <p:nvPr>
+            <p:ph type="dt" idx="1"/>
+          </p:nvPr>
+        </p:nvSpPr>
+        <p:spPr>
+          <a:xfrm>
+            <a:off x="3884613" y="0"/>
+            <a:ext cx="2971800" cy="458788"/>
+          </a:xfrm>
+          <a:prstGeom prst="rect">
+            <a:avLst/>
+          </a:prstGeom>
+        </p:spPr>
+        <p:txBody>
+          <a:bodyPr vert="horz" lIns="91440" tIns="45720" rIns="91440" bIns="45720" rtlCol="0"/>
+          <a:lstStyle>
+            <a:lvl1pPr algn="r">
+              <a:defRPr sz="1200"/>
+            </a:lvl1pPr>
+          </a:lstStyle>
+          <a:p>
+            <a:fld id="{2057B0A4-F533-408D-9574-959D89B6B3B8}" type="datetimeFigureOut">
+              <a:rPr lang="zh-CN" altLang="en-US" smtClean="0"/>
+              <a:t>2021/6/21</a:t>
+            </a:fld>
+            <a:endParaRPr lang="zh-CN" altLang="en-US"/>
+          </a:p>
+        </p:txBody>
+      </p:sp>
+      <p:sp>
+        <p:nvSpPr>
+          <p:cNvPr id="4" name="幻灯片图像占位符 3"/>
+          <p:cNvSpPr>
+            <a:spLocks noGrp="1" noRot="1" noChangeAspect="1"/>
+          </p:cNvSpPr>
+          <p:nvPr>
+            <p:ph type="sldImg" idx="2"/>
+          </p:nvPr>
+        </p:nvSpPr>
+        <p:spPr>
+          <a:xfrm>
+            <a:off x="685800" y="1143000"/>
+            <a:ext cx="5486400" cy="3086100"/>
+          </a:xfrm>
+          <a:prstGeom prst="rect">
+            <a:avLst/>
+          </a:prstGeom>
+          <a:noFill/>
+          <a:ln w="12700">
+            <a:solidFill>
+              <a:prstClr val="black"/>
+            </a:solidFill>
+          </a:ln>
+        </p:spPr>
+        <p:txBody>
+          <a:bodyPr vert="horz" lIns="91440" tIns="45720" rIns="91440" bIns="45720" rtlCol="0" anchor="ctr"/>
+          <a:lstStyle/>
+          <a:p>
+            <a:endParaRPr lang="zh-CN" altLang="en-US"/>
+          </a:p>
+        </p:txBody>
+      </p:sp>
+      <p:sp>
+        <p:nvSpPr>
+          <p:cNvPr id="5" name="备注占位符 4"/>
+          <p:cNvSpPr>
+            <a:spLocks noGrp="1"/>
+          </p:cNvSpPr>
+          <p:nvPr>
+            <p:ph type="body" sz="quarter" idx="3"/>
+          </p:nvPr>
+        </p:nvSpPr>
+        <p:spPr>
+          <a:xfrm>
+            <a:off x="685800" y="4400550"/>
+            <a:ext cx="5486400" cy="3600450"/>
+          </a:xfrm>
+          <a:prstGeom prst="rect">
+            <a:avLst/>
+          </a:prstGeom>
+        </p:spPr>
+        <p:txBody>
+          <a:bodyPr vert="horz" lIns="91440" tIns="45720" rIns="91440" bIns="45720" rtlCol="0"/>
+          <a:lstStyle/>
+          <a:p>
+            <a:pPr lvl="0"/>
+            <a:r>
+              <a:rPr lang="zh-CN" altLang="en-US"/>
+              <a:t>编辑母版文本样式</a:t>
+            </a:r>
+          </a:p>
+          <a:p>
+            <a:pPr lvl="1"/>
+            <a:r>
+              <a:rPr lang="zh-CN" altLang="en-US"/>
+              <a:t>第二级</a:t>
+            </a:r>
+          </a:p>
+          <a:p>
+            <a:pPr lvl="2"/>
+            <a:r>
+              <a:rPr lang="zh-CN" altLang="en-US"/>
+              <a:t>第三级</a:t>
+            </a:r>
+          </a:p>
+          <a:p>
+            <a:pPr lvl="3"/>
+            <a:r>
+              <a:rPr lang="zh-CN" altLang="en-US"/>
+              <a:t>第四级</a:t>
+            </a:r>
+          </a:p>
+          <a:p>
+            <a:pPr lvl="4"/>
+            <a:r>
+              <a:rPr lang="zh-CN" altLang="en-US"/>
+              <a:t>第五级</a:t>
+            </a:r>
+          </a:p>
+        </p:txBody>
+      </p:sp>
+      <p:sp>
+        <p:nvSpPr>
+          <p:cNvPr id="6" name="页脚占位符 5"/>
+          <p:cNvSpPr>
+            <a:spLocks noGrp="1"/>
+          </p:cNvSpPr>
+          <p:nvPr>
+            <p:ph type="ftr" sz="quarter" idx="4"/>
+          </p:nvPr>
+        </p:nvSpPr>
+        <p:spPr>
+          <a:xfrm>
+            <a:off x="0" y="8685213"/>
+            <a:ext cx="2971800" cy="458787"/>
+          </a:xfrm>
+          <a:prstGeom prst="rect">
+            <a:avLst/>
+          </a:prstGeom>
+        </p:spPr>
+        <p:txBody>
+          <a:bodyPr vert="horz" lIns="91440" tIns="45720" rIns="91440" bIns="45720" rtlCol="0" anchor="b"/>
+          <a:lstStyle>
+            <a:lvl1pPr algn="l">
+              <a:defRPr sz="1200"/>
+            </a:lvl1pPr>
+          </a:lstStyle>
+          <a:p>
+            <a:endParaRPr lang="zh-CN" altLang="en-US"/>
+          </a:p>
+        </p:txBody>
+      </p:sp>
+      <p:sp>
+        <p:nvSpPr>
+          <p:cNvPr id="7" name="灯片编号占位符 6"/>
+          <p:cNvSpPr>
+            <a:spLocks noGrp="1"/>
+          </p:cNvSpPr>
+          <p:nvPr>
+            <p:ph type="sldNum" sz="quarter" idx="5"/>
+          </p:nvPr>
+        </p:nvSpPr>
+        <p:spPr>
+          <a:xfrm>
+            <a:off x="3884613" y="8685213"/>
+            <a:ext cx="2971800" cy="458787"/>
+          </a:xfrm>
+          <a:prstGeom prst="rect">
+            <a:avLst/>
+          </a:prstGeom>
+        </p:spPr>
+        <p:txBody>
+          <a:bodyPr vert="horz" lIns="91440" tIns="45720" rIns="91440" bIns="45720" rtlCol="0" anchor="b"/>
+          <a:lstStyle>
+            <a:lvl1pPr algn="r">
+              <a:defRPr sz="1200"/>
+            </a:lvl1pPr>
+          </a:lstStyle>
+          <a:p>
+            <a:fld id="{A538DDE6-0A79-4056-B053-66641005F861}" type="slidenum">
+              <a:rPr lang="zh-CN" altLang="en-US" smtClean="0"/>
+              <a:t>‹#›</a:t>
+            </a:fld>
+            <a:endParaRPr lang="zh-CN" altLang="en-US"/>
+          </a:p>
+        </p:txBody>
+      </p:sp>
+    </p:spTree>
+    <p:extLst>
+      <p:ext uri="{BB962C8B-B14F-4D97-AF65-F5344CB8AC3E}">
+        <p14:creationId xmlns:p14="http://schemas.microsoft.com/office/powerpoint/2010/main" val="3232024318"/>
+      </p:ext>
+    </p:extLst>
+  </p:cSld>
+  <p:clrMap bg1="lt1" tx1="dk1" bg2="lt2" tx2="dk2" accent1="accent1" accent2="accent2" accent3="accent3" accent4="accent4" accent5="accent5" accent6="accent6" hlink="hlink" folHlink="folHlink"/>
+  <p:notesStyle>
+    <a:lvl1pPr marL="0" algn="l" defTabSz="914400" rtl="0" eaLnBrk="1" latinLnBrk="0" hangingPunct="1">
+      <a:defRPr sz="1200" kern="1200">
+        <a:solidFill>
+          <a:schemeClr val="tx1"/>
+        </a:solidFill>
+        <a:latin typeface="+mn-lt"/>
+        <a:ea typeface="+mn-ea"/>
+        <a:cs typeface="+mn-cs"/>
+      </a:defRPr>
+    </a:lvl1pPr>
+    <a:lvl2pPr marL="457200" algn="l" defTabSz="914400" rtl="0" eaLnBrk="1" latinLnBrk="0" hangingPunct="1">
+      <a:defRPr sz="1200" kern="1200">
+        <a:solidFill>
+          <a:schemeClr val="tx1"/>
+        </a:solidFill>
+        <a:latin typeface="+mn-lt"/>
+        <a:ea typeface="+mn-ea"/>
+        <a:cs typeface="+mn-cs"/>
+      </a:defRPr>
+    </a:lvl2pPr>
+    <a:lvl3pPr marL="914400" algn="l" defTabSz="914400" rtl="0" eaLnBrk="1" latinLnBrk="0" hangingPunct="1">
+      <a:defRPr sz="1200" kern="1200">
+        <a:solidFill>
+          <a:schemeClr val="tx1"/>
+        </a:solidFill>
+        <a:latin typeface="+mn-lt"/>
+        <a:ea typeface="+mn-ea"/>
+        <a:cs typeface="+mn-cs"/>
+      </a:defRPr>
+    </a:lvl3pPr>
+    <a:lvl4pPr marL="1371600" algn="l" defTabSz="914400" rtl="0" eaLnBrk="1" latinLnBrk="0" hangingPunct="1">
+      <a:defRPr sz="1200" kern="1200">
+        <a:solidFill>
+          <a:schemeClr val="tx1"/>
+        </a:solidFill>
+        <a:latin typeface="+mn-lt"/>
+        <a:ea typeface="+mn-ea"/>
+        <a:cs typeface="+mn-cs"/>
+      </a:defRPr>
+    </a:lvl4pPr>
+    <a:lvl5pPr marL="1828800" algn="l" defTabSz="914400" rtl="0" eaLnBrk="1" latinLnBrk="0" hangingPunct="1">
+      <a:defRPr sz="1200" kern="1200">
+        <a:solidFill>
+          <a:schemeClr val="tx1"/>
+        </a:solidFill>
+        <a:latin typeface="+mn-lt"/>
+        <a:ea typeface="+mn-ea"/>
+        <a:cs typeface="+mn-cs"/>
+      </a:defRPr>
+    </a:lvl5pPr>
+    <a:lvl6pPr marL="2286000" algn="l" defTabSz="914400" rtl="0" eaLnBrk="1" latinLnBrk="0" hangingPunct="1">
+      <a:defRPr sz="1200" kern="1200">
+        <a:solidFill>
+          <a:schemeClr val="tx1"/>
+        </a:solidFill>
+        <a:latin typeface="+mn-lt"/>
+        <a:ea typeface="+mn-ea"/>
+        <a:cs typeface="+mn-cs"/>
+      </a:defRPr>
+    </a:lvl6pPr>
+    <a:lvl7pPr marL="2743200" algn="l" defTabSz="914400" rtl="0" eaLnBrk="1" latinLnBrk="0" hangingPunct="1">
+      <a:defRPr sz="1200" kern="1200">
+        <a:solidFill>
+          <a:schemeClr val="tx1"/>
+        </a:solidFill>
+        <a:latin typeface="+mn-lt"/>
+        <a:ea typeface="+mn-ea"/>
+        <a:cs typeface="+mn-cs"/>
+      </a:defRPr>
+    </a:lvl7pPr>
+    <a:lvl8pPr marL="3200400" algn="l" defTabSz="914400" rtl="0" eaLnBrk="1" latinLnBrk="0" hangingPunct="1">
+      <a:defRPr sz="1200" kern="1200">
+        <a:solidFill>
+          <a:schemeClr val="tx1"/>
+        </a:solidFill>
+        <a:latin typeface="+mn-lt"/>
+        <a:ea typeface="+mn-ea"/>
+        <a:cs typeface="+mn-cs"/>
+      </a:defRPr>
+    </a:lvl8pPr>
+    <a:lvl9pPr marL="3657600" algn="l" defTabSz="914400" rtl="0" eaLnBrk="1" latinLnBrk="0" hangingPunct="1">
+      <a:defRPr sz="1200" kern="1200">
+        <a:solidFill>
+          <a:schemeClr val="tx1"/>
+        </a:solidFill>
+        <a:latin typeface="+mn-lt"/>
+        <a:ea typeface="+mn-ea"/>
+        <a:cs typeface="+mn-cs"/>
+      </a:defRPr>
+    </a:lvl9pPr>
+  </p:notesStyle>
+</p:notesMaster>
+</file>
+
+<file path=ppt/notesSlides/notesSlide1.xml><?xml version="1.0" encoding="utf-8"?>
+<p:notes xmlns:a="http://schemas.openxmlformats.org/drawingml/2006/main" xmlns:r="http://schemas.openxmlformats.org/officeDocument/2006/relationships" xmlns:p="http://schemas.openxmlformats.org/presentationml/2006/main">
+  <p:cSld>
+    <p:spTree>
+      <p:nvGrpSpPr>
+        <p:cNvPr id="1" name=""/>
+        <p:cNvGrpSpPr/>
+        <p:nvPr/>
+      </p:nvGrpSpPr>
+      <p:grpSpPr>
+        <a:xfrm>
+          <a:off x="0" y="0"/>
+          <a:ext cx="0" cy="0"/>
+          <a:chOff x="0" y="0"/>
+          <a:chExt cx="0" cy="0"/>
+        </a:xfrm>
+      </p:grpSpPr>
+      <p:sp>
+        <p:nvSpPr>
+          <p:cNvPr id="2" name="幻灯片图像占位符 1"/>
+          <p:cNvSpPr>
+            <a:spLocks noGrp="1" noRot="1" noChangeAspect="1"/>
+          </p:cNvSpPr>
+          <p:nvPr>
+            <p:ph type="sldImg"/>
+          </p:nvPr>
+        </p:nvSpPr>
+        <p:spPr/>
+      </p:sp>
+      <p:sp>
+        <p:nvSpPr>
+          <p:cNvPr id="3" name="备注占位符 2"/>
+          <p:cNvSpPr>
+            <a:spLocks noGrp="1"/>
+          </p:cNvSpPr>
+          <p:nvPr>
+            <p:ph type="body" idx="1"/>
+          </p:nvPr>
+        </p:nvSpPr>
+        <p:spPr/>
+        <p:txBody>
+          <a:bodyPr/>
+          <a:lstStyle/>
+          <a:p>
+            <a:endParaRPr lang="zh-CN" altLang="en-US" dirty="0"/>
+          </a:p>
+        </p:txBody>
+      </p:sp>
+      <p:sp>
+        <p:nvSpPr>
+          <p:cNvPr id="4" name="灯片编号占位符 3"/>
+          <p:cNvSpPr>
+            <a:spLocks noGrp="1"/>
+          </p:cNvSpPr>
+          <p:nvPr>
+            <p:ph type="sldNum" sz="quarter" idx="5"/>
+          </p:nvPr>
+        </p:nvSpPr>
+        <p:spPr/>
+        <p:txBody>
+          <a:bodyPr/>
+          <a:lstStyle/>
+          <a:p>
+            <a:fld id="{A538DDE6-0A79-4056-B053-66641005F861}" type="slidenum">
+              <a:rPr lang="zh-CN" altLang="en-US" smtClean="0"/>
+              <a:t>1</a:t>
+            </a:fld>
+            <a:endParaRPr lang="zh-CN" altLang="en-US"/>
+          </a:p>
+        </p:txBody>
+      </p:sp>
+    </p:spTree>
+    <p:extLst>
+      <p:ext uri="{BB962C8B-B14F-4D97-AF65-F5344CB8AC3E}">
+        <p14:creationId xmlns:p14="http://schemas.microsoft.com/office/powerpoint/2010/main" val="1146338647"/>
+      </p:ext>
+    </p:extLst>
+  </p:cSld>
+  <p:clrMapOvr>
+    <a:masterClrMapping/>
+  </p:clrMapOvr>
+</p:notes>
+</file>
+
 <file path=ppt/slideLayouts/slideLayout1.xml><?xml version="1.0" encoding="utf-8"?>
-<p:sldLayout xmlns:a="http://schemas.openxmlformats.org/drawingml/2006/main" xmlns:r="http://schemas.openxmlformats.org/officeDocument/2006/relationships" xmlns:p="http://schemas.openxmlformats.org/presentationml/2006/main" type="title" preserve="1">
+<p:sldLayout xmlns:a="http://schemas.openxmlformats.org/drawingml/2006/main" xmlns:r="http://schemas.openxmlformats.org/officeDocument/2006/relationships" xmlns:p="http://schemas.openxmlformats.org/presentationml/2006/main" showMasterSp="0" type="title" preserve="1">
   <p:cSld name="标题幻灯片">
     <p:spTree>
       <p:nvGrpSpPr>
@@ -124,15 +566,541 @@
           <a:chExt cx="0" cy="0"/>
         </a:xfrm>
       </p:grpSpPr>
-      <p:sp>
-        <p:nvSpPr>
-          <p:cNvPr id="2" name="标题 1">
-            <a:extLst>
-              <a:ext uri="{FF2B5EF4-FFF2-40B4-BE49-F238E27FC236}">
-                <a16:creationId xmlns:a16="http://schemas.microsoft.com/office/drawing/2014/main" id="{948D7CEC-80F1-4617-BD60-B3D3D569080C}"/>
-              </a:ext>
-            </a:extLst>
-          </p:cNvPr>
+      <p:grpSp>
+        <p:nvGrpSpPr>
+          <p:cNvPr id="8" name="Group 7"/>
+          <p:cNvGrpSpPr/>
+          <p:nvPr/>
+        </p:nvGrpSpPr>
+        <p:grpSpPr>
+          <a:xfrm>
+            <a:off x="0" y="-8467"/>
+            <a:ext cx="12192000" cy="6866467"/>
+            <a:chOff x="0" y="-8467"/>
+            <a:chExt cx="12192000" cy="6866467"/>
+          </a:xfrm>
+        </p:grpSpPr>
+        <p:cxnSp>
+          <p:nvCxnSpPr>
+            <p:cNvPr id="32" name="Straight Connector 31"/>
+            <p:cNvCxnSpPr/>
+            <p:nvPr/>
+          </p:nvCxnSpPr>
+          <p:spPr>
+            <a:xfrm>
+              <a:off x="9371012" y="0"/>
+              <a:ext cx="1219200" cy="6858000"/>
+            </a:xfrm>
+            <a:prstGeom prst="line">
+              <a:avLst/>
+            </a:prstGeom>
+            <a:ln w="9525">
+              <a:solidFill>
+                <a:schemeClr val="bg1">
+                  <a:lumMod val="85000"/>
+                  <a:lumOff val="15000"/>
+                </a:schemeClr>
+              </a:solidFill>
+            </a:ln>
+          </p:spPr>
+          <p:style>
+            <a:lnRef idx="2">
+              <a:schemeClr val="accent1"/>
+            </a:lnRef>
+            <a:fillRef idx="0">
+              <a:schemeClr val="accent1"/>
+            </a:fillRef>
+            <a:effectRef idx="1">
+              <a:schemeClr val="accent1"/>
+            </a:effectRef>
+            <a:fontRef idx="minor">
+              <a:schemeClr val="tx1"/>
+            </a:fontRef>
+          </p:style>
+        </p:cxnSp>
+        <p:cxnSp>
+          <p:nvCxnSpPr>
+            <p:cNvPr id="21" name="Straight Connector 20"/>
+            <p:cNvCxnSpPr/>
+            <p:nvPr/>
+          </p:nvCxnSpPr>
+          <p:spPr>
+            <a:xfrm flipH="1">
+              <a:off x="7425267" y="3681413"/>
+              <a:ext cx="4763558" cy="3176587"/>
+            </a:xfrm>
+            <a:prstGeom prst="line">
+              <a:avLst/>
+            </a:prstGeom>
+            <a:ln w="9525">
+              <a:solidFill>
+                <a:schemeClr val="bg1">
+                  <a:lumMod val="85000"/>
+                  <a:lumOff val="15000"/>
+                </a:schemeClr>
+              </a:solidFill>
+            </a:ln>
+          </p:spPr>
+          <p:style>
+            <a:lnRef idx="2">
+              <a:schemeClr val="accent1"/>
+            </a:lnRef>
+            <a:fillRef idx="0">
+              <a:schemeClr val="accent1"/>
+            </a:fillRef>
+            <a:effectRef idx="1">
+              <a:schemeClr val="accent1"/>
+            </a:effectRef>
+            <a:fontRef idx="minor">
+              <a:schemeClr val="tx1"/>
+            </a:fontRef>
+          </p:style>
+        </p:cxnSp>
+        <p:sp>
+          <p:nvSpPr>
+            <p:cNvPr id="24" name="Rectangle 23"/>
+            <p:cNvSpPr/>
+            <p:nvPr/>
+          </p:nvSpPr>
+          <p:spPr>
+            <a:xfrm>
+              <a:off x="9181476" y="-8467"/>
+              <a:ext cx="3007349" cy="6866467"/>
+            </a:xfrm>
+            <a:custGeom>
+              <a:avLst/>
+              <a:gdLst/>
+              <a:ahLst/>
+              <a:cxnLst/>
+              <a:rect l="l" t="t" r="r" b="b"/>
+              <a:pathLst>
+                <a:path w="3007349" h="6866467">
+                  <a:moveTo>
+                    <a:pt x="2045532" y="0"/>
+                  </a:moveTo>
+                  <a:lnTo>
+                    <a:pt x="3007349" y="0"/>
+                  </a:lnTo>
+                  <a:lnTo>
+                    <a:pt x="3007349" y="6866467"/>
+                  </a:lnTo>
+                  <a:lnTo>
+                    <a:pt x="0" y="6866467"/>
+                  </a:lnTo>
+                  <a:lnTo>
+                    <a:pt x="2045532" y="0"/>
+                  </a:lnTo>
+                  <a:close/>
+                </a:path>
+              </a:pathLst>
+            </a:custGeom>
+            <a:solidFill>
+              <a:schemeClr val="accent1">
+                <a:alpha val="30000"/>
+              </a:schemeClr>
+            </a:solidFill>
+            <a:ln>
+              <a:noFill/>
+            </a:ln>
+            <a:effectLst/>
+          </p:spPr>
+          <p:style>
+            <a:lnRef idx="1">
+              <a:schemeClr val="accent1"/>
+            </a:lnRef>
+            <a:fillRef idx="3">
+              <a:schemeClr val="accent1"/>
+            </a:fillRef>
+            <a:effectRef idx="2">
+              <a:schemeClr val="accent1"/>
+            </a:effectRef>
+            <a:fontRef idx="minor">
+              <a:schemeClr val="lt1"/>
+            </a:fontRef>
+          </p:style>
+        </p:sp>
+        <p:sp>
+          <p:nvSpPr>
+            <p:cNvPr id="26" name="Rectangle 25"/>
+            <p:cNvSpPr/>
+            <p:nvPr/>
+          </p:nvSpPr>
+          <p:spPr>
+            <a:xfrm>
+              <a:off x="9603442" y="-8467"/>
+              <a:ext cx="2588558" cy="6866467"/>
+            </a:xfrm>
+            <a:custGeom>
+              <a:avLst/>
+              <a:gdLst/>
+              <a:ahLst/>
+              <a:cxnLst/>
+              <a:rect l="l" t="t" r="r" b="b"/>
+              <a:pathLst>
+                <a:path w="2573311" h="6866467">
+                  <a:moveTo>
+                    <a:pt x="0" y="0"/>
+                  </a:moveTo>
+                  <a:lnTo>
+                    <a:pt x="2573311" y="0"/>
+                  </a:lnTo>
+                  <a:lnTo>
+                    <a:pt x="2573311" y="6866467"/>
+                  </a:lnTo>
+                  <a:lnTo>
+                    <a:pt x="1202336" y="6866467"/>
+                  </a:lnTo>
+                  <a:lnTo>
+                    <a:pt x="0" y="0"/>
+                  </a:lnTo>
+                  <a:close/>
+                </a:path>
+              </a:pathLst>
+            </a:custGeom>
+            <a:solidFill>
+              <a:schemeClr val="accent1">
+                <a:alpha val="20000"/>
+              </a:schemeClr>
+            </a:solidFill>
+            <a:ln>
+              <a:noFill/>
+            </a:ln>
+            <a:effectLst/>
+          </p:spPr>
+          <p:style>
+            <a:lnRef idx="1">
+              <a:schemeClr val="accent1"/>
+            </a:lnRef>
+            <a:fillRef idx="3">
+              <a:schemeClr val="accent1"/>
+            </a:fillRef>
+            <a:effectRef idx="2">
+              <a:schemeClr val="accent1"/>
+            </a:effectRef>
+            <a:fontRef idx="minor">
+              <a:schemeClr val="lt1"/>
+            </a:fontRef>
+          </p:style>
+        </p:sp>
+        <p:sp>
+          <p:nvSpPr>
+            <p:cNvPr id="27" name="Isosceles Triangle 26"/>
+            <p:cNvSpPr/>
+            <p:nvPr/>
+          </p:nvSpPr>
+          <p:spPr>
+            <a:xfrm>
+              <a:off x="8932333" y="3048000"/>
+              <a:ext cx="3259667" cy="3810000"/>
+            </a:xfrm>
+            <a:prstGeom prst="triangle">
+              <a:avLst>
+                <a:gd name="adj" fmla="val 100000"/>
+              </a:avLst>
+            </a:prstGeom>
+            <a:solidFill>
+              <a:schemeClr val="accent2">
+                <a:alpha val="72000"/>
+              </a:schemeClr>
+            </a:solidFill>
+            <a:ln>
+              <a:noFill/>
+            </a:ln>
+            <a:effectLst/>
+          </p:spPr>
+          <p:style>
+            <a:lnRef idx="1">
+              <a:schemeClr val="accent1"/>
+            </a:lnRef>
+            <a:fillRef idx="3">
+              <a:schemeClr val="accent1"/>
+            </a:fillRef>
+            <a:effectRef idx="2">
+              <a:schemeClr val="accent1"/>
+            </a:effectRef>
+            <a:fontRef idx="minor">
+              <a:schemeClr val="lt1"/>
+            </a:fontRef>
+          </p:style>
+        </p:sp>
+        <p:sp>
+          <p:nvSpPr>
+            <p:cNvPr id="28" name="Rectangle 27"/>
+            <p:cNvSpPr/>
+            <p:nvPr/>
+          </p:nvSpPr>
+          <p:spPr>
+            <a:xfrm>
+              <a:off x="9334500" y="-8467"/>
+              <a:ext cx="2854326" cy="6866467"/>
+            </a:xfrm>
+            <a:custGeom>
+              <a:avLst/>
+              <a:gdLst/>
+              <a:ahLst/>
+              <a:cxnLst/>
+              <a:rect l="l" t="t" r="r" b="b"/>
+              <a:pathLst>
+                <a:path w="2858013" h="6866467">
+                  <a:moveTo>
+                    <a:pt x="0" y="0"/>
+                  </a:moveTo>
+                  <a:lnTo>
+                    <a:pt x="2858013" y="0"/>
+                  </a:lnTo>
+                  <a:lnTo>
+                    <a:pt x="2858013" y="6866467"/>
+                  </a:lnTo>
+                  <a:lnTo>
+                    <a:pt x="2473942" y="6866467"/>
+                  </a:lnTo>
+                  <a:lnTo>
+                    <a:pt x="0" y="0"/>
+                  </a:lnTo>
+                  <a:close/>
+                </a:path>
+              </a:pathLst>
+            </a:custGeom>
+            <a:solidFill>
+              <a:schemeClr val="accent2">
+                <a:lumMod val="75000"/>
+                <a:alpha val="70000"/>
+              </a:schemeClr>
+            </a:solidFill>
+            <a:ln>
+              <a:noFill/>
+            </a:ln>
+            <a:effectLst/>
+          </p:spPr>
+          <p:style>
+            <a:lnRef idx="1">
+              <a:schemeClr val="accent1"/>
+            </a:lnRef>
+            <a:fillRef idx="3">
+              <a:schemeClr val="accent1"/>
+            </a:fillRef>
+            <a:effectRef idx="2">
+              <a:schemeClr val="accent1"/>
+            </a:effectRef>
+            <a:fontRef idx="minor">
+              <a:schemeClr val="lt1"/>
+            </a:fontRef>
+          </p:style>
+        </p:sp>
+        <p:sp>
+          <p:nvSpPr>
+            <p:cNvPr id="29" name="Rectangle 28"/>
+            <p:cNvSpPr/>
+            <p:nvPr/>
+          </p:nvSpPr>
+          <p:spPr>
+            <a:xfrm>
+              <a:off x="10898730" y="-8467"/>
+              <a:ext cx="1290094" cy="6866467"/>
+            </a:xfrm>
+            <a:custGeom>
+              <a:avLst/>
+              <a:gdLst/>
+              <a:ahLst/>
+              <a:cxnLst/>
+              <a:rect l="l" t="t" r="r" b="b"/>
+              <a:pathLst>
+                <a:path w="1290094" h="6858000">
+                  <a:moveTo>
+                    <a:pt x="1019735" y="0"/>
+                  </a:moveTo>
+                  <a:lnTo>
+                    <a:pt x="1290094" y="0"/>
+                  </a:lnTo>
+                  <a:lnTo>
+                    <a:pt x="1290094" y="6858000"/>
+                  </a:lnTo>
+                  <a:lnTo>
+                    <a:pt x="0" y="6858000"/>
+                  </a:lnTo>
+                  <a:lnTo>
+                    <a:pt x="1019735" y="0"/>
+                  </a:lnTo>
+                  <a:close/>
+                </a:path>
+              </a:pathLst>
+            </a:custGeom>
+            <a:solidFill>
+              <a:schemeClr val="accent1">
+                <a:lumMod val="60000"/>
+                <a:lumOff val="40000"/>
+                <a:alpha val="70000"/>
+              </a:schemeClr>
+            </a:solidFill>
+            <a:ln>
+              <a:noFill/>
+            </a:ln>
+            <a:effectLst/>
+          </p:spPr>
+          <p:style>
+            <a:lnRef idx="1">
+              <a:schemeClr val="accent1"/>
+            </a:lnRef>
+            <a:fillRef idx="3">
+              <a:schemeClr val="accent1"/>
+            </a:fillRef>
+            <a:effectRef idx="2">
+              <a:schemeClr val="accent1"/>
+            </a:effectRef>
+            <a:fontRef idx="minor">
+              <a:schemeClr val="lt1"/>
+            </a:fontRef>
+          </p:style>
+        </p:sp>
+        <p:sp>
+          <p:nvSpPr>
+            <p:cNvPr id="30" name="Rectangle 29"/>
+            <p:cNvSpPr/>
+            <p:nvPr/>
+          </p:nvSpPr>
+          <p:spPr>
+            <a:xfrm>
+              <a:off x="10938999" y="-8467"/>
+              <a:ext cx="1249825" cy="6866467"/>
+            </a:xfrm>
+            <a:custGeom>
+              <a:avLst/>
+              <a:gdLst/>
+              <a:ahLst/>
+              <a:cxnLst/>
+              <a:rect l="l" t="t" r="r" b="b"/>
+              <a:pathLst>
+                <a:path w="1249825" h="6858000">
+                  <a:moveTo>
+                    <a:pt x="0" y="0"/>
+                  </a:moveTo>
+                  <a:lnTo>
+                    <a:pt x="1249825" y="0"/>
+                  </a:lnTo>
+                  <a:lnTo>
+                    <a:pt x="1249825" y="6858000"/>
+                  </a:lnTo>
+                  <a:lnTo>
+                    <a:pt x="1109382" y="6858000"/>
+                  </a:lnTo>
+                  <a:lnTo>
+                    <a:pt x="0" y="0"/>
+                  </a:lnTo>
+                  <a:close/>
+                </a:path>
+              </a:pathLst>
+            </a:custGeom>
+            <a:solidFill>
+              <a:schemeClr val="accent1">
+                <a:alpha val="65000"/>
+              </a:schemeClr>
+            </a:solidFill>
+            <a:ln>
+              <a:noFill/>
+            </a:ln>
+            <a:effectLst/>
+          </p:spPr>
+          <p:style>
+            <a:lnRef idx="1">
+              <a:schemeClr val="accent1"/>
+            </a:lnRef>
+            <a:fillRef idx="3">
+              <a:schemeClr val="accent1"/>
+            </a:fillRef>
+            <a:effectRef idx="2">
+              <a:schemeClr val="accent1"/>
+            </a:effectRef>
+            <a:fontRef idx="minor">
+              <a:schemeClr val="lt1"/>
+            </a:fontRef>
+          </p:style>
+        </p:sp>
+        <p:sp>
+          <p:nvSpPr>
+            <p:cNvPr id="31" name="Isosceles Triangle 30"/>
+            <p:cNvSpPr/>
+            <p:nvPr/>
+          </p:nvSpPr>
+          <p:spPr>
+            <a:xfrm>
+              <a:off x="10371666" y="3589867"/>
+              <a:ext cx="1817159" cy="3268133"/>
+            </a:xfrm>
+            <a:prstGeom prst="triangle">
+              <a:avLst>
+                <a:gd name="adj" fmla="val 100000"/>
+              </a:avLst>
+            </a:prstGeom>
+            <a:solidFill>
+              <a:schemeClr val="accent1">
+                <a:alpha val="80000"/>
+              </a:schemeClr>
+            </a:solidFill>
+            <a:ln>
+              <a:noFill/>
+            </a:ln>
+            <a:effectLst/>
+          </p:spPr>
+          <p:style>
+            <a:lnRef idx="1">
+              <a:schemeClr val="accent1"/>
+            </a:lnRef>
+            <a:fillRef idx="3">
+              <a:schemeClr val="accent1"/>
+            </a:fillRef>
+            <a:effectRef idx="2">
+              <a:schemeClr val="accent1"/>
+            </a:effectRef>
+            <a:fontRef idx="minor">
+              <a:schemeClr val="lt1"/>
+            </a:fontRef>
+          </p:style>
+        </p:sp>
+        <p:sp>
+          <p:nvSpPr>
+            <p:cNvPr id="19" name="Isosceles Triangle 18"/>
+            <p:cNvSpPr/>
+            <p:nvPr/>
+          </p:nvSpPr>
+          <p:spPr>
+            <a:xfrm rot="10800000">
+              <a:off x="0" y="0"/>
+              <a:ext cx="842596" cy="5666154"/>
+            </a:xfrm>
+            <a:prstGeom prst="triangle">
+              <a:avLst>
+                <a:gd name="adj" fmla="val 100000"/>
+              </a:avLst>
+            </a:prstGeom>
+            <a:solidFill>
+              <a:schemeClr val="accent1">
+                <a:alpha val="85000"/>
+              </a:schemeClr>
+            </a:solidFill>
+            <a:ln>
+              <a:noFill/>
+            </a:ln>
+            <a:effectLst/>
+          </p:spPr>
+          <p:style>
+            <a:lnRef idx="1">
+              <a:schemeClr val="accent1"/>
+            </a:lnRef>
+            <a:fillRef idx="3">
+              <a:schemeClr val="accent1"/>
+            </a:fillRef>
+            <a:effectRef idx="2">
+              <a:schemeClr val="accent1"/>
+            </a:effectRef>
+            <a:fontRef idx="minor">
+              <a:schemeClr val="lt1"/>
+            </a:fontRef>
+          </p:style>
+        </p:sp>
+      </p:grpSp>
+      <p:sp>
+        <p:nvSpPr>
+          <p:cNvPr id="2" name="Title 1"/>
           <p:cNvSpPr>
             <a:spLocks noGrp="1"/>
           </p:cNvSpPr>
@@ -142,15 +1110,21 @@
         </p:nvSpPr>
         <p:spPr>
           <a:xfrm>
-            <a:off x="1524000" y="1122363"/>
-            <a:ext cx="9144000" cy="2387600"/>
+            <a:off x="1507067" y="2404534"/>
+            <a:ext cx="7766936" cy="1646302"/>
           </a:xfrm>
         </p:spPr>
         <p:txBody>
-          <a:bodyPr anchor="b"/>
+          <a:bodyPr anchor="b">
+            <a:noAutofit/>
+          </a:bodyPr>
           <a:lstStyle>
-            <a:lvl1pPr algn="ctr">
-              <a:defRPr sz="6000"/>
+            <a:lvl1pPr algn="r">
+              <a:defRPr sz="5400">
+                <a:solidFill>
+                  <a:schemeClr val="accent1"/>
+                </a:solidFill>
+              </a:defRPr>
             </a:lvl1pPr>
           </a:lstStyle>
           <a:p>
@@ -158,18 +1132,13 @@
               <a:rPr lang="zh-CN" altLang="en-US"/>
               <a:t>单击此处编辑母版标题样式</a:t>
             </a:r>
-          </a:p>
-        </p:txBody>
-      </p:sp>
-      <p:sp>
-        <p:nvSpPr>
-          <p:cNvPr id="3" name="副标题 2">
-            <a:extLst>
-              <a:ext uri="{FF2B5EF4-FFF2-40B4-BE49-F238E27FC236}">
-                <a16:creationId xmlns:a16="http://schemas.microsoft.com/office/drawing/2014/main" id="{0C4160B1-2651-4ABD-B358-F5A125B6F597}"/>
-              </a:ext>
-            </a:extLst>
-          </p:cNvPr>
+            <a:endParaRPr lang="en-US" dirty="0"/>
+          </a:p>
+        </p:txBody>
+      </p:sp>
+      <p:sp>
+        <p:nvSpPr>
+          <p:cNvPr id="3" name="Subtitle 2"/>
           <p:cNvSpPr>
             <a:spLocks noGrp="1"/>
           </p:cNvSpPr>
@@ -179,48 +1148,103 @@
         </p:nvSpPr>
         <p:spPr>
           <a:xfrm>
-            <a:off x="1524000" y="3602038"/>
-            <a:ext cx="9144000" cy="1655762"/>
+            <a:off x="1507067" y="4050833"/>
+            <a:ext cx="7766936" cy="1096899"/>
           </a:xfrm>
         </p:spPr>
         <p:txBody>
-          <a:bodyPr/>
+          <a:bodyPr anchor="t"/>
           <a:lstStyle>
-            <a:lvl1pPr marL="0" indent="0" algn="ctr">
-              <a:buNone/>
-              <a:defRPr sz="2400"/>
+            <a:lvl1pPr marL="0" indent="0" algn="r">
+              <a:buNone/>
+              <a:defRPr>
+                <a:solidFill>
+                  <a:schemeClr val="tx1">
+                    <a:lumMod val="50000"/>
+                    <a:lumOff val="50000"/>
+                  </a:schemeClr>
+                </a:solidFill>
+              </a:defRPr>
             </a:lvl1pPr>
             <a:lvl2pPr marL="457200" indent="0" algn="ctr">
               <a:buNone/>
-              <a:defRPr sz="2000"/>
+              <a:defRPr>
+                <a:solidFill>
+                  <a:schemeClr val="tx1">
+                    <a:tint val="75000"/>
+                  </a:schemeClr>
+                </a:solidFill>
+              </a:defRPr>
             </a:lvl2pPr>
             <a:lvl3pPr marL="914400" indent="0" algn="ctr">
               <a:buNone/>
-              <a:defRPr sz="1800"/>
+              <a:defRPr>
+                <a:solidFill>
+                  <a:schemeClr val="tx1">
+                    <a:tint val="75000"/>
+                  </a:schemeClr>
+                </a:solidFill>
+              </a:defRPr>
             </a:lvl3pPr>
             <a:lvl4pPr marL="1371600" indent="0" algn="ctr">
               <a:buNone/>
-              <a:defRPr sz="1600"/>
+              <a:defRPr>
+                <a:solidFill>
+                  <a:schemeClr val="tx1">
+                    <a:tint val="75000"/>
+                  </a:schemeClr>
+                </a:solidFill>
+              </a:defRPr>
             </a:lvl4pPr>
             <a:lvl5pPr marL="1828800" indent="0" algn="ctr">
               <a:buNone/>
-              <a:defRPr sz="1600"/>
+              <a:defRPr>
+                <a:solidFill>
+                  <a:schemeClr val="tx1">
+                    <a:tint val="75000"/>
+                  </a:schemeClr>
+                </a:solidFill>
+              </a:defRPr>
             </a:lvl5pPr>
             <a:lvl6pPr marL="2286000" indent="0" algn="ctr">
               <a:buNone/>
-              <a:defRPr sz="1600"/>
+              <a:defRPr>
+                <a:solidFill>
+                  <a:schemeClr val="tx1">
+                    <a:tint val="75000"/>
+                  </a:schemeClr>
+                </a:solidFill>
+              </a:defRPr>
             </a:lvl6pPr>
             <a:lvl7pPr marL="2743200" indent="0" algn="ctr">
               <a:buNone/>
-              <a:defRPr sz="1600"/>
+              <a:defRPr>
+                <a:solidFill>
+                  <a:schemeClr val="tx1">
+                    <a:tint val="75000"/>
+                  </a:schemeClr>
+                </a:solidFill>
+              </a:defRPr>
             </a:lvl7pPr>
             <a:lvl8pPr marL="3200400" indent="0" algn="ctr">
               <a:buNone/>
-              <a:defRPr sz="1600"/>
+              <a:defRPr>
+                <a:solidFill>
+                  <a:schemeClr val="tx1">
+                    <a:tint val="75000"/>
+                  </a:schemeClr>
+                </a:solidFill>
+              </a:defRPr>
             </a:lvl8pPr>
             <a:lvl9pPr marL="3657600" indent="0" algn="ctr">
               <a:buNone/>
-              <a:defRPr sz="1600"/>
+              <a:defRPr>
+                <a:solidFill>
+                  <a:schemeClr val="tx1">
+                    <a:tint val="75000"/>
+                  </a:schemeClr>
+                </a:solidFill>
+              </a:defRPr>
             </a:lvl9pPr>
           </a:lstStyle>
           <a:p>
@@ -228,18 +1252,13 @@
               <a:rPr lang="zh-CN" altLang="en-US"/>
               <a:t>单击此处编辑母版副标题样式</a:t>
             </a:r>
-          </a:p>
-        </p:txBody>
-      </p:sp>
-      <p:sp>
-        <p:nvSpPr>
-          <p:cNvPr id="4" name="日期占位符 3">
-            <a:extLst>
-              <a:ext uri="{FF2B5EF4-FFF2-40B4-BE49-F238E27FC236}">
-                <a16:creationId xmlns:a16="http://schemas.microsoft.com/office/drawing/2014/main" id="{7AAD2E21-B8D1-4E57-BA61-2328BDA474BD}"/>
-              </a:ext>
-            </a:extLst>
-          </p:cNvPr>
+            <a:endParaRPr lang="en-US" dirty="0"/>
+          </a:p>
+        </p:txBody>
+      </p:sp>
+      <p:sp>
+        <p:nvSpPr>
+          <p:cNvPr id="4" name="Date Placeholder 3"/>
           <p:cNvSpPr>
             <a:spLocks noGrp="1"/>
           </p:cNvSpPr>
@@ -262,13 +1281,7 @@
       </p:sp>
       <p:sp>
         <p:nvSpPr>
-          <p:cNvPr id="5" name="页脚占位符 4">
-            <a:extLst>
-              <a:ext uri="{FF2B5EF4-FFF2-40B4-BE49-F238E27FC236}">
-                <a16:creationId xmlns:a16="http://schemas.microsoft.com/office/drawing/2014/main" id="{F42B95ED-46A2-426F-8F20-F27B7686C0E3}"/>
-              </a:ext>
-            </a:extLst>
-          </p:cNvPr>
+          <p:cNvPr id="5" name="Footer Placeholder 4"/>
           <p:cNvSpPr>
             <a:spLocks noGrp="1"/>
           </p:cNvSpPr>
@@ -287,13 +1300,7 @@
       </p:sp>
       <p:sp>
         <p:nvSpPr>
-          <p:cNvPr id="6" name="灯片编号占位符 5">
-            <a:extLst>
-              <a:ext uri="{FF2B5EF4-FFF2-40B4-BE49-F238E27FC236}">
-                <a16:creationId xmlns:a16="http://schemas.microsoft.com/office/drawing/2014/main" id="{0336337B-9B92-473E-826D-DE8D439DDEF8}"/>
-              </a:ext>
-            </a:extLst>
-          </p:cNvPr>
+          <p:cNvPr id="6" name="Slide Number Placeholder 5"/>
           <p:cNvSpPr>
             <a:spLocks noGrp="1"/>
           </p:cNvSpPr>
@@ -317,7 +1324,7 @@
     </p:spTree>
     <p:extLst>
       <p:ext uri="{BB962C8B-B14F-4D97-AF65-F5344CB8AC3E}">
-        <p14:creationId xmlns:p14="http://schemas.microsoft.com/office/powerpoint/2010/main" val="4070563657"/>
+        <p14:creationId xmlns:p14="http://schemas.microsoft.com/office/powerpoint/2010/main" val="3019752226"/>
       </p:ext>
     </p:extLst>
   </p:cSld>
@@ -328,6 +1335,1599 @@
 </file>
 
 <file path=ppt/slideLayouts/slideLayout10.xml><?xml version="1.0" encoding="utf-8"?>
+<p:sldLayout xmlns:a="http://schemas.openxmlformats.org/drawingml/2006/main" xmlns:r="http://schemas.openxmlformats.org/officeDocument/2006/relationships" xmlns:p="http://schemas.openxmlformats.org/presentationml/2006/main" preserve="1">
+  <p:cSld name="标题和描述">
+    <p:spTree>
+      <p:nvGrpSpPr>
+        <p:cNvPr id="1" name=""/>
+        <p:cNvGrpSpPr/>
+        <p:nvPr/>
+      </p:nvGrpSpPr>
+      <p:grpSpPr>
+        <a:xfrm>
+          <a:off x="0" y="0"/>
+          <a:ext cx="0" cy="0"/>
+          <a:chOff x="0" y="0"/>
+          <a:chExt cx="0" cy="0"/>
+        </a:xfrm>
+      </p:grpSpPr>
+      <p:sp>
+        <p:nvSpPr>
+          <p:cNvPr id="2" name="Title 1"/>
+          <p:cNvSpPr>
+            <a:spLocks noGrp="1"/>
+          </p:cNvSpPr>
+          <p:nvPr>
+            <p:ph type="title"/>
+          </p:nvPr>
+        </p:nvSpPr>
+        <p:spPr>
+          <a:xfrm>
+            <a:off x="677335" y="609600"/>
+            <a:ext cx="8596668" cy="3403600"/>
+          </a:xfrm>
+        </p:spPr>
+        <p:txBody>
+          <a:bodyPr anchor="ctr">
+            <a:normAutofit/>
+          </a:bodyPr>
+          <a:lstStyle>
+            <a:lvl1pPr algn="l">
+              <a:defRPr sz="4400" b="0" cap="none"/>
+            </a:lvl1pPr>
+          </a:lstStyle>
+          <a:p>
+            <a:r>
+              <a:rPr lang="zh-CN" altLang="en-US"/>
+              <a:t>单击此处编辑母版标题样式</a:t>
+            </a:r>
+            <a:endParaRPr lang="en-US" dirty="0"/>
+          </a:p>
+        </p:txBody>
+      </p:sp>
+      <p:sp>
+        <p:nvSpPr>
+          <p:cNvPr id="3" name="Text Placeholder 2"/>
+          <p:cNvSpPr>
+            <a:spLocks noGrp="1"/>
+          </p:cNvSpPr>
+          <p:nvPr>
+            <p:ph type="body" idx="1"/>
+          </p:nvPr>
+        </p:nvSpPr>
+        <p:spPr>
+          <a:xfrm>
+            <a:off x="677335" y="4470400"/>
+            <a:ext cx="8596668" cy="1570962"/>
+          </a:xfrm>
+        </p:spPr>
+        <p:txBody>
+          <a:bodyPr anchor="ctr">
+            <a:normAutofit/>
+          </a:bodyPr>
+          <a:lstStyle>
+            <a:lvl1pPr marL="0" indent="0" algn="l">
+              <a:buNone/>
+              <a:defRPr sz="1800">
+                <a:solidFill>
+                  <a:schemeClr val="tx1">
+                    <a:lumMod val="75000"/>
+                    <a:lumOff val="25000"/>
+                  </a:schemeClr>
+                </a:solidFill>
+              </a:defRPr>
+            </a:lvl1pPr>
+            <a:lvl2pPr marL="457200" indent="0">
+              <a:buNone/>
+              <a:defRPr sz="1800">
+                <a:solidFill>
+                  <a:schemeClr val="tx1">
+                    <a:tint val="75000"/>
+                  </a:schemeClr>
+                </a:solidFill>
+              </a:defRPr>
+            </a:lvl2pPr>
+            <a:lvl3pPr marL="914400" indent="0">
+              <a:buNone/>
+              <a:defRPr sz="1600">
+                <a:solidFill>
+                  <a:schemeClr val="tx1">
+                    <a:tint val="75000"/>
+                  </a:schemeClr>
+                </a:solidFill>
+              </a:defRPr>
+            </a:lvl3pPr>
+            <a:lvl4pPr marL="1371600" indent="0">
+              <a:buNone/>
+              <a:defRPr sz="1400">
+                <a:solidFill>
+                  <a:schemeClr val="tx1">
+                    <a:tint val="75000"/>
+                  </a:schemeClr>
+                </a:solidFill>
+              </a:defRPr>
+            </a:lvl4pPr>
+            <a:lvl5pPr marL="1828800" indent="0">
+              <a:buNone/>
+              <a:defRPr sz="1400">
+                <a:solidFill>
+                  <a:schemeClr val="tx1">
+                    <a:tint val="75000"/>
+                  </a:schemeClr>
+                </a:solidFill>
+              </a:defRPr>
+            </a:lvl5pPr>
+            <a:lvl6pPr marL="2286000" indent="0">
+              <a:buNone/>
+              <a:defRPr sz="1400">
+                <a:solidFill>
+                  <a:schemeClr val="tx1">
+                    <a:tint val="75000"/>
+                  </a:schemeClr>
+                </a:solidFill>
+              </a:defRPr>
+            </a:lvl6pPr>
+            <a:lvl7pPr marL="2743200" indent="0">
+              <a:buNone/>
+              <a:defRPr sz="1400">
+                <a:solidFill>
+                  <a:schemeClr val="tx1">
+                    <a:tint val="75000"/>
+                  </a:schemeClr>
+                </a:solidFill>
+              </a:defRPr>
+            </a:lvl7pPr>
+            <a:lvl8pPr marL="3200400" indent="0">
+              <a:buNone/>
+              <a:defRPr sz="1400">
+                <a:solidFill>
+                  <a:schemeClr val="tx1">
+                    <a:tint val="75000"/>
+                  </a:schemeClr>
+                </a:solidFill>
+              </a:defRPr>
+            </a:lvl8pPr>
+            <a:lvl9pPr marL="3657600" indent="0">
+              <a:buNone/>
+              <a:defRPr sz="1400">
+                <a:solidFill>
+                  <a:schemeClr val="tx1">
+                    <a:tint val="75000"/>
+                  </a:schemeClr>
+                </a:solidFill>
+              </a:defRPr>
+            </a:lvl9pPr>
+          </a:lstStyle>
+          <a:p>
+            <a:pPr lvl="0"/>
+            <a:r>
+              <a:rPr lang="zh-CN" altLang="en-US"/>
+              <a:t>编辑母版文本样式</a:t>
+            </a:r>
+          </a:p>
+        </p:txBody>
+      </p:sp>
+      <p:sp>
+        <p:nvSpPr>
+          <p:cNvPr id="4" name="Date Placeholder 3"/>
+          <p:cNvSpPr>
+            <a:spLocks noGrp="1"/>
+          </p:cNvSpPr>
+          <p:nvPr>
+            <p:ph type="dt" sz="half" idx="10"/>
+          </p:nvPr>
+        </p:nvSpPr>
+        <p:spPr/>
+        <p:txBody>
+          <a:bodyPr/>
+          <a:lstStyle/>
+          <a:p>
+            <a:fld id="{9F4A8D1C-EF4A-4962-9926-D0853BD5158B}" type="datetimeFigureOut">
+              <a:rPr lang="zh-CN" altLang="en-US" smtClean="0"/>
+              <a:t>2021/6/21</a:t>
+            </a:fld>
+            <a:endParaRPr lang="zh-CN" altLang="en-US"/>
+          </a:p>
+        </p:txBody>
+      </p:sp>
+      <p:sp>
+        <p:nvSpPr>
+          <p:cNvPr id="5" name="Footer Placeholder 4"/>
+          <p:cNvSpPr>
+            <a:spLocks noGrp="1"/>
+          </p:cNvSpPr>
+          <p:nvPr>
+            <p:ph type="ftr" sz="quarter" idx="11"/>
+          </p:nvPr>
+        </p:nvSpPr>
+        <p:spPr/>
+        <p:txBody>
+          <a:bodyPr/>
+          <a:lstStyle/>
+          <a:p>
+            <a:endParaRPr lang="zh-CN" altLang="en-US"/>
+          </a:p>
+        </p:txBody>
+      </p:sp>
+      <p:sp>
+        <p:nvSpPr>
+          <p:cNvPr id="6" name="Slide Number Placeholder 5"/>
+          <p:cNvSpPr>
+            <a:spLocks noGrp="1"/>
+          </p:cNvSpPr>
+          <p:nvPr>
+            <p:ph type="sldNum" sz="quarter" idx="12"/>
+          </p:nvPr>
+        </p:nvSpPr>
+        <p:spPr/>
+        <p:txBody>
+          <a:bodyPr/>
+          <a:lstStyle/>
+          <a:p>
+            <a:fld id="{CB626909-4EE5-431B-89AC-DA6EE4FD0579}" type="slidenum">
+              <a:rPr lang="zh-CN" altLang="en-US" smtClean="0"/>
+              <a:t>‹#›</a:t>
+            </a:fld>
+            <a:endParaRPr lang="zh-CN" altLang="en-US"/>
+          </a:p>
+        </p:txBody>
+      </p:sp>
+    </p:spTree>
+    <p:extLst>
+      <p:ext uri="{BB962C8B-B14F-4D97-AF65-F5344CB8AC3E}">
+        <p14:creationId xmlns:p14="http://schemas.microsoft.com/office/powerpoint/2010/main" val="3314215652"/>
+      </p:ext>
+    </p:extLst>
+  </p:cSld>
+  <p:clrMapOvr>
+    <a:masterClrMapping/>
+  </p:clrMapOvr>
+</p:sldLayout>
+</file>
+
+<file path=ppt/slideLayouts/slideLayout11.xml><?xml version="1.0" encoding="utf-8"?>
+<p:sldLayout xmlns:a="http://schemas.openxmlformats.org/drawingml/2006/main" xmlns:r="http://schemas.openxmlformats.org/officeDocument/2006/relationships" xmlns:p="http://schemas.openxmlformats.org/presentationml/2006/main" preserve="1">
+  <p:cSld name="带描述的引言">
+    <p:spTree>
+      <p:nvGrpSpPr>
+        <p:cNvPr id="1" name=""/>
+        <p:cNvGrpSpPr/>
+        <p:nvPr/>
+      </p:nvGrpSpPr>
+      <p:grpSpPr>
+        <a:xfrm>
+          <a:off x="0" y="0"/>
+          <a:ext cx="0" cy="0"/>
+          <a:chOff x="0" y="0"/>
+          <a:chExt cx="0" cy="0"/>
+        </a:xfrm>
+      </p:grpSpPr>
+      <p:sp>
+        <p:nvSpPr>
+          <p:cNvPr id="2" name="Title 1"/>
+          <p:cNvSpPr>
+            <a:spLocks noGrp="1"/>
+          </p:cNvSpPr>
+          <p:nvPr>
+            <p:ph type="title"/>
+          </p:nvPr>
+        </p:nvSpPr>
+        <p:spPr>
+          <a:xfrm>
+            <a:off x="931334" y="609600"/>
+            <a:ext cx="8094134" cy="3022600"/>
+          </a:xfrm>
+        </p:spPr>
+        <p:txBody>
+          <a:bodyPr anchor="ctr">
+            <a:normAutofit/>
+          </a:bodyPr>
+          <a:lstStyle>
+            <a:lvl1pPr algn="l">
+              <a:defRPr sz="4400" b="0" cap="none"/>
+            </a:lvl1pPr>
+          </a:lstStyle>
+          <a:p>
+            <a:r>
+              <a:rPr lang="zh-CN" altLang="en-US"/>
+              <a:t>单击此处编辑母版标题样式</a:t>
+            </a:r>
+            <a:endParaRPr lang="en-US" dirty="0"/>
+          </a:p>
+        </p:txBody>
+      </p:sp>
+      <p:sp>
+        <p:nvSpPr>
+          <p:cNvPr id="23" name="Text Placeholder 9"/>
+          <p:cNvSpPr>
+            <a:spLocks noGrp="1"/>
+          </p:cNvSpPr>
+          <p:nvPr>
+            <p:ph type="body" sz="quarter" idx="13"/>
+          </p:nvPr>
+        </p:nvSpPr>
+        <p:spPr>
+          <a:xfrm>
+            <a:off x="1366139" y="3632200"/>
+            <a:ext cx="7224524" cy="381000"/>
+          </a:xfrm>
+        </p:spPr>
+        <p:txBody>
+          <a:bodyPr anchor="ctr">
+            <a:noAutofit/>
+          </a:bodyPr>
+          <a:lstStyle>
+            <a:lvl1pPr marL="0" indent="0">
+              <a:buFontTx/>
+              <a:buNone/>
+              <a:defRPr sz="1600">
+                <a:solidFill>
+                  <a:schemeClr val="tx1">
+                    <a:lumMod val="50000"/>
+                    <a:lumOff val="50000"/>
+                  </a:schemeClr>
+                </a:solidFill>
+              </a:defRPr>
+            </a:lvl1pPr>
+            <a:lvl2pPr marL="457200" indent="0">
+              <a:buFontTx/>
+              <a:buNone/>
+              <a:defRPr/>
+            </a:lvl2pPr>
+            <a:lvl3pPr marL="914400" indent="0">
+              <a:buFontTx/>
+              <a:buNone/>
+              <a:defRPr/>
+            </a:lvl3pPr>
+            <a:lvl4pPr marL="1371600" indent="0">
+              <a:buFontTx/>
+              <a:buNone/>
+              <a:defRPr/>
+            </a:lvl4pPr>
+            <a:lvl5pPr marL="1828800" indent="0">
+              <a:buFontTx/>
+              <a:buNone/>
+              <a:defRPr/>
+            </a:lvl5pPr>
+          </a:lstStyle>
+          <a:p>
+            <a:pPr lvl="0"/>
+            <a:r>
+              <a:rPr lang="zh-CN" altLang="en-US"/>
+              <a:t>编辑母版文本样式</a:t>
+            </a:r>
+          </a:p>
+        </p:txBody>
+      </p:sp>
+      <p:sp>
+        <p:nvSpPr>
+          <p:cNvPr id="3" name="Text Placeholder 2"/>
+          <p:cNvSpPr>
+            <a:spLocks noGrp="1"/>
+          </p:cNvSpPr>
+          <p:nvPr>
+            <p:ph type="body" idx="1"/>
+          </p:nvPr>
+        </p:nvSpPr>
+        <p:spPr>
+          <a:xfrm>
+            <a:off x="677335" y="4470400"/>
+            <a:ext cx="8596668" cy="1570962"/>
+          </a:xfrm>
+        </p:spPr>
+        <p:txBody>
+          <a:bodyPr anchor="ctr">
+            <a:normAutofit/>
+          </a:bodyPr>
+          <a:lstStyle>
+            <a:lvl1pPr marL="0" indent="0" algn="l">
+              <a:buNone/>
+              <a:defRPr sz="1800">
+                <a:solidFill>
+                  <a:schemeClr val="tx1">
+                    <a:lumMod val="75000"/>
+                    <a:lumOff val="25000"/>
+                  </a:schemeClr>
+                </a:solidFill>
+              </a:defRPr>
+            </a:lvl1pPr>
+            <a:lvl2pPr marL="457200" indent="0">
+              <a:buNone/>
+              <a:defRPr sz="1800">
+                <a:solidFill>
+                  <a:schemeClr val="tx1">
+                    <a:tint val="75000"/>
+                  </a:schemeClr>
+                </a:solidFill>
+              </a:defRPr>
+            </a:lvl2pPr>
+            <a:lvl3pPr marL="914400" indent="0">
+              <a:buNone/>
+              <a:defRPr sz="1600">
+                <a:solidFill>
+                  <a:schemeClr val="tx1">
+                    <a:tint val="75000"/>
+                  </a:schemeClr>
+                </a:solidFill>
+              </a:defRPr>
+            </a:lvl3pPr>
+            <a:lvl4pPr marL="1371600" indent="0">
+              <a:buNone/>
+              <a:defRPr sz="1400">
+                <a:solidFill>
+                  <a:schemeClr val="tx1">
+                    <a:tint val="75000"/>
+                  </a:schemeClr>
+                </a:solidFill>
+              </a:defRPr>
+            </a:lvl4pPr>
+            <a:lvl5pPr marL="1828800" indent="0">
+              <a:buNone/>
+              <a:defRPr sz="1400">
+                <a:solidFill>
+                  <a:schemeClr val="tx1">
+                    <a:tint val="75000"/>
+                  </a:schemeClr>
+                </a:solidFill>
+              </a:defRPr>
+            </a:lvl5pPr>
+            <a:lvl6pPr marL="2286000" indent="0">
+              <a:buNone/>
+              <a:defRPr sz="1400">
+                <a:solidFill>
+                  <a:schemeClr val="tx1">
+                    <a:tint val="75000"/>
+                  </a:schemeClr>
+                </a:solidFill>
+              </a:defRPr>
+            </a:lvl6pPr>
+            <a:lvl7pPr marL="2743200" indent="0">
+              <a:buNone/>
+              <a:defRPr sz="1400">
+                <a:solidFill>
+                  <a:schemeClr val="tx1">
+                    <a:tint val="75000"/>
+                  </a:schemeClr>
+                </a:solidFill>
+              </a:defRPr>
+            </a:lvl7pPr>
+            <a:lvl8pPr marL="3200400" indent="0">
+              <a:buNone/>
+              <a:defRPr sz="1400">
+                <a:solidFill>
+                  <a:schemeClr val="tx1">
+                    <a:tint val="75000"/>
+                  </a:schemeClr>
+                </a:solidFill>
+              </a:defRPr>
+            </a:lvl8pPr>
+            <a:lvl9pPr marL="3657600" indent="0">
+              <a:buNone/>
+              <a:defRPr sz="1400">
+                <a:solidFill>
+                  <a:schemeClr val="tx1">
+                    <a:tint val="75000"/>
+                  </a:schemeClr>
+                </a:solidFill>
+              </a:defRPr>
+            </a:lvl9pPr>
+          </a:lstStyle>
+          <a:p>
+            <a:pPr lvl="0"/>
+            <a:r>
+              <a:rPr lang="zh-CN" altLang="en-US"/>
+              <a:t>编辑母版文本样式</a:t>
+            </a:r>
+          </a:p>
+        </p:txBody>
+      </p:sp>
+      <p:sp>
+        <p:nvSpPr>
+          <p:cNvPr id="4" name="Date Placeholder 3"/>
+          <p:cNvSpPr>
+            <a:spLocks noGrp="1"/>
+          </p:cNvSpPr>
+          <p:nvPr>
+            <p:ph type="dt" sz="half" idx="10"/>
+          </p:nvPr>
+        </p:nvSpPr>
+        <p:spPr/>
+        <p:txBody>
+          <a:bodyPr/>
+          <a:lstStyle/>
+          <a:p>
+            <a:fld id="{9F4A8D1C-EF4A-4962-9926-D0853BD5158B}" type="datetimeFigureOut">
+              <a:rPr lang="zh-CN" altLang="en-US" smtClean="0"/>
+              <a:t>2021/6/21</a:t>
+            </a:fld>
+            <a:endParaRPr lang="zh-CN" altLang="en-US"/>
+          </a:p>
+        </p:txBody>
+      </p:sp>
+      <p:sp>
+        <p:nvSpPr>
+          <p:cNvPr id="5" name="Footer Placeholder 4"/>
+          <p:cNvSpPr>
+            <a:spLocks noGrp="1"/>
+          </p:cNvSpPr>
+          <p:nvPr>
+            <p:ph type="ftr" sz="quarter" idx="11"/>
+          </p:nvPr>
+        </p:nvSpPr>
+        <p:spPr/>
+        <p:txBody>
+          <a:bodyPr/>
+          <a:lstStyle/>
+          <a:p>
+            <a:endParaRPr lang="zh-CN" altLang="en-US"/>
+          </a:p>
+        </p:txBody>
+      </p:sp>
+      <p:sp>
+        <p:nvSpPr>
+          <p:cNvPr id="6" name="Slide Number Placeholder 5"/>
+          <p:cNvSpPr>
+            <a:spLocks noGrp="1"/>
+          </p:cNvSpPr>
+          <p:nvPr>
+            <p:ph type="sldNum" sz="quarter" idx="12"/>
+          </p:nvPr>
+        </p:nvSpPr>
+        <p:spPr/>
+        <p:txBody>
+          <a:bodyPr/>
+          <a:lstStyle/>
+          <a:p>
+            <a:fld id="{CB626909-4EE5-431B-89AC-DA6EE4FD0579}" type="slidenum">
+              <a:rPr lang="zh-CN" altLang="en-US" smtClean="0"/>
+              <a:t>‹#›</a:t>
+            </a:fld>
+            <a:endParaRPr lang="zh-CN" altLang="en-US"/>
+          </a:p>
+        </p:txBody>
+      </p:sp>
+      <p:sp>
+        <p:nvSpPr>
+          <p:cNvPr id="20" name="TextBox 19"/>
+          <p:cNvSpPr txBox="1"/>
+          <p:nvPr/>
+        </p:nvSpPr>
+        <p:spPr>
+          <a:xfrm>
+            <a:off x="541870" y="790378"/>
+            <a:ext cx="609600" cy="584776"/>
+          </a:xfrm>
+          <a:prstGeom prst="rect">
+            <a:avLst/>
+          </a:prstGeom>
+        </p:spPr>
+        <p:txBody>
+          <a:bodyPr vert="horz" lIns="91440" tIns="45720" rIns="91440" bIns="45720" rtlCol="0" anchor="ctr">
+            <a:noAutofit/>
+          </a:bodyPr>
+          <a:lstStyle/>
+          <a:p>
+            <a:pPr lvl="0"/>
+            <a:r>
+              <a:rPr lang="en-US" sz="8000" baseline="0" dirty="0">
+                <a:ln w="3175" cmpd="sng">
+                  <a:noFill/>
+                </a:ln>
+                <a:solidFill>
+                  <a:schemeClr val="accent1"/>
+                </a:solidFill>
+                <a:effectLst/>
+                <a:latin typeface="Arial"/>
+              </a:rPr>
+              <a:t>“</a:t>
+            </a:r>
+          </a:p>
+        </p:txBody>
+      </p:sp>
+      <p:sp>
+        <p:nvSpPr>
+          <p:cNvPr id="22" name="TextBox 21"/>
+          <p:cNvSpPr txBox="1"/>
+          <p:nvPr/>
+        </p:nvSpPr>
+        <p:spPr>
+          <a:xfrm>
+            <a:off x="8893011" y="2886556"/>
+            <a:ext cx="609600" cy="584776"/>
+          </a:xfrm>
+          <a:prstGeom prst="rect">
+            <a:avLst/>
+          </a:prstGeom>
+        </p:spPr>
+        <p:txBody>
+          <a:bodyPr vert="horz" lIns="91440" tIns="45720" rIns="91440" bIns="45720" rtlCol="0" anchor="ctr">
+            <a:noAutofit/>
+          </a:bodyPr>
+          <a:lstStyle/>
+          <a:p>
+            <a:pPr lvl="0"/>
+            <a:r>
+              <a:rPr lang="en-US" sz="8000" baseline="0" dirty="0">
+                <a:ln w="3175" cmpd="sng">
+                  <a:noFill/>
+                </a:ln>
+                <a:solidFill>
+                  <a:schemeClr val="accent1"/>
+                </a:solidFill>
+                <a:effectLst/>
+                <a:latin typeface="Arial"/>
+              </a:rPr>
+              <a:t>”</a:t>
+            </a:r>
+          </a:p>
+        </p:txBody>
+      </p:sp>
+    </p:spTree>
+    <p:extLst>
+      <p:ext uri="{BB962C8B-B14F-4D97-AF65-F5344CB8AC3E}">
+        <p14:creationId xmlns:p14="http://schemas.microsoft.com/office/powerpoint/2010/main" val="608695851"/>
+      </p:ext>
+    </p:extLst>
+  </p:cSld>
+  <p:clrMapOvr>
+    <a:masterClrMapping/>
+  </p:clrMapOvr>
+</p:sldLayout>
+</file>
+
+<file path=ppt/slideLayouts/slideLayout12.xml><?xml version="1.0" encoding="utf-8"?>
+<p:sldLayout xmlns:a="http://schemas.openxmlformats.org/drawingml/2006/main" xmlns:r="http://schemas.openxmlformats.org/officeDocument/2006/relationships" xmlns:p="http://schemas.openxmlformats.org/presentationml/2006/main" preserve="1">
+  <p:cSld name="名片">
+    <p:spTree>
+      <p:nvGrpSpPr>
+        <p:cNvPr id="1" name=""/>
+        <p:cNvGrpSpPr/>
+        <p:nvPr/>
+      </p:nvGrpSpPr>
+      <p:grpSpPr>
+        <a:xfrm>
+          <a:off x="0" y="0"/>
+          <a:ext cx="0" cy="0"/>
+          <a:chOff x="0" y="0"/>
+          <a:chExt cx="0" cy="0"/>
+        </a:xfrm>
+      </p:grpSpPr>
+      <p:sp>
+        <p:nvSpPr>
+          <p:cNvPr id="2" name="Title 1"/>
+          <p:cNvSpPr>
+            <a:spLocks noGrp="1"/>
+          </p:cNvSpPr>
+          <p:nvPr>
+            <p:ph type="title"/>
+          </p:nvPr>
+        </p:nvSpPr>
+        <p:spPr>
+          <a:xfrm>
+            <a:off x="677335" y="1931988"/>
+            <a:ext cx="8596668" cy="2595460"/>
+          </a:xfrm>
+        </p:spPr>
+        <p:txBody>
+          <a:bodyPr anchor="b">
+            <a:normAutofit/>
+          </a:bodyPr>
+          <a:lstStyle>
+            <a:lvl1pPr algn="l">
+              <a:defRPr sz="4400" b="0" cap="none"/>
+            </a:lvl1pPr>
+          </a:lstStyle>
+          <a:p>
+            <a:r>
+              <a:rPr lang="zh-CN" altLang="en-US"/>
+              <a:t>单击此处编辑母版标题样式</a:t>
+            </a:r>
+            <a:endParaRPr lang="en-US" dirty="0"/>
+          </a:p>
+        </p:txBody>
+      </p:sp>
+      <p:sp>
+        <p:nvSpPr>
+          <p:cNvPr id="3" name="Text Placeholder 2"/>
+          <p:cNvSpPr>
+            <a:spLocks noGrp="1"/>
+          </p:cNvSpPr>
+          <p:nvPr>
+            <p:ph type="body" idx="1"/>
+          </p:nvPr>
+        </p:nvSpPr>
+        <p:spPr>
+          <a:xfrm>
+            <a:off x="677335" y="4527448"/>
+            <a:ext cx="8596668" cy="1513914"/>
+          </a:xfrm>
+        </p:spPr>
+        <p:txBody>
+          <a:bodyPr anchor="t">
+            <a:normAutofit/>
+          </a:bodyPr>
+          <a:lstStyle>
+            <a:lvl1pPr marL="0" indent="0" algn="l">
+              <a:buNone/>
+              <a:defRPr sz="1800">
+                <a:solidFill>
+                  <a:schemeClr val="tx1">
+                    <a:lumMod val="75000"/>
+                    <a:lumOff val="25000"/>
+                  </a:schemeClr>
+                </a:solidFill>
+              </a:defRPr>
+            </a:lvl1pPr>
+            <a:lvl2pPr marL="457200" indent="0">
+              <a:buNone/>
+              <a:defRPr sz="1800">
+                <a:solidFill>
+                  <a:schemeClr val="tx1">
+                    <a:tint val="75000"/>
+                  </a:schemeClr>
+                </a:solidFill>
+              </a:defRPr>
+            </a:lvl2pPr>
+            <a:lvl3pPr marL="914400" indent="0">
+              <a:buNone/>
+              <a:defRPr sz="1600">
+                <a:solidFill>
+                  <a:schemeClr val="tx1">
+                    <a:tint val="75000"/>
+                  </a:schemeClr>
+                </a:solidFill>
+              </a:defRPr>
+            </a:lvl3pPr>
+            <a:lvl4pPr marL="1371600" indent="0">
+              <a:buNone/>
+              <a:defRPr sz="1400">
+                <a:solidFill>
+                  <a:schemeClr val="tx1">
+                    <a:tint val="75000"/>
+                  </a:schemeClr>
+                </a:solidFill>
+              </a:defRPr>
+            </a:lvl4pPr>
+            <a:lvl5pPr marL="1828800" indent="0">
+              <a:buNone/>
+              <a:defRPr sz="1400">
+                <a:solidFill>
+                  <a:schemeClr val="tx1">
+                    <a:tint val="75000"/>
+                  </a:schemeClr>
+                </a:solidFill>
+              </a:defRPr>
+            </a:lvl5pPr>
+            <a:lvl6pPr marL="2286000" indent="0">
+              <a:buNone/>
+              <a:defRPr sz="1400">
+                <a:solidFill>
+                  <a:schemeClr val="tx1">
+                    <a:tint val="75000"/>
+                  </a:schemeClr>
+                </a:solidFill>
+              </a:defRPr>
+            </a:lvl6pPr>
+            <a:lvl7pPr marL="2743200" indent="0">
+              <a:buNone/>
+              <a:defRPr sz="1400">
+                <a:solidFill>
+                  <a:schemeClr val="tx1">
+                    <a:tint val="75000"/>
+                  </a:schemeClr>
+                </a:solidFill>
+              </a:defRPr>
+            </a:lvl7pPr>
+            <a:lvl8pPr marL="3200400" indent="0">
+              <a:buNone/>
+              <a:defRPr sz="1400">
+                <a:solidFill>
+                  <a:schemeClr val="tx1">
+                    <a:tint val="75000"/>
+                  </a:schemeClr>
+                </a:solidFill>
+              </a:defRPr>
+            </a:lvl8pPr>
+            <a:lvl9pPr marL="3657600" indent="0">
+              <a:buNone/>
+              <a:defRPr sz="1400">
+                <a:solidFill>
+                  <a:schemeClr val="tx1">
+                    <a:tint val="75000"/>
+                  </a:schemeClr>
+                </a:solidFill>
+              </a:defRPr>
+            </a:lvl9pPr>
+          </a:lstStyle>
+          <a:p>
+            <a:pPr lvl="0"/>
+            <a:r>
+              <a:rPr lang="zh-CN" altLang="en-US"/>
+              <a:t>编辑母版文本样式</a:t>
+            </a:r>
+          </a:p>
+        </p:txBody>
+      </p:sp>
+      <p:sp>
+        <p:nvSpPr>
+          <p:cNvPr id="4" name="Date Placeholder 3"/>
+          <p:cNvSpPr>
+            <a:spLocks noGrp="1"/>
+          </p:cNvSpPr>
+          <p:nvPr>
+            <p:ph type="dt" sz="half" idx="10"/>
+          </p:nvPr>
+        </p:nvSpPr>
+        <p:spPr/>
+        <p:txBody>
+          <a:bodyPr/>
+          <a:lstStyle/>
+          <a:p>
+            <a:fld id="{9F4A8D1C-EF4A-4962-9926-D0853BD5158B}" type="datetimeFigureOut">
+              <a:rPr lang="zh-CN" altLang="en-US" smtClean="0"/>
+              <a:t>2021/6/21</a:t>
+            </a:fld>
+            <a:endParaRPr lang="zh-CN" altLang="en-US"/>
+          </a:p>
+        </p:txBody>
+      </p:sp>
+      <p:sp>
+        <p:nvSpPr>
+          <p:cNvPr id="5" name="Footer Placeholder 4"/>
+          <p:cNvSpPr>
+            <a:spLocks noGrp="1"/>
+          </p:cNvSpPr>
+          <p:nvPr>
+            <p:ph type="ftr" sz="quarter" idx="11"/>
+          </p:nvPr>
+        </p:nvSpPr>
+        <p:spPr/>
+        <p:txBody>
+          <a:bodyPr/>
+          <a:lstStyle/>
+          <a:p>
+            <a:endParaRPr lang="zh-CN" altLang="en-US"/>
+          </a:p>
+        </p:txBody>
+      </p:sp>
+      <p:sp>
+        <p:nvSpPr>
+          <p:cNvPr id="6" name="Slide Number Placeholder 5"/>
+          <p:cNvSpPr>
+            <a:spLocks noGrp="1"/>
+          </p:cNvSpPr>
+          <p:nvPr>
+            <p:ph type="sldNum" sz="quarter" idx="12"/>
+          </p:nvPr>
+        </p:nvSpPr>
+        <p:spPr/>
+        <p:txBody>
+          <a:bodyPr/>
+          <a:lstStyle/>
+          <a:p>
+            <a:fld id="{CB626909-4EE5-431B-89AC-DA6EE4FD0579}" type="slidenum">
+              <a:rPr lang="zh-CN" altLang="en-US" smtClean="0"/>
+              <a:t>‹#›</a:t>
+            </a:fld>
+            <a:endParaRPr lang="zh-CN" altLang="en-US"/>
+          </a:p>
+        </p:txBody>
+      </p:sp>
+    </p:spTree>
+    <p:extLst>
+      <p:ext uri="{BB962C8B-B14F-4D97-AF65-F5344CB8AC3E}">
+        <p14:creationId xmlns:p14="http://schemas.microsoft.com/office/powerpoint/2010/main" val="2239615144"/>
+      </p:ext>
+    </p:extLst>
+  </p:cSld>
+  <p:clrMapOvr>
+    <a:masterClrMapping/>
+  </p:clrMapOvr>
+</p:sldLayout>
+</file>
+
+<file path=ppt/slideLayouts/slideLayout13.xml><?xml version="1.0" encoding="utf-8"?>
+<p:sldLayout xmlns:a="http://schemas.openxmlformats.org/drawingml/2006/main" xmlns:r="http://schemas.openxmlformats.org/officeDocument/2006/relationships" xmlns:p="http://schemas.openxmlformats.org/presentationml/2006/main" preserve="1">
+  <p:cSld name="引言名片">
+    <p:spTree>
+      <p:nvGrpSpPr>
+        <p:cNvPr id="1" name=""/>
+        <p:cNvGrpSpPr/>
+        <p:nvPr/>
+      </p:nvGrpSpPr>
+      <p:grpSpPr>
+        <a:xfrm>
+          <a:off x="0" y="0"/>
+          <a:ext cx="0" cy="0"/>
+          <a:chOff x="0" y="0"/>
+          <a:chExt cx="0" cy="0"/>
+        </a:xfrm>
+      </p:grpSpPr>
+      <p:sp>
+        <p:nvSpPr>
+          <p:cNvPr id="2" name="Title 1"/>
+          <p:cNvSpPr>
+            <a:spLocks noGrp="1"/>
+          </p:cNvSpPr>
+          <p:nvPr>
+            <p:ph type="title"/>
+          </p:nvPr>
+        </p:nvSpPr>
+        <p:spPr>
+          <a:xfrm>
+            <a:off x="931334" y="609600"/>
+            <a:ext cx="8094134" cy="3022600"/>
+          </a:xfrm>
+        </p:spPr>
+        <p:txBody>
+          <a:bodyPr anchor="ctr">
+            <a:normAutofit/>
+          </a:bodyPr>
+          <a:lstStyle>
+            <a:lvl1pPr algn="l">
+              <a:defRPr sz="4400" b="0" cap="none"/>
+            </a:lvl1pPr>
+          </a:lstStyle>
+          <a:p>
+            <a:r>
+              <a:rPr lang="zh-CN" altLang="en-US"/>
+              <a:t>单击此处编辑母版标题样式</a:t>
+            </a:r>
+            <a:endParaRPr lang="en-US" dirty="0"/>
+          </a:p>
+        </p:txBody>
+      </p:sp>
+      <p:sp>
+        <p:nvSpPr>
+          <p:cNvPr id="23" name="Text Placeholder 9"/>
+          <p:cNvSpPr>
+            <a:spLocks noGrp="1"/>
+          </p:cNvSpPr>
+          <p:nvPr>
+            <p:ph type="body" sz="quarter" idx="13"/>
+          </p:nvPr>
+        </p:nvSpPr>
+        <p:spPr>
+          <a:xfrm>
+            <a:off x="677332" y="4013200"/>
+            <a:ext cx="8596669" cy="514248"/>
+          </a:xfrm>
+        </p:spPr>
+        <p:txBody>
+          <a:bodyPr anchor="b">
+            <a:noAutofit/>
+          </a:bodyPr>
+          <a:lstStyle>
+            <a:lvl1pPr marL="0" indent="0">
+              <a:buFontTx/>
+              <a:buNone/>
+              <a:defRPr sz="2400">
+                <a:solidFill>
+                  <a:schemeClr val="tx1">
+                    <a:lumMod val="75000"/>
+                    <a:lumOff val="25000"/>
+                  </a:schemeClr>
+                </a:solidFill>
+              </a:defRPr>
+            </a:lvl1pPr>
+            <a:lvl2pPr marL="457200" indent="0">
+              <a:buFontTx/>
+              <a:buNone/>
+              <a:defRPr/>
+            </a:lvl2pPr>
+            <a:lvl3pPr marL="914400" indent="0">
+              <a:buFontTx/>
+              <a:buNone/>
+              <a:defRPr/>
+            </a:lvl3pPr>
+            <a:lvl4pPr marL="1371600" indent="0">
+              <a:buFontTx/>
+              <a:buNone/>
+              <a:defRPr/>
+            </a:lvl4pPr>
+            <a:lvl5pPr marL="1828800" indent="0">
+              <a:buFontTx/>
+              <a:buNone/>
+              <a:defRPr/>
+            </a:lvl5pPr>
+          </a:lstStyle>
+          <a:p>
+            <a:pPr lvl="0"/>
+            <a:r>
+              <a:rPr lang="zh-CN" altLang="en-US"/>
+              <a:t>编辑母版文本样式</a:t>
+            </a:r>
+          </a:p>
+        </p:txBody>
+      </p:sp>
+      <p:sp>
+        <p:nvSpPr>
+          <p:cNvPr id="3" name="Text Placeholder 2"/>
+          <p:cNvSpPr>
+            <a:spLocks noGrp="1"/>
+          </p:cNvSpPr>
+          <p:nvPr>
+            <p:ph type="body" idx="1"/>
+          </p:nvPr>
+        </p:nvSpPr>
+        <p:spPr>
+          <a:xfrm>
+            <a:off x="677335" y="4527448"/>
+            <a:ext cx="8596668" cy="1513914"/>
+          </a:xfrm>
+        </p:spPr>
+        <p:txBody>
+          <a:bodyPr anchor="t">
+            <a:normAutofit/>
+          </a:bodyPr>
+          <a:lstStyle>
+            <a:lvl1pPr marL="0" indent="0" algn="l">
+              <a:buNone/>
+              <a:defRPr sz="1800">
+                <a:solidFill>
+                  <a:schemeClr val="tx1">
+                    <a:lumMod val="50000"/>
+                    <a:lumOff val="50000"/>
+                  </a:schemeClr>
+                </a:solidFill>
+              </a:defRPr>
+            </a:lvl1pPr>
+            <a:lvl2pPr marL="457200" indent="0">
+              <a:buNone/>
+              <a:defRPr sz="1800">
+                <a:solidFill>
+                  <a:schemeClr val="tx1">
+                    <a:tint val="75000"/>
+                  </a:schemeClr>
+                </a:solidFill>
+              </a:defRPr>
+            </a:lvl2pPr>
+            <a:lvl3pPr marL="914400" indent="0">
+              <a:buNone/>
+              <a:defRPr sz="1600">
+                <a:solidFill>
+                  <a:schemeClr val="tx1">
+                    <a:tint val="75000"/>
+                  </a:schemeClr>
+                </a:solidFill>
+              </a:defRPr>
+            </a:lvl3pPr>
+            <a:lvl4pPr marL="1371600" indent="0">
+              <a:buNone/>
+              <a:defRPr sz="1400">
+                <a:solidFill>
+                  <a:schemeClr val="tx1">
+                    <a:tint val="75000"/>
+                  </a:schemeClr>
+                </a:solidFill>
+              </a:defRPr>
+            </a:lvl4pPr>
+            <a:lvl5pPr marL="1828800" indent="0">
+              <a:buNone/>
+              <a:defRPr sz="1400">
+                <a:solidFill>
+                  <a:schemeClr val="tx1">
+                    <a:tint val="75000"/>
+                  </a:schemeClr>
+                </a:solidFill>
+              </a:defRPr>
+            </a:lvl5pPr>
+            <a:lvl6pPr marL="2286000" indent="0">
+              <a:buNone/>
+              <a:defRPr sz="1400">
+                <a:solidFill>
+                  <a:schemeClr val="tx1">
+                    <a:tint val="75000"/>
+                  </a:schemeClr>
+                </a:solidFill>
+              </a:defRPr>
+            </a:lvl6pPr>
+            <a:lvl7pPr marL="2743200" indent="0">
+              <a:buNone/>
+              <a:defRPr sz="1400">
+                <a:solidFill>
+                  <a:schemeClr val="tx1">
+                    <a:tint val="75000"/>
+                  </a:schemeClr>
+                </a:solidFill>
+              </a:defRPr>
+            </a:lvl7pPr>
+            <a:lvl8pPr marL="3200400" indent="0">
+              <a:buNone/>
+              <a:defRPr sz="1400">
+                <a:solidFill>
+                  <a:schemeClr val="tx1">
+                    <a:tint val="75000"/>
+                  </a:schemeClr>
+                </a:solidFill>
+              </a:defRPr>
+            </a:lvl8pPr>
+            <a:lvl9pPr marL="3657600" indent="0">
+              <a:buNone/>
+              <a:defRPr sz="1400">
+                <a:solidFill>
+                  <a:schemeClr val="tx1">
+                    <a:tint val="75000"/>
+                  </a:schemeClr>
+                </a:solidFill>
+              </a:defRPr>
+            </a:lvl9pPr>
+          </a:lstStyle>
+          <a:p>
+            <a:pPr lvl="0"/>
+            <a:r>
+              <a:rPr lang="zh-CN" altLang="en-US"/>
+              <a:t>编辑母版文本样式</a:t>
+            </a:r>
+          </a:p>
+        </p:txBody>
+      </p:sp>
+      <p:sp>
+        <p:nvSpPr>
+          <p:cNvPr id="4" name="Date Placeholder 3"/>
+          <p:cNvSpPr>
+            <a:spLocks noGrp="1"/>
+          </p:cNvSpPr>
+          <p:nvPr>
+            <p:ph type="dt" sz="half" idx="10"/>
+          </p:nvPr>
+        </p:nvSpPr>
+        <p:spPr/>
+        <p:txBody>
+          <a:bodyPr/>
+          <a:lstStyle/>
+          <a:p>
+            <a:fld id="{9F4A8D1C-EF4A-4962-9926-D0853BD5158B}" type="datetimeFigureOut">
+              <a:rPr lang="zh-CN" altLang="en-US" smtClean="0"/>
+              <a:t>2021/6/21</a:t>
+            </a:fld>
+            <a:endParaRPr lang="zh-CN" altLang="en-US"/>
+          </a:p>
+        </p:txBody>
+      </p:sp>
+      <p:sp>
+        <p:nvSpPr>
+          <p:cNvPr id="5" name="Footer Placeholder 4"/>
+          <p:cNvSpPr>
+            <a:spLocks noGrp="1"/>
+          </p:cNvSpPr>
+          <p:nvPr>
+            <p:ph type="ftr" sz="quarter" idx="11"/>
+          </p:nvPr>
+        </p:nvSpPr>
+        <p:spPr/>
+        <p:txBody>
+          <a:bodyPr/>
+          <a:lstStyle/>
+          <a:p>
+            <a:endParaRPr lang="zh-CN" altLang="en-US"/>
+          </a:p>
+        </p:txBody>
+      </p:sp>
+      <p:sp>
+        <p:nvSpPr>
+          <p:cNvPr id="6" name="Slide Number Placeholder 5"/>
+          <p:cNvSpPr>
+            <a:spLocks noGrp="1"/>
+          </p:cNvSpPr>
+          <p:nvPr>
+            <p:ph type="sldNum" sz="quarter" idx="12"/>
+          </p:nvPr>
+        </p:nvSpPr>
+        <p:spPr/>
+        <p:txBody>
+          <a:bodyPr/>
+          <a:lstStyle/>
+          <a:p>
+            <a:fld id="{CB626909-4EE5-431B-89AC-DA6EE4FD0579}" type="slidenum">
+              <a:rPr lang="zh-CN" altLang="en-US" smtClean="0"/>
+              <a:t>‹#›</a:t>
+            </a:fld>
+            <a:endParaRPr lang="zh-CN" altLang="en-US"/>
+          </a:p>
+        </p:txBody>
+      </p:sp>
+      <p:sp>
+        <p:nvSpPr>
+          <p:cNvPr id="24" name="TextBox 23"/>
+          <p:cNvSpPr txBox="1"/>
+          <p:nvPr/>
+        </p:nvSpPr>
+        <p:spPr>
+          <a:xfrm>
+            <a:off x="541870" y="790378"/>
+            <a:ext cx="609600" cy="584776"/>
+          </a:xfrm>
+          <a:prstGeom prst="rect">
+            <a:avLst/>
+          </a:prstGeom>
+        </p:spPr>
+        <p:txBody>
+          <a:bodyPr vert="horz" lIns="91440" tIns="45720" rIns="91440" bIns="45720" rtlCol="0" anchor="ctr">
+            <a:noAutofit/>
+          </a:bodyPr>
+          <a:lstStyle/>
+          <a:p>
+            <a:pPr lvl="0"/>
+            <a:r>
+              <a:rPr lang="en-US" sz="8000" baseline="0" dirty="0">
+                <a:ln w="3175" cmpd="sng">
+                  <a:noFill/>
+                </a:ln>
+                <a:solidFill>
+                  <a:schemeClr val="accent1"/>
+                </a:solidFill>
+                <a:effectLst/>
+                <a:latin typeface="Arial"/>
+              </a:rPr>
+              <a:t>“</a:t>
+            </a:r>
+          </a:p>
+        </p:txBody>
+      </p:sp>
+      <p:sp>
+        <p:nvSpPr>
+          <p:cNvPr id="25" name="TextBox 24"/>
+          <p:cNvSpPr txBox="1"/>
+          <p:nvPr/>
+        </p:nvSpPr>
+        <p:spPr>
+          <a:xfrm>
+            <a:off x="8893011" y="2886556"/>
+            <a:ext cx="609600" cy="584776"/>
+          </a:xfrm>
+          <a:prstGeom prst="rect">
+            <a:avLst/>
+          </a:prstGeom>
+        </p:spPr>
+        <p:txBody>
+          <a:bodyPr vert="horz" lIns="91440" tIns="45720" rIns="91440" bIns="45720" rtlCol="0" anchor="ctr">
+            <a:noAutofit/>
+          </a:bodyPr>
+          <a:lstStyle/>
+          <a:p>
+            <a:pPr lvl="0"/>
+            <a:r>
+              <a:rPr lang="en-US" sz="8000" baseline="0" dirty="0">
+                <a:ln w="3175" cmpd="sng">
+                  <a:noFill/>
+                </a:ln>
+                <a:solidFill>
+                  <a:schemeClr val="accent1"/>
+                </a:solidFill>
+                <a:effectLst/>
+                <a:latin typeface="Arial"/>
+              </a:rPr>
+              <a:t>”</a:t>
+            </a:r>
+          </a:p>
+        </p:txBody>
+      </p:sp>
+    </p:spTree>
+    <p:extLst>
+      <p:ext uri="{BB962C8B-B14F-4D97-AF65-F5344CB8AC3E}">
+        <p14:creationId xmlns:p14="http://schemas.microsoft.com/office/powerpoint/2010/main" val="1001319579"/>
+      </p:ext>
+    </p:extLst>
+  </p:cSld>
+  <p:clrMapOvr>
+    <a:masterClrMapping/>
+  </p:clrMapOvr>
+</p:sldLayout>
+</file>
+
+<file path=ppt/slideLayouts/slideLayout14.xml><?xml version="1.0" encoding="utf-8"?>
+<p:sldLayout xmlns:a="http://schemas.openxmlformats.org/drawingml/2006/main" xmlns:r="http://schemas.openxmlformats.org/officeDocument/2006/relationships" xmlns:p="http://schemas.openxmlformats.org/presentationml/2006/main" preserve="1">
+  <p:cSld name="真或假">
+    <p:spTree>
+      <p:nvGrpSpPr>
+        <p:cNvPr id="1" name=""/>
+        <p:cNvGrpSpPr/>
+        <p:nvPr/>
+      </p:nvGrpSpPr>
+      <p:grpSpPr>
+        <a:xfrm>
+          <a:off x="0" y="0"/>
+          <a:ext cx="0" cy="0"/>
+          <a:chOff x="0" y="0"/>
+          <a:chExt cx="0" cy="0"/>
+        </a:xfrm>
+      </p:grpSpPr>
+      <p:sp>
+        <p:nvSpPr>
+          <p:cNvPr id="2" name="Title 1"/>
+          <p:cNvSpPr>
+            <a:spLocks noGrp="1"/>
+          </p:cNvSpPr>
+          <p:nvPr>
+            <p:ph type="title"/>
+          </p:nvPr>
+        </p:nvSpPr>
+        <p:spPr>
+          <a:xfrm>
+            <a:off x="685799" y="609600"/>
+            <a:ext cx="8588203" cy="3022600"/>
+          </a:xfrm>
+        </p:spPr>
+        <p:txBody>
+          <a:bodyPr anchor="ctr">
+            <a:normAutofit/>
+          </a:bodyPr>
+          <a:lstStyle>
+            <a:lvl1pPr algn="l">
+              <a:defRPr sz="4400" b="0" cap="none"/>
+            </a:lvl1pPr>
+          </a:lstStyle>
+          <a:p>
+            <a:r>
+              <a:rPr lang="zh-CN" altLang="en-US"/>
+              <a:t>单击此处编辑母版标题样式</a:t>
+            </a:r>
+            <a:endParaRPr lang="en-US" dirty="0"/>
+          </a:p>
+        </p:txBody>
+      </p:sp>
+      <p:sp>
+        <p:nvSpPr>
+          <p:cNvPr id="23" name="Text Placeholder 9"/>
+          <p:cNvSpPr>
+            <a:spLocks noGrp="1"/>
+          </p:cNvSpPr>
+          <p:nvPr>
+            <p:ph type="body" sz="quarter" idx="13"/>
+          </p:nvPr>
+        </p:nvSpPr>
+        <p:spPr>
+          <a:xfrm>
+            <a:off x="677332" y="4013200"/>
+            <a:ext cx="8596669" cy="514248"/>
+          </a:xfrm>
+        </p:spPr>
+        <p:txBody>
+          <a:bodyPr anchor="b">
+            <a:noAutofit/>
+          </a:bodyPr>
+          <a:lstStyle>
+            <a:lvl1pPr marL="0" indent="0">
+              <a:buFontTx/>
+              <a:buNone/>
+              <a:defRPr sz="2400">
+                <a:solidFill>
+                  <a:schemeClr val="accent1"/>
+                </a:solidFill>
+              </a:defRPr>
+            </a:lvl1pPr>
+            <a:lvl2pPr marL="457200" indent="0">
+              <a:buFontTx/>
+              <a:buNone/>
+              <a:defRPr/>
+            </a:lvl2pPr>
+            <a:lvl3pPr marL="914400" indent="0">
+              <a:buFontTx/>
+              <a:buNone/>
+              <a:defRPr/>
+            </a:lvl3pPr>
+            <a:lvl4pPr marL="1371600" indent="0">
+              <a:buFontTx/>
+              <a:buNone/>
+              <a:defRPr/>
+            </a:lvl4pPr>
+            <a:lvl5pPr marL="1828800" indent="0">
+              <a:buFontTx/>
+              <a:buNone/>
+              <a:defRPr/>
+            </a:lvl5pPr>
+          </a:lstStyle>
+          <a:p>
+            <a:pPr lvl="0"/>
+            <a:r>
+              <a:rPr lang="zh-CN" altLang="en-US"/>
+              <a:t>编辑母版文本样式</a:t>
+            </a:r>
+          </a:p>
+        </p:txBody>
+      </p:sp>
+      <p:sp>
+        <p:nvSpPr>
+          <p:cNvPr id="3" name="Text Placeholder 2"/>
+          <p:cNvSpPr>
+            <a:spLocks noGrp="1"/>
+          </p:cNvSpPr>
+          <p:nvPr>
+            <p:ph type="body" idx="1"/>
+          </p:nvPr>
+        </p:nvSpPr>
+        <p:spPr>
+          <a:xfrm>
+            <a:off x="677335" y="4527448"/>
+            <a:ext cx="8596668" cy="1513914"/>
+          </a:xfrm>
+        </p:spPr>
+        <p:txBody>
+          <a:bodyPr anchor="t">
+            <a:normAutofit/>
+          </a:bodyPr>
+          <a:lstStyle>
+            <a:lvl1pPr marL="0" indent="0" algn="l">
+              <a:buNone/>
+              <a:defRPr sz="1800">
+                <a:solidFill>
+                  <a:schemeClr val="tx1">
+                    <a:lumMod val="50000"/>
+                    <a:lumOff val="50000"/>
+                  </a:schemeClr>
+                </a:solidFill>
+              </a:defRPr>
+            </a:lvl1pPr>
+            <a:lvl2pPr marL="457200" indent="0">
+              <a:buNone/>
+              <a:defRPr sz="1800">
+                <a:solidFill>
+                  <a:schemeClr val="tx1">
+                    <a:tint val="75000"/>
+                  </a:schemeClr>
+                </a:solidFill>
+              </a:defRPr>
+            </a:lvl2pPr>
+            <a:lvl3pPr marL="914400" indent="0">
+              <a:buNone/>
+              <a:defRPr sz="1600">
+                <a:solidFill>
+                  <a:schemeClr val="tx1">
+                    <a:tint val="75000"/>
+                  </a:schemeClr>
+                </a:solidFill>
+              </a:defRPr>
+            </a:lvl3pPr>
+            <a:lvl4pPr marL="1371600" indent="0">
+              <a:buNone/>
+              <a:defRPr sz="1400">
+                <a:solidFill>
+                  <a:schemeClr val="tx1">
+                    <a:tint val="75000"/>
+                  </a:schemeClr>
+                </a:solidFill>
+              </a:defRPr>
+            </a:lvl4pPr>
+            <a:lvl5pPr marL="1828800" indent="0">
+              <a:buNone/>
+              <a:defRPr sz="1400">
+                <a:solidFill>
+                  <a:schemeClr val="tx1">
+                    <a:tint val="75000"/>
+                  </a:schemeClr>
+                </a:solidFill>
+              </a:defRPr>
+            </a:lvl5pPr>
+            <a:lvl6pPr marL="2286000" indent="0">
+              <a:buNone/>
+              <a:defRPr sz="1400">
+                <a:solidFill>
+                  <a:schemeClr val="tx1">
+                    <a:tint val="75000"/>
+                  </a:schemeClr>
+                </a:solidFill>
+              </a:defRPr>
+            </a:lvl6pPr>
+            <a:lvl7pPr marL="2743200" indent="0">
+              <a:buNone/>
+              <a:defRPr sz="1400">
+                <a:solidFill>
+                  <a:schemeClr val="tx1">
+                    <a:tint val="75000"/>
+                  </a:schemeClr>
+                </a:solidFill>
+              </a:defRPr>
+            </a:lvl7pPr>
+            <a:lvl8pPr marL="3200400" indent="0">
+              <a:buNone/>
+              <a:defRPr sz="1400">
+                <a:solidFill>
+                  <a:schemeClr val="tx1">
+                    <a:tint val="75000"/>
+                  </a:schemeClr>
+                </a:solidFill>
+              </a:defRPr>
+            </a:lvl8pPr>
+            <a:lvl9pPr marL="3657600" indent="0">
+              <a:buNone/>
+              <a:defRPr sz="1400">
+                <a:solidFill>
+                  <a:schemeClr val="tx1">
+                    <a:tint val="75000"/>
+                  </a:schemeClr>
+                </a:solidFill>
+              </a:defRPr>
+            </a:lvl9pPr>
+          </a:lstStyle>
+          <a:p>
+            <a:pPr lvl="0"/>
+            <a:r>
+              <a:rPr lang="zh-CN" altLang="en-US"/>
+              <a:t>编辑母版文本样式</a:t>
+            </a:r>
+          </a:p>
+        </p:txBody>
+      </p:sp>
+      <p:sp>
+        <p:nvSpPr>
+          <p:cNvPr id="4" name="Date Placeholder 3"/>
+          <p:cNvSpPr>
+            <a:spLocks noGrp="1"/>
+          </p:cNvSpPr>
+          <p:nvPr>
+            <p:ph type="dt" sz="half" idx="10"/>
+          </p:nvPr>
+        </p:nvSpPr>
+        <p:spPr/>
+        <p:txBody>
+          <a:bodyPr/>
+          <a:lstStyle/>
+          <a:p>
+            <a:fld id="{9F4A8D1C-EF4A-4962-9926-D0853BD5158B}" type="datetimeFigureOut">
+              <a:rPr lang="zh-CN" altLang="en-US" smtClean="0"/>
+              <a:t>2021/6/21</a:t>
+            </a:fld>
+            <a:endParaRPr lang="zh-CN" altLang="en-US"/>
+          </a:p>
+        </p:txBody>
+      </p:sp>
+      <p:sp>
+        <p:nvSpPr>
+          <p:cNvPr id="5" name="Footer Placeholder 4"/>
+          <p:cNvSpPr>
+            <a:spLocks noGrp="1"/>
+          </p:cNvSpPr>
+          <p:nvPr>
+            <p:ph type="ftr" sz="quarter" idx="11"/>
+          </p:nvPr>
+        </p:nvSpPr>
+        <p:spPr/>
+        <p:txBody>
+          <a:bodyPr/>
+          <a:lstStyle/>
+          <a:p>
+            <a:endParaRPr lang="zh-CN" altLang="en-US"/>
+          </a:p>
+        </p:txBody>
+      </p:sp>
+      <p:sp>
+        <p:nvSpPr>
+          <p:cNvPr id="6" name="Slide Number Placeholder 5"/>
+          <p:cNvSpPr>
+            <a:spLocks noGrp="1"/>
+          </p:cNvSpPr>
+          <p:nvPr>
+            <p:ph type="sldNum" sz="quarter" idx="12"/>
+          </p:nvPr>
+        </p:nvSpPr>
+        <p:spPr/>
+        <p:txBody>
+          <a:bodyPr/>
+          <a:lstStyle/>
+          <a:p>
+            <a:fld id="{CB626909-4EE5-431B-89AC-DA6EE4FD0579}" type="slidenum">
+              <a:rPr lang="zh-CN" altLang="en-US" smtClean="0"/>
+              <a:t>‹#›</a:t>
+            </a:fld>
+            <a:endParaRPr lang="zh-CN" altLang="en-US"/>
+          </a:p>
+        </p:txBody>
+      </p:sp>
+    </p:spTree>
+    <p:extLst>
+      <p:ext uri="{BB962C8B-B14F-4D97-AF65-F5344CB8AC3E}">
+        <p14:creationId xmlns:p14="http://schemas.microsoft.com/office/powerpoint/2010/main" val="3750259740"/>
+      </p:ext>
+    </p:extLst>
+  </p:cSld>
+  <p:clrMapOvr>
+    <a:masterClrMapping/>
+  </p:clrMapOvr>
+</p:sldLayout>
+</file>
+
+<file path=ppt/slideLayouts/slideLayout15.xml><?xml version="1.0" encoding="utf-8"?>
 <p:sldLayout xmlns:a="http://schemas.openxmlformats.org/drawingml/2006/main" xmlns:r="http://schemas.openxmlformats.org/officeDocument/2006/relationships" xmlns:p="http://schemas.openxmlformats.org/presentationml/2006/main" type="vertTx" preserve="1">
   <p:cSld name="标题和竖排文字">
     <p:spTree>
@@ -346,13 +2946,7 @@
       </p:grpSpPr>
       <p:sp>
         <p:nvSpPr>
-          <p:cNvPr id="2" name="标题 1">
-            <a:extLst>
-              <a:ext uri="{FF2B5EF4-FFF2-40B4-BE49-F238E27FC236}">
-                <a16:creationId xmlns:a16="http://schemas.microsoft.com/office/drawing/2014/main" id="{EA227D12-8EDF-409F-A446-193CC509BC77}"/>
-              </a:ext>
-            </a:extLst>
-          </p:cNvPr>
+          <p:cNvPr id="2" name="Title 1"/>
           <p:cNvSpPr>
             <a:spLocks noGrp="1"/>
           </p:cNvSpPr>
@@ -369,18 +2963,13 @@
               <a:rPr lang="zh-CN" altLang="en-US"/>
               <a:t>单击此处编辑母版标题样式</a:t>
             </a:r>
-          </a:p>
-        </p:txBody>
-      </p:sp>
-      <p:sp>
-        <p:nvSpPr>
-          <p:cNvPr id="3" name="竖排文字占位符 2">
-            <a:extLst>
-              <a:ext uri="{FF2B5EF4-FFF2-40B4-BE49-F238E27FC236}">
-                <a16:creationId xmlns:a16="http://schemas.microsoft.com/office/drawing/2014/main" id="{72D89800-EC8A-4866-BC8D-BF353E2415F3}"/>
-              </a:ext>
-            </a:extLst>
-          </p:cNvPr>
+            <a:endParaRPr lang="en-US" dirty="0"/>
+          </a:p>
+        </p:txBody>
+      </p:sp>
+      <p:sp>
+        <p:nvSpPr>
+          <p:cNvPr id="3" name="Vertical Text Placeholder 2"/>
           <p:cNvSpPr>
             <a:spLocks noGrp="1"/>
           </p:cNvSpPr>
@@ -426,18 +3015,13 @@
               <a:rPr lang="zh-CN" altLang="en-US"/>
               <a:t>第五级</a:t>
             </a:r>
-          </a:p>
-        </p:txBody>
-      </p:sp>
-      <p:sp>
-        <p:nvSpPr>
-          <p:cNvPr id="4" name="日期占位符 3">
-            <a:extLst>
-              <a:ext uri="{FF2B5EF4-FFF2-40B4-BE49-F238E27FC236}">
-                <a16:creationId xmlns:a16="http://schemas.microsoft.com/office/drawing/2014/main" id="{BF16EDF0-C8C9-4387-AB74-2AC4B5E15067}"/>
-              </a:ext>
-            </a:extLst>
-          </p:cNvPr>
+            <a:endParaRPr lang="en-US" dirty="0"/>
+          </a:p>
+        </p:txBody>
+      </p:sp>
+      <p:sp>
+        <p:nvSpPr>
+          <p:cNvPr id="4" name="Date Placeholder 3"/>
           <p:cNvSpPr>
             <a:spLocks noGrp="1"/>
           </p:cNvSpPr>
@@ -460,13 +3044,7 @@
       </p:sp>
       <p:sp>
         <p:nvSpPr>
-          <p:cNvPr id="5" name="页脚占位符 4">
-            <a:extLst>
-              <a:ext uri="{FF2B5EF4-FFF2-40B4-BE49-F238E27FC236}">
-                <a16:creationId xmlns:a16="http://schemas.microsoft.com/office/drawing/2014/main" id="{5D704934-C99C-4D38-9EDD-1191138A7982}"/>
-              </a:ext>
-            </a:extLst>
-          </p:cNvPr>
+          <p:cNvPr id="5" name="Footer Placeholder 4"/>
           <p:cNvSpPr>
             <a:spLocks noGrp="1"/>
           </p:cNvSpPr>
@@ -485,13 +3063,7 @@
       </p:sp>
       <p:sp>
         <p:nvSpPr>
-          <p:cNvPr id="6" name="灯片编号占位符 5">
-            <a:extLst>
-              <a:ext uri="{FF2B5EF4-FFF2-40B4-BE49-F238E27FC236}">
-                <a16:creationId xmlns:a16="http://schemas.microsoft.com/office/drawing/2014/main" id="{5DD89E21-38D2-4A8C-B2F9-F67326AE2AE5}"/>
-              </a:ext>
-            </a:extLst>
-          </p:cNvPr>
+          <p:cNvPr id="6" name="Slide Number Placeholder 5"/>
           <p:cNvSpPr>
             <a:spLocks noGrp="1"/>
           </p:cNvSpPr>
@@ -515,7 +3087,7 @@
     </p:spTree>
     <p:extLst>
       <p:ext uri="{BB962C8B-B14F-4D97-AF65-F5344CB8AC3E}">
-        <p14:creationId xmlns:p14="http://schemas.microsoft.com/office/powerpoint/2010/main" val="195525287"/>
+        <p14:creationId xmlns:p14="http://schemas.microsoft.com/office/powerpoint/2010/main" val="4258180998"/>
       </p:ext>
     </p:extLst>
   </p:cSld>
@@ -525,7 +3097,7 @@
 </p:sldLayout>
 </file>
 
-<file path=ppt/slideLayouts/slideLayout11.xml><?xml version="1.0" encoding="utf-8"?>
+<file path=ppt/slideLayouts/slideLayout16.xml><?xml version="1.0" encoding="utf-8"?>
 <p:sldLayout xmlns:a="http://schemas.openxmlformats.org/drawingml/2006/main" xmlns:r="http://schemas.openxmlformats.org/officeDocument/2006/relationships" xmlns:p="http://schemas.openxmlformats.org/presentationml/2006/main" type="vertTitleAndTx" preserve="1">
   <p:cSld name="竖排标题与文本">
     <p:spTree>
@@ -544,13 +3116,7 @@
       </p:grpSpPr>
       <p:sp>
         <p:nvSpPr>
-          <p:cNvPr id="2" name="竖排标题 1">
-            <a:extLst>
-              <a:ext uri="{FF2B5EF4-FFF2-40B4-BE49-F238E27FC236}">
-                <a16:creationId xmlns:a16="http://schemas.microsoft.com/office/drawing/2014/main" id="{017BB2D5-6FC0-41D8-A3F7-A30283D9B76E}"/>
-              </a:ext>
-            </a:extLst>
-          </p:cNvPr>
+          <p:cNvPr id="2" name="Vertical Title 1"/>
           <p:cNvSpPr>
             <a:spLocks noGrp="1"/>
           </p:cNvSpPr>
@@ -560,30 +3126,25 @@
         </p:nvSpPr>
         <p:spPr>
           <a:xfrm>
-            <a:off x="8724900" y="365125"/>
-            <a:ext cx="2628900" cy="5811838"/>
+            <a:off x="7967673" y="609599"/>
+            <a:ext cx="1304743" cy="5251451"/>
           </a:xfrm>
         </p:spPr>
         <p:txBody>
-          <a:bodyPr vert="eaVert"/>
+          <a:bodyPr vert="eaVert" anchor="ctr"/>
           <a:lstStyle/>
           <a:p>
             <a:r>
               <a:rPr lang="zh-CN" altLang="en-US"/>
               <a:t>单击此处编辑母版标题样式</a:t>
             </a:r>
-          </a:p>
-        </p:txBody>
-      </p:sp>
-      <p:sp>
-        <p:nvSpPr>
-          <p:cNvPr id="3" name="竖排文字占位符 2">
-            <a:extLst>
-              <a:ext uri="{FF2B5EF4-FFF2-40B4-BE49-F238E27FC236}">
-                <a16:creationId xmlns:a16="http://schemas.microsoft.com/office/drawing/2014/main" id="{A8B695A0-82BF-4205-BA2F-409CF4035193}"/>
-              </a:ext>
-            </a:extLst>
-          </p:cNvPr>
+            <a:endParaRPr lang="en-US" dirty="0"/>
+          </a:p>
+        </p:txBody>
+      </p:sp>
+      <p:sp>
+        <p:nvSpPr>
+          <p:cNvPr id="3" name="Vertical Text Placeholder 2"/>
           <p:cNvSpPr>
             <a:spLocks noGrp="1"/>
           </p:cNvSpPr>
@@ -593,8 +3154,8 @@
         </p:nvSpPr>
         <p:spPr>
           <a:xfrm>
-            <a:off x="838200" y="365125"/>
-            <a:ext cx="7734300" cy="5811838"/>
+            <a:off x="677335" y="609600"/>
+            <a:ext cx="7060150" cy="5251450"/>
           </a:xfrm>
         </p:spPr>
         <p:txBody>
@@ -634,18 +3195,13 @@
               <a:rPr lang="zh-CN" altLang="en-US"/>
               <a:t>第五级</a:t>
             </a:r>
-          </a:p>
-        </p:txBody>
-      </p:sp>
-      <p:sp>
-        <p:nvSpPr>
-          <p:cNvPr id="4" name="日期占位符 3">
-            <a:extLst>
-              <a:ext uri="{FF2B5EF4-FFF2-40B4-BE49-F238E27FC236}">
-                <a16:creationId xmlns:a16="http://schemas.microsoft.com/office/drawing/2014/main" id="{7509757A-228C-4552-BFA0-1247AF231919}"/>
-              </a:ext>
-            </a:extLst>
-          </p:cNvPr>
+            <a:endParaRPr lang="en-US" dirty="0"/>
+          </a:p>
+        </p:txBody>
+      </p:sp>
+      <p:sp>
+        <p:nvSpPr>
+          <p:cNvPr id="4" name="Date Placeholder 3"/>
           <p:cNvSpPr>
             <a:spLocks noGrp="1"/>
           </p:cNvSpPr>
@@ -668,13 +3224,7 @@
       </p:sp>
       <p:sp>
         <p:nvSpPr>
-          <p:cNvPr id="5" name="页脚占位符 4">
-            <a:extLst>
-              <a:ext uri="{FF2B5EF4-FFF2-40B4-BE49-F238E27FC236}">
-                <a16:creationId xmlns:a16="http://schemas.microsoft.com/office/drawing/2014/main" id="{94306061-0E86-45C5-BAEF-0ABD491BB1D9}"/>
-              </a:ext>
-            </a:extLst>
-          </p:cNvPr>
+          <p:cNvPr id="5" name="Footer Placeholder 4"/>
           <p:cNvSpPr>
             <a:spLocks noGrp="1"/>
           </p:cNvSpPr>
@@ -693,13 +3243,7 @@
       </p:sp>
       <p:sp>
         <p:nvSpPr>
-          <p:cNvPr id="6" name="灯片编号占位符 5">
-            <a:extLst>
-              <a:ext uri="{FF2B5EF4-FFF2-40B4-BE49-F238E27FC236}">
-                <a16:creationId xmlns:a16="http://schemas.microsoft.com/office/drawing/2014/main" id="{BE25AF00-A463-4F2B-B8CB-D9653870C3F7}"/>
-              </a:ext>
-            </a:extLst>
-          </p:cNvPr>
+          <p:cNvPr id="6" name="Slide Number Placeholder 5"/>
           <p:cNvSpPr>
             <a:spLocks noGrp="1"/>
           </p:cNvSpPr>
@@ -723,7 +3267,7 @@
     </p:spTree>
     <p:extLst>
       <p:ext uri="{BB962C8B-B14F-4D97-AF65-F5344CB8AC3E}">
-        <p14:creationId xmlns:p14="http://schemas.microsoft.com/office/powerpoint/2010/main" val="1155510624"/>
+        <p14:creationId xmlns:p14="http://schemas.microsoft.com/office/powerpoint/2010/main" val="4271810423"/>
       </p:ext>
     </p:extLst>
   </p:cSld>
@@ -752,13 +3296,7 @@
       </p:grpSpPr>
       <p:sp>
         <p:nvSpPr>
-          <p:cNvPr id="2" name="标题 1">
-            <a:extLst>
-              <a:ext uri="{FF2B5EF4-FFF2-40B4-BE49-F238E27FC236}">
-                <a16:creationId xmlns:a16="http://schemas.microsoft.com/office/drawing/2014/main" id="{44CF07F0-41C5-43F8-8377-40B62BBFE219}"/>
-              </a:ext>
-            </a:extLst>
-          </p:cNvPr>
+          <p:cNvPr id="2" name="Title 1"/>
           <p:cNvSpPr>
             <a:spLocks noGrp="1"/>
           </p:cNvSpPr>
@@ -768,37 +3306,38 @@
         </p:nvSpPr>
         <p:spPr/>
         <p:txBody>
+          <a:bodyPr>
+            <a:normAutofit/>
+          </a:bodyPr>
+          <a:lstStyle>
+            <a:lvl1pPr>
+              <a:defRPr sz="3600"/>
+            </a:lvl1pPr>
+          </a:lstStyle>
+          <a:p>
+            <a:r>
+              <a:rPr lang="zh-CN" altLang="en-US"/>
+              <a:t>单击此处编辑母版标题样式</a:t>
+            </a:r>
+            <a:endParaRPr lang="en-US" dirty="0"/>
+          </a:p>
+        </p:txBody>
+      </p:sp>
+      <p:sp>
+        <p:nvSpPr>
+          <p:cNvPr id="3" name="Content Placeholder 2"/>
+          <p:cNvSpPr>
+            <a:spLocks noGrp="1"/>
+          </p:cNvSpPr>
+          <p:nvPr>
+            <p:ph idx="1"/>
+          </p:nvPr>
+        </p:nvSpPr>
+        <p:spPr/>
+        <p:txBody>
           <a:bodyPr/>
           <a:lstStyle/>
           <a:p>
-            <a:r>
-              <a:rPr lang="zh-CN" altLang="en-US"/>
-              <a:t>单击此处编辑母版标题样式</a:t>
-            </a:r>
-          </a:p>
-        </p:txBody>
-      </p:sp>
-      <p:sp>
-        <p:nvSpPr>
-          <p:cNvPr id="3" name="内容占位符 2">
-            <a:extLst>
-              <a:ext uri="{FF2B5EF4-FFF2-40B4-BE49-F238E27FC236}">
-                <a16:creationId xmlns:a16="http://schemas.microsoft.com/office/drawing/2014/main" id="{E229DCA6-4CE8-4167-94A5-230816E4FA93}"/>
-              </a:ext>
-            </a:extLst>
-          </p:cNvPr>
-          <p:cNvSpPr>
-            <a:spLocks noGrp="1"/>
-          </p:cNvSpPr>
-          <p:nvPr>
-            <p:ph idx="1"/>
-          </p:nvPr>
-        </p:nvSpPr>
-        <p:spPr/>
-        <p:txBody>
-          <a:bodyPr/>
-          <a:lstStyle/>
-          <a:p>
             <a:pPr lvl="0"/>
             <a:r>
               <a:rPr lang="zh-CN" altLang="en-US"/>
@@ -832,18 +3371,13 @@
               <a:rPr lang="zh-CN" altLang="en-US"/>
               <a:t>第五级</a:t>
             </a:r>
-          </a:p>
-        </p:txBody>
-      </p:sp>
-      <p:sp>
-        <p:nvSpPr>
-          <p:cNvPr id="4" name="日期占位符 3">
-            <a:extLst>
-              <a:ext uri="{FF2B5EF4-FFF2-40B4-BE49-F238E27FC236}">
-                <a16:creationId xmlns:a16="http://schemas.microsoft.com/office/drawing/2014/main" id="{3E0042B5-57A5-4F6F-9E7F-DC02BB02DAD8}"/>
-              </a:ext>
-            </a:extLst>
-          </p:cNvPr>
+            <a:endParaRPr lang="en-US" dirty="0"/>
+          </a:p>
+        </p:txBody>
+      </p:sp>
+      <p:sp>
+        <p:nvSpPr>
+          <p:cNvPr id="4" name="Date Placeholder 3"/>
           <p:cNvSpPr>
             <a:spLocks noGrp="1"/>
           </p:cNvSpPr>
@@ -866,13 +3400,7 @@
       </p:sp>
       <p:sp>
         <p:nvSpPr>
-          <p:cNvPr id="5" name="页脚占位符 4">
-            <a:extLst>
-              <a:ext uri="{FF2B5EF4-FFF2-40B4-BE49-F238E27FC236}">
-                <a16:creationId xmlns:a16="http://schemas.microsoft.com/office/drawing/2014/main" id="{347DC6C9-1147-4B15-9617-80691AE9B656}"/>
-              </a:ext>
-            </a:extLst>
-          </p:cNvPr>
+          <p:cNvPr id="5" name="Footer Placeholder 4"/>
           <p:cNvSpPr>
             <a:spLocks noGrp="1"/>
           </p:cNvSpPr>
@@ -891,13 +3419,7 @@
       </p:sp>
       <p:sp>
         <p:nvSpPr>
-          <p:cNvPr id="6" name="灯片编号占位符 5">
-            <a:extLst>
-              <a:ext uri="{FF2B5EF4-FFF2-40B4-BE49-F238E27FC236}">
-                <a16:creationId xmlns:a16="http://schemas.microsoft.com/office/drawing/2014/main" id="{7A0F5DD6-DCA2-41B7-8C89-DC4B597AE104}"/>
-              </a:ext>
-            </a:extLst>
-          </p:cNvPr>
+          <p:cNvPr id="6" name="Slide Number Placeholder 5"/>
           <p:cNvSpPr>
             <a:spLocks noGrp="1"/>
           </p:cNvSpPr>
@@ -921,7 +3443,7 @@
     </p:spTree>
     <p:extLst>
       <p:ext uri="{BB962C8B-B14F-4D97-AF65-F5344CB8AC3E}">
-        <p14:creationId xmlns:p14="http://schemas.microsoft.com/office/powerpoint/2010/main" val="4181850244"/>
+        <p14:creationId xmlns:p14="http://schemas.microsoft.com/office/powerpoint/2010/main" val="2175620085"/>
       </p:ext>
     </p:extLst>
   </p:cSld>
@@ -950,13 +3472,7 @@
       </p:grpSpPr>
       <p:sp>
         <p:nvSpPr>
-          <p:cNvPr id="2" name="标题 1">
-            <a:extLst>
-              <a:ext uri="{FF2B5EF4-FFF2-40B4-BE49-F238E27FC236}">
-                <a16:creationId xmlns:a16="http://schemas.microsoft.com/office/drawing/2014/main" id="{13607DA6-4BE1-4F19-8129-10959E439DD5}"/>
-              </a:ext>
-            </a:extLst>
-          </p:cNvPr>
+          <p:cNvPr id="2" name="Title 1"/>
           <p:cNvSpPr>
             <a:spLocks noGrp="1"/>
           </p:cNvSpPr>
@@ -966,15 +3482,15 @@
         </p:nvSpPr>
         <p:spPr>
           <a:xfrm>
-            <a:off x="831850" y="1709738"/>
-            <a:ext cx="10515600" cy="2852737"/>
+            <a:off x="677335" y="2700867"/>
+            <a:ext cx="8596668" cy="1826581"/>
           </a:xfrm>
         </p:spPr>
         <p:txBody>
           <a:bodyPr anchor="b"/>
           <a:lstStyle>
-            <a:lvl1pPr>
-              <a:defRPr sz="6000"/>
+            <a:lvl1pPr algn="l">
+              <a:defRPr sz="4000" b="0" cap="none"/>
             </a:lvl1pPr>
           </a:lstStyle>
           <a:p>
@@ -982,18 +3498,13 @@
               <a:rPr lang="zh-CN" altLang="en-US"/>
               <a:t>单击此处编辑母版标题样式</a:t>
             </a:r>
-          </a:p>
-        </p:txBody>
-      </p:sp>
-      <p:sp>
-        <p:nvSpPr>
-          <p:cNvPr id="3" name="文本占位符 2">
-            <a:extLst>
-              <a:ext uri="{FF2B5EF4-FFF2-40B4-BE49-F238E27FC236}">
-                <a16:creationId xmlns:a16="http://schemas.microsoft.com/office/drawing/2014/main" id="{CF54DFED-9BC0-49E0-954A-BB1785D8E484}"/>
-              </a:ext>
-            </a:extLst>
-          </p:cNvPr>
+            <a:endParaRPr lang="en-US" dirty="0"/>
+          </a:p>
+        </p:txBody>
+      </p:sp>
+      <p:sp>
+        <p:nvSpPr>
+          <p:cNvPr id="3" name="Text Placeholder 2"/>
           <p:cNvSpPr>
             <a:spLocks noGrp="1"/>
           </p:cNvSpPr>
@@ -1003,102 +3514,103 @@
         </p:nvSpPr>
         <p:spPr>
           <a:xfrm>
-            <a:off x="831850" y="4589463"/>
-            <a:ext cx="10515600" cy="1500187"/>
+            <a:off x="677335" y="4527448"/>
+            <a:ext cx="8596668" cy="860400"/>
           </a:xfrm>
         </p:spPr>
         <p:txBody>
-          <a:bodyPr/>
+          <a:bodyPr anchor="t"/>
           <a:lstStyle>
-            <a:lvl1pPr marL="0" indent="0">
-              <a:buNone/>
-              <a:defRPr sz="2400">
+            <a:lvl1pPr marL="0" indent="0" algn="l">
+              <a:buNone/>
+              <a:defRPr sz="2000">
+                <a:solidFill>
+                  <a:schemeClr val="tx1">
+                    <a:lumMod val="50000"/>
+                    <a:lumOff val="50000"/>
+                  </a:schemeClr>
+                </a:solidFill>
+              </a:defRPr>
+            </a:lvl1pPr>
+            <a:lvl2pPr marL="457200" indent="0">
+              <a:buNone/>
+              <a:defRPr sz="1800">
                 <a:solidFill>
                   <a:schemeClr val="tx1">
                     <a:tint val="75000"/>
                   </a:schemeClr>
                 </a:solidFill>
               </a:defRPr>
-            </a:lvl1pPr>
-            <a:lvl2pPr marL="457200" indent="0">
-              <a:buNone/>
-              <a:defRPr sz="2000">
+            </a:lvl2pPr>
+            <a:lvl3pPr marL="914400" indent="0">
+              <a:buNone/>
+              <a:defRPr sz="1600">
                 <a:solidFill>
                   <a:schemeClr val="tx1">
                     <a:tint val="75000"/>
                   </a:schemeClr>
                 </a:solidFill>
               </a:defRPr>
-            </a:lvl2pPr>
-            <a:lvl3pPr marL="914400" indent="0">
-              <a:buNone/>
-              <a:defRPr sz="1800">
+            </a:lvl3pPr>
+            <a:lvl4pPr marL="1371600" indent="0">
+              <a:buNone/>
+              <a:defRPr sz="1400">
                 <a:solidFill>
                   <a:schemeClr val="tx1">
                     <a:tint val="75000"/>
                   </a:schemeClr>
                 </a:solidFill>
               </a:defRPr>
-            </a:lvl3pPr>
-            <a:lvl4pPr marL="1371600" indent="0">
-              <a:buNone/>
-              <a:defRPr sz="1600">
+            </a:lvl4pPr>
+            <a:lvl5pPr marL="1828800" indent="0">
+              <a:buNone/>
+              <a:defRPr sz="1400">
                 <a:solidFill>
                   <a:schemeClr val="tx1">
                     <a:tint val="75000"/>
                   </a:schemeClr>
                 </a:solidFill>
               </a:defRPr>
-            </a:lvl4pPr>
-            <a:lvl5pPr marL="1828800" indent="0">
-              <a:buNone/>
-              <a:defRPr sz="1600">
+            </a:lvl5pPr>
+            <a:lvl6pPr marL="2286000" indent="0">
+              <a:buNone/>
+              <a:defRPr sz="1400">
                 <a:solidFill>
                   <a:schemeClr val="tx1">
                     <a:tint val="75000"/>
                   </a:schemeClr>
                 </a:solidFill>
               </a:defRPr>
-            </a:lvl5pPr>
-            <a:lvl6pPr marL="2286000" indent="0">
-              <a:buNone/>
-              <a:defRPr sz="1600">
+            </a:lvl6pPr>
+            <a:lvl7pPr marL="2743200" indent="0">
+              <a:buNone/>
+              <a:defRPr sz="1400">
                 <a:solidFill>
                   <a:schemeClr val="tx1">
                     <a:tint val="75000"/>
                   </a:schemeClr>
                 </a:solidFill>
               </a:defRPr>
-            </a:lvl6pPr>
-            <a:lvl7pPr marL="2743200" indent="0">
-              <a:buNone/>
-              <a:defRPr sz="1600">
+            </a:lvl7pPr>
+            <a:lvl8pPr marL="3200400" indent="0">
+              <a:buNone/>
+              <a:defRPr sz="1400">
                 <a:solidFill>
                   <a:schemeClr val="tx1">
                     <a:tint val="75000"/>
                   </a:schemeClr>
                 </a:solidFill>
               </a:defRPr>
-            </a:lvl7pPr>
-            <a:lvl8pPr marL="3200400" indent="0">
-              <a:buNone/>
-              <a:defRPr sz="1600">
+            </a:lvl8pPr>
+            <a:lvl9pPr marL="3657600" indent="0">
+              <a:buNone/>
+              <a:defRPr sz="1400">
                 <a:solidFill>
                   <a:schemeClr val="tx1">
                     <a:tint val="75000"/>
                   </a:schemeClr>
                 </a:solidFill>
               </a:defRPr>
-            </a:lvl8pPr>
-            <a:lvl9pPr marL="3657600" indent="0">
-              <a:buNone/>
-              <a:defRPr sz="1600">
-                <a:solidFill>
-                  <a:schemeClr val="tx1">
-                    <a:tint val="75000"/>
-                  </a:schemeClr>
-                </a:solidFill>
-              </a:defRPr>
             </a:lvl9pPr>
           </a:lstStyle>
           <a:p>
@@ -1112,13 +3624,7 @@
       </p:sp>
       <p:sp>
         <p:nvSpPr>
-          <p:cNvPr id="4" name="日期占位符 3">
-            <a:extLst>
-              <a:ext uri="{FF2B5EF4-FFF2-40B4-BE49-F238E27FC236}">
-                <a16:creationId xmlns:a16="http://schemas.microsoft.com/office/drawing/2014/main" id="{34F4535B-94E4-4DE7-B69C-E80097149462}"/>
-              </a:ext>
-            </a:extLst>
-          </p:cNvPr>
+          <p:cNvPr id="4" name="Date Placeholder 3"/>
           <p:cNvSpPr>
             <a:spLocks noGrp="1"/>
           </p:cNvSpPr>
@@ -1141,13 +3647,7 @@
       </p:sp>
       <p:sp>
         <p:nvSpPr>
-          <p:cNvPr id="5" name="页脚占位符 4">
-            <a:extLst>
-              <a:ext uri="{FF2B5EF4-FFF2-40B4-BE49-F238E27FC236}">
-                <a16:creationId xmlns:a16="http://schemas.microsoft.com/office/drawing/2014/main" id="{52C40190-A3CA-4100-91DE-45BCE07908F7}"/>
-              </a:ext>
-            </a:extLst>
-          </p:cNvPr>
+          <p:cNvPr id="5" name="Footer Placeholder 4"/>
           <p:cNvSpPr>
             <a:spLocks noGrp="1"/>
           </p:cNvSpPr>
@@ -1166,13 +3666,7 @@
       </p:sp>
       <p:sp>
         <p:nvSpPr>
-          <p:cNvPr id="6" name="灯片编号占位符 5">
-            <a:extLst>
-              <a:ext uri="{FF2B5EF4-FFF2-40B4-BE49-F238E27FC236}">
-                <a16:creationId xmlns:a16="http://schemas.microsoft.com/office/drawing/2014/main" id="{71963FD7-7472-46F8-B7F3-572D14748C7C}"/>
-              </a:ext>
-            </a:extLst>
-          </p:cNvPr>
+          <p:cNvPr id="6" name="Slide Number Placeholder 5"/>
           <p:cNvSpPr>
             <a:spLocks noGrp="1"/>
           </p:cNvSpPr>
@@ -1196,7 +3690,7 @@
     </p:spTree>
     <p:extLst>
       <p:ext uri="{BB962C8B-B14F-4D97-AF65-F5344CB8AC3E}">
-        <p14:creationId xmlns:p14="http://schemas.microsoft.com/office/powerpoint/2010/main" val="864801439"/>
+        <p14:creationId xmlns:p14="http://schemas.microsoft.com/office/powerpoint/2010/main" val="108606732"/>
       </p:ext>
     </p:extLst>
   </p:cSld>
@@ -1225,13 +3719,7 @@
       </p:grpSpPr>
       <p:sp>
         <p:nvSpPr>
-          <p:cNvPr id="2" name="标题 1">
-            <a:extLst>
-              <a:ext uri="{FF2B5EF4-FFF2-40B4-BE49-F238E27FC236}">
-                <a16:creationId xmlns:a16="http://schemas.microsoft.com/office/drawing/2014/main" id="{E840BBEA-4046-4699-8DF8-51FAA4A27BA8}"/>
-              </a:ext>
-            </a:extLst>
-          </p:cNvPr>
+          <p:cNvPr id="2" name="Title 1"/>
           <p:cNvSpPr>
             <a:spLocks noGrp="1"/>
           </p:cNvSpPr>
@@ -1248,18 +3736,13 @@
               <a:rPr lang="zh-CN" altLang="en-US"/>
               <a:t>单击此处编辑母版标题样式</a:t>
             </a:r>
-          </a:p>
-        </p:txBody>
-      </p:sp>
-      <p:sp>
-        <p:nvSpPr>
-          <p:cNvPr id="3" name="内容占位符 2">
-            <a:extLst>
-              <a:ext uri="{FF2B5EF4-FFF2-40B4-BE49-F238E27FC236}">
-                <a16:creationId xmlns:a16="http://schemas.microsoft.com/office/drawing/2014/main" id="{59AFF015-4C47-4BB6-9BC0-17EA69E2E4EF}"/>
-              </a:ext>
-            </a:extLst>
-          </p:cNvPr>
+            <a:endParaRPr lang="en-US" dirty="0"/>
+          </a:p>
+        </p:txBody>
+      </p:sp>
+      <p:sp>
+        <p:nvSpPr>
+          <p:cNvPr id="3" name="Content Placeholder 2"/>
           <p:cNvSpPr>
             <a:spLocks noGrp="1"/>
           </p:cNvSpPr>
@@ -1269,8 +3752,8 @@
         </p:nvSpPr>
         <p:spPr>
           <a:xfrm>
-            <a:off x="838200" y="1825625"/>
-            <a:ext cx="5181600" cy="4351338"/>
+            <a:off x="677334" y="2160589"/>
+            <a:ext cx="4184035" cy="3880772"/>
           </a:xfrm>
         </p:spPr>
         <p:txBody>
@@ -1310,18 +3793,13 @@
               <a:rPr lang="zh-CN" altLang="en-US"/>
               <a:t>第五级</a:t>
             </a:r>
-          </a:p>
-        </p:txBody>
-      </p:sp>
-      <p:sp>
-        <p:nvSpPr>
-          <p:cNvPr id="4" name="内容占位符 3">
-            <a:extLst>
-              <a:ext uri="{FF2B5EF4-FFF2-40B4-BE49-F238E27FC236}">
-                <a16:creationId xmlns:a16="http://schemas.microsoft.com/office/drawing/2014/main" id="{A0D468EC-B3A8-41E5-95EA-31784E4C96C2}"/>
-              </a:ext>
-            </a:extLst>
-          </p:cNvPr>
+            <a:endParaRPr lang="en-US" dirty="0"/>
+          </a:p>
+        </p:txBody>
+      </p:sp>
+      <p:sp>
+        <p:nvSpPr>
+          <p:cNvPr id="4" name="Content Placeholder 3"/>
           <p:cNvSpPr>
             <a:spLocks noGrp="1"/>
           </p:cNvSpPr>
@@ -1331,8 +3809,8 @@
         </p:nvSpPr>
         <p:spPr>
           <a:xfrm>
-            <a:off x="6172200" y="1825625"/>
-            <a:ext cx="5181600" cy="4351338"/>
+            <a:off x="5089970" y="2160589"/>
+            <a:ext cx="4184034" cy="3880773"/>
           </a:xfrm>
         </p:spPr>
         <p:txBody>
@@ -1372,18 +3850,13 @@
               <a:rPr lang="zh-CN" altLang="en-US"/>
               <a:t>第五级</a:t>
             </a:r>
-          </a:p>
-        </p:txBody>
-      </p:sp>
-      <p:sp>
-        <p:nvSpPr>
-          <p:cNvPr id="5" name="日期占位符 4">
-            <a:extLst>
-              <a:ext uri="{FF2B5EF4-FFF2-40B4-BE49-F238E27FC236}">
-                <a16:creationId xmlns:a16="http://schemas.microsoft.com/office/drawing/2014/main" id="{D36AC7E9-2DE0-4BA2-9642-BE4A148D71F5}"/>
-              </a:ext>
-            </a:extLst>
-          </p:cNvPr>
+            <a:endParaRPr lang="en-US" dirty="0"/>
+          </a:p>
+        </p:txBody>
+      </p:sp>
+      <p:sp>
+        <p:nvSpPr>
+          <p:cNvPr id="5" name="Date Placeholder 4"/>
           <p:cNvSpPr>
             <a:spLocks noGrp="1"/>
           </p:cNvSpPr>
@@ -1406,13 +3879,7 @@
       </p:sp>
       <p:sp>
         <p:nvSpPr>
-          <p:cNvPr id="6" name="页脚占位符 5">
-            <a:extLst>
-              <a:ext uri="{FF2B5EF4-FFF2-40B4-BE49-F238E27FC236}">
-                <a16:creationId xmlns:a16="http://schemas.microsoft.com/office/drawing/2014/main" id="{8FCA3E58-8D1C-497E-8BF0-15F2475EAC48}"/>
-              </a:ext>
-            </a:extLst>
-          </p:cNvPr>
+          <p:cNvPr id="6" name="Footer Placeholder 5"/>
           <p:cNvSpPr>
             <a:spLocks noGrp="1"/>
           </p:cNvSpPr>
@@ -1431,13 +3898,7 @@
       </p:sp>
       <p:sp>
         <p:nvSpPr>
-          <p:cNvPr id="7" name="灯片编号占位符 6">
-            <a:extLst>
-              <a:ext uri="{FF2B5EF4-FFF2-40B4-BE49-F238E27FC236}">
-                <a16:creationId xmlns:a16="http://schemas.microsoft.com/office/drawing/2014/main" id="{5786EAD0-6971-4631-8C7D-A6DBFA7115E7}"/>
-              </a:ext>
-            </a:extLst>
-          </p:cNvPr>
+          <p:cNvPr id="7" name="Slide Number Placeholder 6"/>
           <p:cNvSpPr>
             <a:spLocks noGrp="1"/>
           </p:cNvSpPr>
@@ -1461,7 +3922,7 @@
     </p:spTree>
     <p:extLst>
       <p:ext uri="{BB962C8B-B14F-4D97-AF65-F5344CB8AC3E}">
-        <p14:creationId xmlns:p14="http://schemas.microsoft.com/office/powerpoint/2010/main" val="4290999253"/>
+        <p14:creationId xmlns:p14="http://schemas.microsoft.com/office/powerpoint/2010/main" val="3586302173"/>
       </p:ext>
     </p:extLst>
   </p:cSld>
@@ -1490,65 +3951,55 @@
       </p:grpSpPr>
       <p:sp>
         <p:nvSpPr>
-          <p:cNvPr id="2" name="标题 1">
-            <a:extLst>
-              <a:ext uri="{FF2B5EF4-FFF2-40B4-BE49-F238E27FC236}">
-                <a16:creationId xmlns:a16="http://schemas.microsoft.com/office/drawing/2014/main" id="{23F98903-0066-482C-8AE8-3014BABEAEAD}"/>
-              </a:ext>
-            </a:extLst>
-          </p:cNvPr>
+          <p:cNvPr id="2" name="Title 1"/>
           <p:cNvSpPr>
             <a:spLocks noGrp="1"/>
           </p:cNvSpPr>
           <p:nvPr>
             <p:ph type="title"/>
+          </p:nvPr>
+        </p:nvSpPr>
+        <p:spPr/>
+        <p:txBody>
+          <a:bodyPr/>
+          <a:lstStyle>
+            <a:lvl1pPr>
+              <a:defRPr/>
+            </a:lvl1pPr>
+          </a:lstStyle>
+          <a:p>
+            <a:r>
+              <a:rPr lang="zh-CN" altLang="en-US"/>
+              <a:t>单击此处编辑母版标题样式</a:t>
+            </a:r>
+            <a:endParaRPr lang="en-US" dirty="0"/>
+          </a:p>
+        </p:txBody>
+      </p:sp>
+      <p:sp>
+        <p:nvSpPr>
+          <p:cNvPr id="3" name="Text Placeholder 2"/>
+          <p:cNvSpPr>
+            <a:spLocks noGrp="1"/>
+          </p:cNvSpPr>
+          <p:nvPr>
+            <p:ph type="body" idx="1"/>
           </p:nvPr>
         </p:nvSpPr>
         <p:spPr>
           <a:xfrm>
-            <a:off x="839788" y="365125"/>
-            <a:ext cx="10515600" cy="1325563"/>
+            <a:off x="675745" y="2160983"/>
+            <a:ext cx="4185623" cy="576262"/>
           </a:xfrm>
         </p:spPr>
         <p:txBody>
-          <a:bodyPr/>
-          <a:lstStyle/>
-          <a:p>
-            <a:r>
-              <a:rPr lang="zh-CN" altLang="en-US"/>
-              <a:t>单击此处编辑母版标题样式</a:t>
-            </a:r>
-          </a:p>
-        </p:txBody>
-      </p:sp>
-      <p:sp>
-        <p:nvSpPr>
-          <p:cNvPr id="3" name="文本占位符 2">
-            <a:extLst>
-              <a:ext uri="{FF2B5EF4-FFF2-40B4-BE49-F238E27FC236}">
-                <a16:creationId xmlns:a16="http://schemas.microsoft.com/office/drawing/2014/main" id="{05D37945-B10E-4DFA-8A42-1F31475EDFBF}"/>
-              </a:ext>
-            </a:extLst>
-          </p:cNvPr>
-          <p:cNvSpPr>
-            <a:spLocks noGrp="1"/>
-          </p:cNvSpPr>
-          <p:nvPr>
-            <p:ph type="body" idx="1"/>
-          </p:nvPr>
-        </p:nvSpPr>
-        <p:spPr>
-          <a:xfrm>
-            <a:off x="839788" y="1681163"/>
-            <a:ext cx="5157787" cy="823912"/>
-          </a:xfrm>
-        </p:spPr>
-        <p:txBody>
-          <a:bodyPr anchor="b"/>
+          <a:bodyPr anchor="b">
+            <a:noAutofit/>
+          </a:bodyPr>
           <a:lstStyle>
             <a:lvl1pPr marL="0" indent="0">
               <a:buNone/>
-              <a:defRPr sz="2400" b="1"/>
+              <a:defRPr sz="2400" b="0"/>
             </a:lvl1pPr>
             <a:lvl2pPr marL="457200" indent="0">
               <a:buNone/>
@@ -1594,13 +4045,7 @@
       </p:sp>
       <p:sp>
         <p:nvSpPr>
-          <p:cNvPr id="4" name="内容占位符 3">
-            <a:extLst>
-              <a:ext uri="{FF2B5EF4-FFF2-40B4-BE49-F238E27FC236}">
-                <a16:creationId xmlns:a16="http://schemas.microsoft.com/office/drawing/2014/main" id="{8D46954D-4B4B-401B-9F97-F7338DEC1F5C}"/>
-              </a:ext>
-            </a:extLst>
-          </p:cNvPr>
+          <p:cNvPr id="4" name="Content Placeholder 3"/>
           <p:cNvSpPr>
             <a:spLocks noGrp="1"/>
           </p:cNvSpPr>
@@ -1610,12 +4055,14 @@
         </p:nvSpPr>
         <p:spPr>
           <a:xfrm>
-            <a:off x="839788" y="2505075"/>
-            <a:ext cx="5157787" cy="3684588"/>
+            <a:off x="675745" y="2737245"/>
+            <a:ext cx="4185623" cy="3304117"/>
           </a:xfrm>
         </p:spPr>
         <p:txBody>
-          <a:bodyPr/>
+          <a:bodyPr>
+            <a:normAutofit/>
+          </a:bodyPr>
           <a:lstStyle/>
           <a:p>
             <a:pPr lvl="0"/>
@@ -1651,18 +4098,13 @@
               <a:rPr lang="zh-CN" altLang="en-US"/>
               <a:t>第五级</a:t>
             </a:r>
-          </a:p>
-        </p:txBody>
-      </p:sp>
-      <p:sp>
-        <p:nvSpPr>
-          <p:cNvPr id="5" name="文本占位符 4">
-            <a:extLst>
-              <a:ext uri="{FF2B5EF4-FFF2-40B4-BE49-F238E27FC236}">
-                <a16:creationId xmlns:a16="http://schemas.microsoft.com/office/drawing/2014/main" id="{4775CAFF-8D2D-4F93-BFFE-3B1729A7C00B}"/>
-              </a:ext>
-            </a:extLst>
-          </p:cNvPr>
+            <a:endParaRPr lang="en-US" dirty="0"/>
+          </a:p>
+        </p:txBody>
+      </p:sp>
+      <p:sp>
+        <p:nvSpPr>
+          <p:cNvPr id="5" name="Text Placeholder 4"/>
           <p:cNvSpPr>
             <a:spLocks noGrp="1"/>
           </p:cNvSpPr>
@@ -1672,16 +4114,18 @@
         </p:nvSpPr>
         <p:spPr>
           <a:xfrm>
-            <a:off x="6172200" y="1681163"/>
-            <a:ext cx="5183188" cy="823912"/>
+            <a:off x="5088383" y="2160983"/>
+            <a:ext cx="4185618" cy="576262"/>
           </a:xfrm>
         </p:spPr>
         <p:txBody>
-          <a:bodyPr anchor="b"/>
+          <a:bodyPr anchor="b">
+            <a:noAutofit/>
+          </a:bodyPr>
           <a:lstStyle>
             <a:lvl1pPr marL="0" indent="0">
               <a:buNone/>
-              <a:defRPr sz="2400" b="1"/>
+              <a:defRPr sz="2400" b="0"/>
             </a:lvl1pPr>
             <a:lvl2pPr marL="457200" indent="0">
               <a:buNone/>
@@ -1727,13 +4171,7 @@
       </p:sp>
       <p:sp>
         <p:nvSpPr>
-          <p:cNvPr id="6" name="内容占位符 5">
-            <a:extLst>
-              <a:ext uri="{FF2B5EF4-FFF2-40B4-BE49-F238E27FC236}">
-                <a16:creationId xmlns:a16="http://schemas.microsoft.com/office/drawing/2014/main" id="{7C88B865-F03F-4949-8760-273CDF6A3A85}"/>
-              </a:ext>
-            </a:extLst>
-          </p:cNvPr>
+          <p:cNvPr id="6" name="Content Placeholder 5"/>
           <p:cNvSpPr>
             <a:spLocks noGrp="1"/>
           </p:cNvSpPr>
@@ -1743,12 +4181,14 @@
         </p:nvSpPr>
         <p:spPr>
           <a:xfrm>
-            <a:off x="6172200" y="2505075"/>
-            <a:ext cx="5183188" cy="3684588"/>
+            <a:off x="5088384" y="2737245"/>
+            <a:ext cx="4185617" cy="3304117"/>
           </a:xfrm>
         </p:spPr>
         <p:txBody>
-          <a:bodyPr/>
+          <a:bodyPr>
+            <a:normAutofit/>
+          </a:bodyPr>
           <a:lstStyle/>
           <a:p>
             <a:pPr lvl="0"/>
@@ -1784,18 +4224,13 @@
               <a:rPr lang="zh-CN" altLang="en-US"/>
               <a:t>第五级</a:t>
             </a:r>
-          </a:p>
-        </p:txBody>
-      </p:sp>
-      <p:sp>
-        <p:nvSpPr>
-          <p:cNvPr id="7" name="日期占位符 6">
-            <a:extLst>
-              <a:ext uri="{FF2B5EF4-FFF2-40B4-BE49-F238E27FC236}">
-                <a16:creationId xmlns:a16="http://schemas.microsoft.com/office/drawing/2014/main" id="{CF68C3C8-5431-46B1-95D1-22F59F0BB335}"/>
-              </a:ext>
-            </a:extLst>
-          </p:cNvPr>
+            <a:endParaRPr lang="en-US" dirty="0"/>
+          </a:p>
+        </p:txBody>
+      </p:sp>
+      <p:sp>
+        <p:nvSpPr>
+          <p:cNvPr id="7" name="Date Placeholder 6"/>
           <p:cNvSpPr>
             <a:spLocks noGrp="1"/>
           </p:cNvSpPr>
@@ -1818,13 +4253,7 @@
       </p:sp>
       <p:sp>
         <p:nvSpPr>
-          <p:cNvPr id="8" name="页脚占位符 7">
-            <a:extLst>
-              <a:ext uri="{FF2B5EF4-FFF2-40B4-BE49-F238E27FC236}">
-                <a16:creationId xmlns:a16="http://schemas.microsoft.com/office/drawing/2014/main" id="{C6844FC9-C363-4633-900B-D88BCA0499F8}"/>
-              </a:ext>
-            </a:extLst>
-          </p:cNvPr>
+          <p:cNvPr id="8" name="Footer Placeholder 7"/>
           <p:cNvSpPr>
             <a:spLocks noGrp="1"/>
           </p:cNvSpPr>
@@ -1843,13 +4272,7 @@
       </p:sp>
       <p:sp>
         <p:nvSpPr>
-          <p:cNvPr id="9" name="灯片编号占位符 8">
-            <a:extLst>
-              <a:ext uri="{FF2B5EF4-FFF2-40B4-BE49-F238E27FC236}">
-                <a16:creationId xmlns:a16="http://schemas.microsoft.com/office/drawing/2014/main" id="{C7518B2E-C318-4F6E-8B20-6E0951F887E9}"/>
-              </a:ext>
-            </a:extLst>
-          </p:cNvPr>
+          <p:cNvPr id="9" name="Slide Number Placeholder 8"/>
           <p:cNvSpPr>
             <a:spLocks noGrp="1"/>
           </p:cNvSpPr>
@@ -1873,7 +4296,7 @@
     </p:spTree>
     <p:extLst>
       <p:ext uri="{BB962C8B-B14F-4D97-AF65-F5344CB8AC3E}">
-        <p14:creationId xmlns:p14="http://schemas.microsoft.com/office/powerpoint/2010/main" val="512915781"/>
+        <p14:creationId xmlns:p14="http://schemas.microsoft.com/office/powerpoint/2010/main" val="3476807471"/>
       </p:ext>
     </p:extLst>
   </p:cSld>
@@ -1902,13 +4325,7 @@
       </p:grpSpPr>
       <p:sp>
         <p:nvSpPr>
-          <p:cNvPr id="2" name="标题 1">
-            <a:extLst>
-              <a:ext uri="{FF2B5EF4-FFF2-40B4-BE49-F238E27FC236}">
-                <a16:creationId xmlns:a16="http://schemas.microsoft.com/office/drawing/2014/main" id="{787E6730-6E55-4800-9B5C-FFF74D601A05}"/>
-              </a:ext>
-            </a:extLst>
-          </p:cNvPr>
+          <p:cNvPr id="2" name="Title 1"/>
           <p:cNvSpPr>
             <a:spLocks noGrp="1"/>
           </p:cNvSpPr>
@@ -1916,7 +4333,12 @@
             <p:ph type="title"/>
           </p:nvPr>
         </p:nvSpPr>
-        <p:spPr/>
+        <p:spPr>
+          <a:xfrm>
+            <a:off x="677334" y="609600"/>
+            <a:ext cx="8596668" cy="1320800"/>
+          </a:xfrm>
+        </p:spPr>
         <p:txBody>
           <a:bodyPr/>
           <a:lstStyle/>
@@ -1925,18 +4347,13 @@
               <a:rPr lang="zh-CN" altLang="en-US"/>
               <a:t>单击此处编辑母版标题样式</a:t>
             </a:r>
-          </a:p>
-        </p:txBody>
-      </p:sp>
-      <p:sp>
-        <p:nvSpPr>
-          <p:cNvPr id="3" name="日期占位符 2">
-            <a:extLst>
-              <a:ext uri="{FF2B5EF4-FFF2-40B4-BE49-F238E27FC236}">
-                <a16:creationId xmlns:a16="http://schemas.microsoft.com/office/drawing/2014/main" id="{A93F00BD-F029-468F-B8E5-3C0C19EBD6BC}"/>
-              </a:ext>
-            </a:extLst>
-          </p:cNvPr>
+            <a:endParaRPr lang="en-US" dirty="0"/>
+          </a:p>
+        </p:txBody>
+      </p:sp>
+      <p:sp>
+        <p:nvSpPr>
+          <p:cNvPr id="3" name="Date Placeholder 2"/>
           <p:cNvSpPr>
             <a:spLocks noGrp="1"/>
           </p:cNvSpPr>
@@ -1959,13 +4376,7 @@
       </p:sp>
       <p:sp>
         <p:nvSpPr>
-          <p:cNvPr id="4" name="页脚占位符 3">
-            <a:extLst>
-              <a:ext uri="{FF2B5EF4-FFF2-40B4-BE49-F238E27FC236}">
-                <a16:creationId xmlns:a16="http://schemas.microsoft.com/office/drawing/2014/main" id="{E81D88C3-2735-4B4C-AC49-BBA730327F68}"/>
-              </a:ext>
-            </a:extLst>
-          </p:cNvPr>
+          <p:cNvPr id="4" name="Footer Placeholder 3"/>
           <p:cNvSpPr>
             <a:spLocks noGrp="1"/>
           </p:cNvSpPr>
@@ -1984,13 +4395,7 @@
       </p:sp>
       <p:sp>
         <p:nvSpPr>
-          <p:cNvPr id="5" name="灯片编号占位符 4">
-            <a:extLst>
-              <a:ext uri="{FF2B5EF4-FFF2-40B4-BE49-F238E27FC236}">
-                <a16:creationId xmlns:a16="http://schemas.microsoft.com/office/drawing/2014/main" id="{02D193D3-FB05-477E-AE13-C97AEF69337C}"/>
-              </a:ext>
-            </a:extLst>
-          </p:cNvPr>
+          <p:cNvPr id="5" name="Slide Number Placeholder 4"/>
           <p:cNvSpPr>
             <a:spLocks noGrp="1"/>
           </p:cNvSpPr>
@@ -2014,7 +4419,7 @@
     </p:spTree>
     <p:extLst>
       <p:ext uri="{BB962C8B-B14F-4D97-AF65-F5344CB8AC3E}">
-        <p14:creationId xmlns:p14="http://schemas.microsoft.com/office/powerpoint/2010/main" val="2646096795"/>
+        <p14:creationId xmlns:p14="http://schemas.microsoft.com/office/powerpoint/2010/main" val="1809270894"/>
       </p:ext>
     </p:extLst>
   </p:cSld>
@@ -2043,13 +4448,7 @@
       </p:grpSpPr>
       <p:sp>
         <p:nvSpPr>
-          <p:cNvPr id="2" name="日期占位符 1">
-            <a:extLst>
-              <a:ext uri="{FF2B5EF4-FFF2-40B4-BE49-F238E27FC236}">
-                <a16:creationId xmlns:a16="http://schemas.microsoft.com/office/drawing/2014/main" id="{51B09873-F0A3-4F9F-BC74-7BB38B8C3534}"/>
-              </a:ext>
-            </a:extLst>
-          </p:cNvPr>
+          <p:cNvPr id="2" name="Date Placeholder 1"/>
           <p:cNvSpPr>
             <a:spLocks noGrp="1"/>
           </p:cNvSpPr>
@@ -2072,13 +4471,7 @@
       </p:sp>
       <p:sp>
         <p:nvSpPr>
-          <p:cNvPr id="3" name="页脚占位符 2">
-            <a:extLst>
-              <a:ext uri="{FF2B5EF4-FFF2-40B4-BE49-F238E27FC236}">
-                <a16:creationId xmlns:a16="http://schemas.microsoft.com/office/drawing/2014/main" id="{56BE91BF-66DD-4919-BFD5-614D7E6671AD}"/>
-              </a:ext>
-            </a:extLst>
-          </p:cNvPr>
+          <p:cNvPr id="3" name="Footer Placeholder 2"/>
           <p:cNvSpPr>
             <a:spLocks noGrp="1"/>
           </p:cNvSpPr>
@@ -2097,13 +4490,7 @@
       </p:sp>
       <p:sp>
         <p:nvSpPr>
-          <p:cNvPr id="4" name="灯片编号占位符 3">
-            <a:extLst>
-              <a:ext uri="{FF2B5EF4-FFF2-40B4-BE49-F238E27FC236}">
-                <a16:creationId xmlns:a16="http://schemas.microsoft.com/office/drawing/2014/main" id="{D6272DCA-ED28-4F93-B9F4-893EB087B970}"/>
-              </a:ext>
-            </a:extLst>
-          </p:cNvPr>
+          <p:cNvPr id="4" name="Slide Number Placeholder 3"/>
           <p:cNvSpPr>
             <a:spLocks noGrp="1"/>
           </p:cNvSpPr>
@@ -2127,7 +4514,7 @@
     </p:spTree>
     <p:extLst>
       <p:ext uri="{BB962C8B-B14F-4D97-AF65-F5344CB8AC3E}">
-        <p14:creationId xmlns:p14="http://schemas.microsoft.com/office/powerpoint/2010/main" val="2762293613"/>
+        <p14:creationId xmlns:p14="http://schemas.microsoft.com/office/powerpoint/2010/main" val="3667382552"/>
       </p:ext>
     </p:extLst>
   </p:cSld>
@@ -2156,13 +4543,7 @@
       </p:grpSpPr>
       <p:sp>
         <p:nvSpPr>
-          <p:cNvPr id="2" name="标题 1">
-            <a:extLst>
-              <a:ext uri="{FF2B5EF4-FFF2-40B4-BE49-F238E27FC236}">
-                <a16:creationId xmlns:a16="http://schemas.microsoft.com/office/drawing/2014/main" id="{C17D8BCD-F431-4BE4-9763-C6367DDBC329}"/>
-              </a:ext>
-            </a:extLst>
-          </p:cNvPr>
+          <p:cNvPr id="2" name="Title 1"/>
           <p:cNvSpPr>
             <a:spLocks noGrp="1"/>
           </p:cNvSpPr>
@@ -2172,15 +4553,17 @@
         </p:nvSpPr>
         <p:spPr>
           <a:xfrm>
-            <a:off x="839788" y="457200"/>
-            <a:ext cx="3932237" cy="1600200"/>
+            <a:off x="677334" y="1498604"/>
+            <a:ext cx="3854528" cy="1278466"/>
           </a:xfrm>
         </p:spPr>
         <p:txBody>
-          <a:bodyPr anchor="b"/>
+          <a:bodyPr anchor="b">
+            <a:normAutofit/>
+          </a:bodyPr>
           <a:lstStyle>
             <a:lvl1pPr>
-              <a:defRPr sz="3200"/>
+              <a:defRPr sz="2000"/>
             </a:lvl1pPr>
           </a:lstStyle>
           <a:p>
@@ -2188,18 +4571,13 @@
               <a:rPr lang="zh-CN" altLang="en-US"/>
               <a:t>单击此处编辑母版标题样式</a:t>
             </a:r>
-          </a:p>
-        </p:txBody>
-      </p:sp>
-      <p:sp>
-        <p:nvSpPr>
-          <p:cNvPr id="3" name="内容占位符 2">
-            <a:extLst>
-              <a:ext uri="{FF2B5EF4-FFF2-40B4-BE49-F238E27FC236}">
-                <a16:creationId xmlns:a16="http://schemas.microsoft.com/office/drawing/2014/main" id="{BEB3217D-85B4-4AA7-B45D-634FE447E6BB}"/>
-              </a:ext>
-            </a:extLst>
-          </p:cNvPr>
+            <a:endParaRPr lang="en-US" dirty="0"/>
+          </a:p>
+        </p:txBody>
+      </p:sp>
+      <p:sp>
+        <p:nvSpPr>
+          <p:cNvPr id="3" name="Content Placeholder 2"/>
           <p:cNvSpPr>
             <a:spLocks noGrp="1"/>
           </p:cNvSpPr>
@@ -2209,41 +4587,15 @@
         </p:nvSpPr>
         <p:spPr>
           <a:xfrm>
-            <a:off x="5183188" y="987425"/>
-            <a:ext cx="6172200" cy="4873625"/>
+            <a:off x="4760461" y="514924"/>
+            <a:ext cx="4513541" cy="5526437"/>
           </a:xfrm>
         </p:spPr>
         <p:txBody>
-          <a:bodyPr/>
-          <a:lstStyle>
-            <a:lvl1pPr>
-              <a:defRPr sz="3200"/>
-            </a:lvl1pPr>
-            <a:lvl2pPr>
-              <a:defRPr sz="2800"/>
-            </a:lvl2pPr>
-            <a:lvl3pPr>
-              <a:defRPr sz="2400"/>
-            </a:lvl3pPr>
-            <a:lvl4pPr>
-              <a:defRPr sz="2000"/>
-            </a:lvl4pPr>
-            <a:lvl5pPr>
-              <a:defRPr sz="2000"/>
-            </a:lvl5pPr>
-            <a:lvl6pPr>
-              <a:defRPr sz="2000"/>
-            </a:lvl6pPr>
-            <a:lvl7pPr>
-              <a:defRPr sz="2000"/>
-            </a:lvl7pPr>
-            <a:lvl8pPr>
-              <a:defRPr sz="2000"/>
-            </a:lvl8pPr>
-            <a:lvl9pPr>
-              <a:defRPr sz="2000"/>
-            </a:lvl9pPr>
-          </a:lstStyle>
+          <a:bodyPr>
+            <a:normAutofit/>
+          </a:bodyPr>
+          <a:lstStyle/>
           <a:p>
             <a:pPr lvl="0"/>
             <a:r>
@@ -2278,18 +4630,13 @@
               <a:rPr lang="zh-CN" altLang="en-US"/>
               <a:t>第五级</a:t>
             </a:r>
-          </a:p>
-        </p:txBody>
-      </p:sp>
-      <p:sp>
-        <p:nvSpPr>
-          <p:cNvPr id="4" name="文本占位符 3">
-            <a:extLst>
-              <a:ext uri="{FF2B5EF4-FFF2-40B4-BE49-F238E27FC236}">
-                <a16:creationId xmlns:a16="http://schemas.microsoft.com/office/drawing/2014/main" id="{5B4B56C4-3854-43E6-8F1A-B98D7CE90D0C}"/>
-              </a:ext>
-            </a:extLst>
-          </p:cNvPr>
+            <a:endParaRPr lang="en-US" dirty="0"/>
+          </a:p>
+        </p:txBody>
+      </p:sp>
+      <p:sp>
+        <p:nvSpPr>
+          <p:cNvPr id="4" name="Text Placeholder 3"/>
           <p:cNvSpPr>
             <a:spLocks noGrp="1"/>
           </p:cNvSpPr>
@@ -2299,46 +4646,48 @@
         </p:nvSpPr>
         <p:spPr>
           <a:xfrm>
-            <a:off x="839788" y="2057400"/>
-            <a:ext cx="3932237" cy="3811588"/>
+            <a:off x="677334" y="2777069"/>
+            <a:ext cx="3854528" cy="2584449"/>
           </a:xfrm>
         </p:spPr>
         <p:txBody>
-          <a:bodyPr/>
+          <a:bodyPr>
+            <a:normAutofit/>
+          </a:bodyPr>
           <a:lstStyle>
             <a:lvl1pPr marL="0" indent="0">
               <a:buNone/>
-              <a:defRPr sz="1600"/>
+              <a:defRPr sz="1400"/>
             </a:lvl1pPr>
-            <a:lvl2pPr marL="457200" indent="0">
+            <a:lvl2pPr marL="457063" indent="0">
               <a:buNone/>
               <a:defRPr sz="1400"/>
             </a:lvl2pPr>
-            <a:lvl3pPr marL="914400" indent="0">
+            <a:lvl3pPr marL="914126" indent="0">
               <a:buNone/>
               <a:defRPr sz="1200"/>
             </a:lvl3pPr>
-            <a:lvl4pPr marL="1371600" indent="0">
+            <a:lvl4pPr marL="1371189" indent="0">
               <a:buNone/>
               <a:defRPr sz="1000"/>
             </a:lvl4pPr>
-            <a:lvl5pPr marL="1828800" indent="0">
+            <a:lvl5pPr marL="1828251" indent="0">
               <a:buNone/>
               <a:defRPr sz="1000"/>
             </a:lvl5pPr>
-            <a:lvl6pPr marL="2286000" indent="0">
+            <a:lvl6pPr marL="2285314" indent="0">
               <a:buNone/>
               <a:defRPr sz="1000"/>
             </a:lvl6pPr>
-            <a:lvl7pPr marL="2743200" indent="0">
+            <a:lvl7pPr marL="2742377" indent="0">
               <a:buNone/>
               <a:defRPr sz="1000"/>
             </a:lvl7pPr>
-            <a:lvl8pPr marL="3200400" indent="0">
+            <a:lvl8pPr marL="3199440" indent="0">
               <a:buNone/>
               <a:defRPr sz="1000"/>
             </a:lvl8pPr>
-            <a:lvl9pPr marL="3657600" indent="0">
+            <a:lvl9pPr marL="3656503" indent="0">
               <a:buNone/>
               <a:defRPr sz="1000"/>
             </a:lvl9pPr>
@@ -2354,13 +4703,7 @@
       </p:sp>
       <p:sp>
         <p:nvSpPr>
-          <p:cNvPr id="5" name="日期占位符 4">
-            <a:extLst>
-              <a:ext uri="{FF2B5EF4-FFF2-40B4-BE49-F238E27FC236}">
-                <a16:creationId xmlns:a16="http://schemas.microsoft.com/office/drawing/2014/main" id="{7EFFE7F2-EAF1-4412-B724-019F014C7CFA}"/>
-              </a:ext>
-            </a:extLst>
-          </p:cNvPr>
+          <p:cNvPr id="5" name="Date Placeholder 4"/>
           <p:cNvSpPr>
             <a:spLocks noGrp="1"/>
           </p:cNvSpPr>
@@ -2383,13 +4726,7 @@
       </p:sp>
       <p:sp>
         <p:nvSpPr>
-          <p:cNvPr id="6" name="页脚占位符 5">
-            <a:extLst>
-              <a:ext uri="{FF2B5EF4-FFF2-40B4-BE49-F238E27FC236}">
-                <a16:creationId xmlns:a16="http://schemas.microsoft.com/office/drawing/2014/main" id="{5E2AA7CA-F67E-4EC3-B606-91AA0E93C129}"/>
-              </a:ext>
-            </a:extLst>
-          </p:cNvPr>
+          <p:cNvPr id="6" name="Footer Placeholder 5"/>
           <p:cNvSpPr>
             <a:spLocks noGrp="1"/>
           </p:cNvSpPr>
@@ -2408,13 +4745,7 @@
       </p:sp>
       <p:sp>
         <p:nvSpPr>
-          <p:cNvPr id="7" name="灯片编号占位符 6">
-            <a:extLst>
-              <a:ext uri="{FF2B5EF4-FFF2-40B4-BE49-F238E27FC236}">
-                <a16:creationId xmlns:a16="http://schemas.microsoft.com/office/drawing/2014/main" id="{06CFE2DB-215E-46A5-A6AB-73BBD4ABFB5D}"/>
-              </a:ext>
-            </a:extLst>
-          </p:cNvPr>
+          <p:cNvPr id="7" name="Slide Number Placeholder 6"/>
           <p:cNvSpPr>
             <a:spLocks noGrp="1"/>
           </p:cNvSpPr>
@@ -2438,7 +4769,7 @@
     </p:spTree>
     <p:extLst>
       <p:ext uri="{BB962C8B-B14F-4D97-AF65-F5344CB8AC3E}">
-        <p14:creationId xmlns:p14="http://schemas.microsoft.com/office/powerpoint/2010/main" val="2287411196"/>
+        <p14:creationId xmlns:p14="http://schemas.microsoft.com/office/powerpoint/2010/main" val="1771844408"/>
       </p:ext>
     </p:extLst>
   </p:cSld>
@@ -2467,13 +4798,7 @@
       </p:grpSpPr>
       <p:sp>
         <p:nvSpPr>
-          <p:cNvPr id="2" name="标题 1">
-            <a:extLst>
-              <a:ext uri="{FF2B5EF4-FFF2-40B4-BE49-F238E27FC236}">
-                <a16:creationId xmlns:a16="http://schemas.microsoft.com/office/drawing/2014/main" id="{C716FAF7-167D-4AD9-959F-13303EF5118D}"/>
-              </a:ext>
-            </a:extLst>
-          </p:cNvPr>
+          <p:cNvPr id="2" name="Title 1"/>
           <p:cNvSpPr>
             <a:spLocks noGrp="1"/>
           </p:cNvSpPr>
@@ -2483,15 +4808,17 @@
         </p:nvSpPr>
         <p:spPr>
           <a:xfrm>
-            <a:off x="839788" y="457200"/>
-            <a:ext cx="3932237" cy="1600200"/>
+            <a:off x="677334" y="4800600"/>
+            <a:ext cx="8596667" cy="566738"/>
           </a:xfrm>
         </p:spPr>
         <p:txBody>
-          <a:bodyPr anchor="b"/>
+          <a:bodyPr anchor="b">
+            <a:normAutofit/>
+          </a:bodyPr>
           <a:lstStyle>
-            <a:lvl1pPr>
-              <a:defRPr sz="3200"/>
+            <a:lvl1pPr algn="l">
+              <a:defRPr sz="2400" b="0"/>
             </a:lvl1pPr>
           </a:lstStyle>
           <a:p>
@@ -2499,20 +4826,15 @@
               <a:rPr lang="zh-CN" altLang="en-US"/>
               <a:t>单击此处编辑母版标题样式</a:t>
             </a:r>
-          </a:p>
-        </p:txBody>
-      </p:sp>
-      <p:sp>
-        <p:nvSpPr>
-          <p:cNvPr id="3" name="图片占位符 2">
-            <a:extLst>
-              <a:ext uri="{FF2B5EF4-FFF2-40B4-BE49-F238E27FC236}">
-                <a16:creationId xmlns:a16="http://schemas.microsoft.com/office/drawing/2014/main" id="{7BB3E40A-8A8D-49F8-950D-952033C572E9}"/>
-              </a:ext>
-            </a:extLst>
-          </p:cNvPr>
-          <p:cNvSpPr>
-            <a:spLocks noGrp="1"/>
+            <a:endParaRPr lang="en-US" dirty="0"/>
+          </a:p>
+        </p:txBody>
+      </p:sp>
+      <p:sp>
+        <p:nvSpPr>
+          <p:cNvPr id="3" name="Picture Placeholder 2"/>
+          <p:cNvSpPr>
+            <a:spLocks noGrp="1" noChangeAspect="1"/>
           </p:cNvSpPr>
           <p:nvPr>
             <p:ph type="pic" idx="1"/>
@@ -2520,118 +4842,120 @@
         </p:nvSpPr>
         <p:spPr>
           <a:xfrm>
-            <a:off x="5183188" y="987425"/>
-            <a:ext cx="6172200" cy="4873625"/>
+            <a:off x="677334" y="609600"/>
+            <a:ext cx="8596668" cy="3845718"/>
           </a:xfrm>
         </p:spPr>
         <p:txBody>
-          <a:bodyPr/>
+          <a:bodyPr anchor="t">
+            <a:normAutofit/>
+          </a:bodyPr>
           <a:lstStyle>
-            <a:lvl1pPr marL="0" indent="0">
-              <a:buNone/>
-              <a:defRPr sz="3200"/>
-            </a:lvl1pPr>
-            <a:lvl2pPr marL="457200" indent="0">
-              <a:buNone/>
-              <a:defRPr sz="2800"/>
-            </a:lvl2pPr>
-            <a:lvl3pPr marL="914400" indent="0">
-              <a:buNone/>
-              <a:defRPr sz="2400"/>
-            </a:lvl3pPr>
-            <a:lvl4pPr marL="1371600" indent="0">
-              <a:buNone/>
-              <a:defRPr sz="2000"/>
-            </a:lvl4pPr>
-            <a:lvl5pPr marL="1828800" indent="0">
-              <a:buNone/>
-              <a:defRPr sz="2000"/>
-            </a:lvl5pPr>
-            <a:lvl6pPr marL="2286000" indent="0">
-              <a:buNone/>
-              <a:defRPr sz="2000"/>
-            </a:lvl6pPr>
-            <a:lvl7pPr marL="2743200" indent="0">
-              <a:buNone/>
-              <a:defRPr sz="2000"/>
-            </a:lvl7pPr>
-            <a:lvl8pPr marL="3200400" indent="0">
-              <a:buNone/>
-              <a:defRPr sz="2000"/>
-            </a:lvl8pPr>
-            <a:lvl9pPr marL="3657600" indent="0">
-              <a:buNone/>
-              <a:defRPr sz="2000"/>
-            </a:lvl9pPr>
-          </a:lstStyle>
-          <a:p>
-            <a:endParaRPr lang="zh-CN" altLang="en-US"/>
-          </a:p>
-        </p:txBody>
-      </p:sp>
-      <p:sp>
-        <p:nvSpPr>
-          <p:cNvPr id="4" name="文本占位符 3">
-            <a:extLst>
-              <a:ext uri="{FF2B5EF4-FFF2-40B4-BE49-F238E27FC236}">
-                <a16:creationId xmlns:a16="http://schemas.microsoft.com/office/drawing/2014/main" id="{DA5DC3F7-B655-41B1-8765-1DEC17338CC9}"/>
-              </a:ext>
-            </a:extLst>
-          </p:cNvPr>
-          <p:cNvSpPr>
-            <a:spLocks noGrp="1"/>
-          </p:cNvSpPr>
-          <p:nvPr>
-            <p:ph type="body" sz="half" idx="2"/>
-          </p:nvPr>
-        </p:nvSpPr>
-        <p:spPr>
-          <a:xfrm>
-            <a:off x="839788" y="2057400"/>
-            <a:ext cx="3932237" cy="3811588"/>
-          </a:xfrm>
-        </p:spPr>
-        <p:txBody>
-          <a:bodyPr/>
-          <a:lstStyle>
-            <a:lvl1pPr marL="0" indent="0">
+            <a:lvl1pPr marL="0" indent="0" algn="ctr">
               <a:buNone/>
               <a:defRPr sz="1600"/>
             </a:lvl1pPr>
             <a:lvl2pPr marL="457200" indent="0">
               <a:buNone/>
-              <a:defRPr sz="1400"/>
+              <a:defRPr sz="1600"/>
             </a:lvl2pPr>
             <a:lvl3pPr marL="914400" indent="0">
               <a:buNone/>
-              <a:defRPr sz="1200"/>
+              <a:defRPr sz="1600"/>
             </a:lvl3pPr>
             <a:lvl4pPr marL="1371600" indent="0">
               <a:buNone/>
-              <a:defRPr sz="1000"/>
+              <a:defRPr sz="1600"/>
             </a:lvl4pPr>
             <a:lvl5pPr marL="1828800" indent="0">
               <a:buNone/>
-              <a:defRPr sz="1000"/>
+              <a:defRPr sz="1600"/>
             </a:lvl5pPr>
             <a:lvl6pPr marL="2286000" indent="0">
               <a:buNone/>
-              <a:defRPr sz="1000"/>
+              <a:defRPr sz="1600"/>
             </a:lvl6pPr>
             <a:lvl7pPr marL="2743200" indent="0">
               <a:buNone/>
-              <a:defRPr sz="1000"/>
+              <a:defRPr sz="1600"/>
             </a:lvl7pPr>
             <a:lvl8pPr marL="3200400" indent="0">
               <a:buNone/>
-              <a:defRPr sz="1000"/>
+              <a:defRPr sz="1600"/>
             </a:lvl8pPr>
             <a:lvl9pPr marL="3657600" indent="0">
               <a:buNone/>
-              <a:defRPr sz="1000"/>
+              <a:defRPr sz="1600"/>
             </a:lvl9pPr>
           </a:lstStyle>
           <a:p>
+            <a:r>
+              <a:rPr lang="zh-CN" altLang="en-US"/>
+              <a:t>单击图标添加图片</a:t>
+            </a:r>
+            <a:endParaRPr lang="en-US" dirty="0"/>
+          </a:p>
+        </p:txBody>
+      </p:sp>
+      <p:sp>
+        <p:nvSpPr>
+          <p:cNvPr id="4" name="Text Placeholder 3"/>
+          <p:cNvSpPr>
+            <a:spLocks noGrp="1"/>
+          </p:cNvSpPr>
+          <p:nvPr>
+            <p:ph type="body" sz="half" idx="2"/>
+          </p:nvPr>
+        </p:nvSpPr>
+        <p:spPr>
+          <a:xfrm>
+            <a:off x="677334" y="5367338"/>
+            <a:ext cx="8596667" cy="674024"/>
+          </a:xfrm>
+        </p:spPr>
+        <p:txBody>
+          <a:bodyPr>
+            <a:normAutofit/>
+          </a:bodyPr>
+          <a:lstStyle>
+            <a:lvl1pPr marL="0" indent="0">
+              <a:buNone/>
+              <a:defRPr sz="1200"/>
+            </a:lvl1pPr>
+            <a:lvl2pPr marL="457200" indent="0">
+              <a:buNone/>
+              <a:defRPr sz="1200"/>
+            </a:lvl2pPr>
+            <a:lvl3pPr marL="914400" indent="0">
+              <a:buNone/>
+              <a:defRPr sz="1000"/>
+            </a:lvl3pPr>
+            <a:lvl4pPr marL="1371600" indent="0">
+              <a:buNone/>
+              <a:defRPr sz="900"/>
+            </a:lvl4pPr>
+            <a:lvl5pPr marL="1828800" indent="0">
+              <a:buNone/>
+              <a:defRPr sz="900"/>
+            </a:lvl5pPr>
+            <a:lvl6pPr marL="2286000" indent="0">
+              <a:buNone/>
+              <a:defRPr sz="900"/>
+            </a:lvl6pPr>
+            <a:lvl7pPr marL="2743200" indent="0">
+              <a:buNone/>
+              <a:defRPr sz="900"/>
+            </a:lvl7pPr>
+            <a:lvl8pPr marL="3200400" indent="0">
+              <a:buNone/>
+              <a:defRPr sz="900"/>
+            </a:lvl8pPr>
+            <a:lvl9pPr marL="3657600" indent="0">
+              <a:buNone/>
+              <a:defRPr sz="900"/>
+            </a:lvl9pPr>
+          </a:lstStyle>
+          <a:p>
             <a:pPr lvl="0"/>
             <a:r>
               <a:rPr lang="zh-CN" altLang="en-US"/>
@@ -2642,13 +4966,7 @@
       </p:sp>
       <p:sp>
         <p:nvSpPr>
-          <p:cNvPr id="5" name="日期占位符 4">
-            <a:extLst>
-              <a:ext uri="{FF2B5EF4-FFF2-40B4-BE49-F238E27FC236}">
-                <a16:creationId xmlns:a16="http://schemas.microsoft.com/office/drawing/2014/main" id="{CD0C43D0-FA93-4643-9DE1-6F928E624122}"/>
-              </a:ext>
-            </a:extLst>
-          </p:cNvPr>
+          <p:cNvPr id="5" name="Date Placeholder 4"/>
           <p:cNvSpPr>
             <a:spLocks noGrp="1"/>
           </p:cNvSpPr>
@@ -2671,13 +4989,7 @@
       </p:sp>
       <p:sp>
         <p:nvSpPr>
-          <p:cNvPr id="6" name="页脚占位符 5">
-            <a:extLst>
-              <a:ext uri="{FF2B5EF4-FFF2-40B4-BE49-F238E27FC236}">
-                <a16:creationId xmlns:a16="http://schemas.microsoft.com/office/drawing/2014/main" id="{560BA54E-65DB-4A2A-A760-FDFF6D013979}"/>
-              </a:ext>
-            </a:extLst>
-          </p:cNvPr>
+          <p:cNvPr id="6" name="Footer Placeholder 5"/>
           <p:cNvSpPr>
             <a:spLocks noGrp="1"/>
           </p:cNvSpPr>
@@ -2696,13 +5008,7 @@
       </p:sp>
       <p:sp>
         <p:nvSpPr>
-          <p:cNvPr id="7" name="灯片编号占位符 6">
-            <a:extLst>
-              <a:ext uri="{FF2B5EF4-FFF2-40B4-BE49-F238E27FC236}">
-                <a16:creationId xmlns:a16="http://schemas.microsoft.com/office/drawing/2014/main" id="{9B0FA041-0D55-47CB-8D49-B435283FBA08}"/>
-              </a:ext>
-            </a:extLst>
-          </p:cNvPr>
+          <p:cNvPr id="7" name="Slide Number Placeholder 6"/>
           <p:cNvSpPr>
             <a:spLocks noGrp="1"/>
           </p:cNvSpPr>
@@ -2726,7 +5032,7 @@
     </p:spTree>
     <p:extLst>
       <p:ext uri="{BB962C8B-B14F-4D97-AF65-F5344CB8AC3E}">
-        <p14:creationId xmlns:p14="http://schemas.microsoft.com/office/powerpoint/2010/main" val="622363844"/>
+        <p14:creationId xmlns:p14="http://schemas.microsoft.com/office/powerpoint/2010/main" val="3683811667"/>
       </p:ext>
     </p:extLst>
   </p:cSld>
@@ -2741,7 +5047,7 @@
   <p:cSld>
     <p:bg>
       <p:bgRef idx="1001">
-        <a:schemeClr val="bg1"/>
+        <a:schemeClr val="bg2"/>
       </p:bgRef>
     </p:bg>
     <p:spTree>
@@ -2758,15 +5064,541 @@
           <a:chExt cx="0" cy="0"/>
         </a:xfrm>
       </p:grpSpPr>
-      <p:sp>
-        <p:nvSpPr>
-          <p:cNvPr id="2" name="标题占位符 1">
-            <a:extLst>
-              <a:ext uri="{FF2B5EF4-FFF2-40B4-BE49-F238E27FC236}">
-                <a16:creationId xmlns:a16="http://schemas.microsoft.com/office/drawing/2014/main" id="{FF3403A9-A2DD-4E94-BA89-3855B296354C}"/>
-              </a:ext>
-            </a:extLst>
-          </p:cNvPr>
+      <p:grpSp>
+        <p:nvGrpSpPr>
+          <p:cNvPr id="8" name="Group 7"/>
+          <p:cNvGrpSpPr/>
+          <p:nvPr/>
+        </p:nvGrpSpPr>
+        <p:grpSpPr>
+          <a:xfrm>
+            <a:off x="0" y="-8467"/>
+            <a:ext cx="12192000" cy="6866467"/>
+            <a:chOff x="0" y="-8467"/>
+            <a:chExt cx="12192000" cy="6866467"/>
+          </a:xfrm>
+        </p:grpSpPr>
+        <p:cxnSp>
+          <p:nvCxnSpPr>
+            <p:cNvPr id="20" name="Straight Connector 19"/>
+            <p:cNvCxnSpPr/>
+            <p:nvPr/>
+          </p:nvCxnSpPr>
+          <p:spPr>
+            <a:xfrm>
+              <a:off x="9371012" y="0"/>
+              <a:ext cx="1219200" cy="6858000"/>
+            </a:xfrm>
+            <a:prstGeom prst="line">
+              <a:avLst/>
+            </a:prstGeom>
+            <a:ln w="9525">
+              <a:solidFill>
+                <a:schemeClr val="bg1">
+                  <a:lumMod val="85000"/>
+                  <a:lumOff val="15000"/>
+                </a:schemeClr>
+              </a:solidFill>
+            </a:ln>
+          </p:spPr>
+          <p:style>
+            <a:lnRef idx="2">
+              <a:schemeClr val="accent1"/>
+            </a:lnRef>
+            <a:fillRef idx="0">
+              <a:schemeClr val="accent1"/>
+            </a:fillRef>
+            <a:effectRef idx="1">
+              <a:schemeClr val="accent1"/>
+            </a:effectRef>
+            <a:fontRef idx="minor">
+              <a:schemeClr val="tx1"/>
+            </a:fontRef>
+          </p:style>
+        </p:cxnSp>
+        <p:cxnSp>
+          <p:nvCxnSpPr>
+            <p:cNvPr id="21" name="Straight Connector 20"/>
+            <p:cNvCxnSpPr/>
+            <p:nvPr/>
+          </p:nvCxnSpPr>
+          <p:spPr>
+            <a:xfrm flipH="1">
+              <a:off x="7425267" y="3681413"/>
+              <a:ext cx="4763558" cy="3176587"/>
+            </a:xfrm>
+            <a:prstGeom prst="line">
+              <a:avLst/>
+            </a:prstGeom>
+            <a:ln w="9525">
+              <a:solidFill>
+                <a:schemeClr val="bg1">
+                  <a:lumMod val="85000"/>
+                  <a:lumOff val="15000"/>
+                </a:schemeClr>
+              </a:solidFill>
+            </a:ln>
+          </p:spPr>
+          <p:style>
+            <a:lnRef idx="2">
+              <a:schemeClr val="accent1"/>
+            </a:lnRef>
+            <a:fillRef idx="0">
+              <a:schemeClr val="accent1"/>
+            </a:fillRef>
+            <a:effectRef idx="1">
+              <a:schemeClr val="accent1"/>
+            </a:effectRef>
+            <a:fontRef idx="minor">
+              <a:schemeClr val="tx1"/>
+            </a:fontRef>
+          </p:style>
+        </p:cxnSp>
+        <p:sp>
+          <p:nvSpPr>
+            <p:cNvPr id="22" name="Rectangle 23"/>
+            <p:cNvSpPr/>
+            <p:nvPr/>
+          </p:nvSpPr>
+          <p:spPr>
+            <a:xfrm>
+              <a:off x="9181476" y="-8467"/>
+              <a:ext cx="3007349" cy="6866467"/>
+            </a:xfrm>
+            <a:custGeom>
+              <a:avLst/>
+              <a:gdLst/>
+              <a:ahLst/>
+              <a:cxnLst/>
+              <a:rect l="l" t="t" r="r" b="b"/>
+              <a:pathLst>
+                <a:path w="3007349" h="6866467">
+                  <a:moveTo>
+                    <a:pt x="2045532" y="0"/>
+                  </a:moveTo>
+                  <a:lnTo>
+                    <a:pt x="3007349" y="0"/>
+                  </a:lnTo>
+                  <a:lnTo>
+                    <a:pt x="3007349" y="6866467"/>
+                  </a:lnTo>
+                  <a:lnTo>
+                    <a:pt x="0" y="6866467"/>
+                  </a:lnTo>
+                  <a:lnTo>
+                    <a:pt x="2045532" y="0"/>
+                  </a:lnTo>
+                  <a:close/>
+                </a:path>
+              </a:pathLst>
+            </a:custGeom>
+            <a:solidFill>
+              <a:schemeClr val="accent1">
+                <a:alpha val="30000"/>
+              </a:schemeClr>
+            </a:solidFill>
+            <a:ln>
+              <a:noFill/>
+            </a:ln>
+            <a:effectLst/>
+          </p:spPr>
+          <p:style>
+            <a:lnRef idx="1">
+              <a:schemeClr val="accent1"/>
+            </a:lnRef>
+            <a:fillRef idx="3">
+              <a:schemeClr val="accent1"/>
+            </a:fillRef>
+            <a:effectRef idx="2">
+              <a:schemeClr val="accent1"/>
+            </a:effectRef>
+            <a:fontRef idx="minor">
+              <a:schemeClr val="lt1"/>
+            </a:fontRef>
+          </p:style>
+        </p:sp>
+        <p:sp>
+          <p:nvSpPr>
+            <p:cNvPr id="23" name="Rectangle 25"/>
+            <p:cNvSpPr/>
+            <p:nvPr/>
+          </p:nvSpPr>
+          <p:spPr>
+            <a:xfrm>
+              <a:off x="9603442" y="-8467"/>
+              <a:ext cx="2588558" cy="6866467"/>
+            </a:xfrm>
+            <a:custGeom>
+              <a:avLst/>
+              <a:gdLst/>
+              <a:ahLst/>
+              <a:cxnLst/>
+              <a:rect l="l" t="t" r="r" b="b"/>
+              <a:pathLst>
+                <a:path w="2573311" h="6866467">
+                  <a:moveTo>
+                    <a:pt x="0" y="0"/>
+                  </a:moveTo>
+                  <a:lnTo>
+                    <a:pt x="2573311" y="0"/>
+                  </a:lnTo>
+                  <a:lnTo>
+                    <a:pt x="2573311" y="6866467"/>
+                  </a:lnTo>
+                  <a:lnTo>
+                    <a:pt x="1202336" y="6866467"/>
+                  </a:lnTo>
+                  <a:lnTo>
+                    <a:pt x="0" y="0"/>
+                  </a:lnTo>
+                  <a:close/>
+                </a:path>
+              </a:pathLst>
+            </a:custGeom>
+            <a:solidFill>
+              <a:schemeClr val="accent1">
+                <a:alpha val="20000"/>
+              </a:schemeClr>
+            </a:solidFill>
+            <a:ln>
+              <a:noFill/>
+            </a:ln>
+            <a:effectLst/>
+          </p:spPr>
+          <p:style>
+            <a:lnRef idx="1">
+              <a:schemeClr val="accent1"/>
+            </a:lnRef>
+            <a:fillRef idx="3">
+              <a:schemeClr val="accent1"/>
+            </a:fillRef>
+            <a:effectRef idx="2">
+              <a:schemeClr val="accent1"/>
+            </a:effectRef>
+            <a:fontRef idx="minor">
+              <a:schemeClr val="lt1"/>
+            </a:fontRef>
+          </p:style>
+        </p:sp>
+        <p:sp>
+          <p:nvSpPr>
+            <p:cNvPr id="24" name="Isosceles Triangle 23"/>
+            <p:cNvSpPr/>
+            <p:nvPr/>
+          </p:nvSpPr>
+          <p:spPr>
+            <a:xfrm>
+              <a:off x="8932333" y="3048000"/>
+              <a:ext cx="3259667" cy="3810000"/>
+            </a:xfrm>
+            <a:prstGeom prst="triangle">
+              <a:avLst>
+                <a:gd name="adj" fmla="val 100000"/>
+              </a:avLst>
+            </a:prstGeom>
+            <a:solidFill>
+              <a:schemeClr val="accent2">
+                <a:alpha val="72000"/>
+              </a:schemeClr>
+            </a:solidFill>
+            <a:ln>
+              <a:noFill/>
+            </a:ln>
+            <a:effectLst/>
+          </p:spPr>
+          <p:style>
+            <a:lnRef idx="1">
+              <a:schemeClr val="accent1"/>
+            </a:lnRef>
+            <a:fillRef idx="3">
+              <a:schemeClr val="accent1"/>
+            </a:fillRef>
+            <a:effectRef idx="2">
+              <a:schemeClr val="accent1"/>
+            </a:effectRef>
+            <a:fontRef idx="minor">
+              <a:schemeClr val="lt1"/>
+            </a:fontRef>
+          </p:style>
+        </p:sp>
+        <p:sp>
+          <p:nvSpPr>
+            <p:cNvPr id="25" name="Rectangle 27"/>
+            <p:cNvSpPr/>
+            <p:nvPr/>
+          </p:nvSpPr>
+          <p:spPr>
+            <a:xfrm>
+              <a:off x="9334500" y="-8467"/>
+              <a:ext cx="2854326" cy="6866467"/>
+            </a:xfrm>
+            <a:custGeom>
+              <a:avLst/>
+              <a:gdLst/>
+              <a:ahLst/>
+              <a:cxnLst/>
+              <a:rect l="l" t="t" r="r" b="b"/>
+              <a:pathLst>
+                <a:path w="2858013" h="6866467">
+                  <a:moveTo>
+                    <a:pt x="0" y="0"/>
+                  </a:moveTo>
+                  <a:lnTo>
+                    <a:pt x="2858013" y="0"/>
+                  </a:lnTo>
+                  <a:lnTo>
+                    <a:pt x="2858013" y="6866467"/>
+                  </a:lnTo>
+                  <a:lnTo>
+                    <a:pt x="2473942" y="6866467"/>
+                  </a:lnTo>
+                  <a:lnTo>
+                    <a:pt x="0" y="0"/>
+                  </a:lnTo>
+                  <a:close/>
+                </a:path>
+              </a:pathLst>
+            </a:custGeom>
+            <a:solidFill>
+              <a:schemeClr val="accent2">
+                <a:lumMod val="75000"/>
+                <a:alpha val="70000"/>
+              </a:schemeClr>
+            </a:solidFill>
+            <a:ln>
+              <a:noFill/>
+            </a:ln>
+            <a:effectLst/>
+          </p:spPr>
+          <p:style>
+            <a:lnRef idx="1">
+              <a:schemeClr val="accent1"/>
+            </a:lnRef>
+            <a:fillRef idx="3">
+              <a:schemeClr val="accent1"/>
+            </a:fillRef>
+            <a:effectRef idx="2">
+              <a:schemeClr val="accent1"/>
+            </a:effectRef>
+            <a:fontRef idx="minor">
+              <a:schemeClr val="lt1"/>
+            </a:fontRef>
+          </p:style>
+        </p:sp>
+        <p:sp>
+          <p:nvSpPr>
+            <p:cNvPr id="26" name="Rectangle 28"/>
+            <p:cNvSpPr/>
+            <p:nvPr/>
+          </p:nvSpPr>
+          <p:spPr>
+            <a:xfrm>
+              <a:off x="10898730" y="-8467"/>
+              <a:ext cx="1290094" cy="6866467"/>
+            </a:xfrm>
+            <a:custGeom>
+              <a:avLst/>
+              <a:gdLst/>
+              <a:ahLst/>
+              <a:cxnLst/>
+              <a:rect l="l" t="t" r="r" b="b"/>
+              <a:pathLst>
+                <a:path w="1290094" h="6858000">
+                  <a:moveTo>
+                    <a:pt x="1019735" y="0"/>
+                  </a:moveTo>
+                  <a:lnTo>
+                    <a:pt x="1290094" y="0"/>
+                  </a:lnTo>
+                  <a:lnTo>
+                    <a:pt x="1290094" y="6858000"/>
+                  </a:lnTo>
+                  <a:lnTo>
+                    <a:pt x="0" y="6858000"/>
+                  </a:lnTo>
+                  <a:lnTo>
+                    <a:pt x="1019735" y="0"/>
+                  </a:lnTo>
+                  <a:close/>
+                </a:path>
+              </a:pathLst>
+            </a:custGeom>
+            <a:solidFill>
+              <a:schemeClr val="accent1">
+                <a:lumMod val="60000"/>
+                <a:lumOff val="40000"/>
+                <a:alpha val="70000"/>
+              </a:schemeClr>
+            </a:solidFill>
+            <a:ln>
+              <a:noFill/>
+            </a:ln>
+            <a:effectLst/>
+          </p:spPr>
+          <p:style>
+            <a:lnRef idx="1">
+              <a:schemeClr val="accent1"/>
+            </a:lnRef>
+            <a:fillRef idx="3">
+              <a:schemeClr val="accent1"/>
+            </a:fillRef>
+            <a:effectRef idx="2">
+              <a:schemeClr val="accent1"/>
+            </a:effectRef>
+            <a:fontRef idx="minor">
+              <a:schemeClr val="lt1"/>
+            </a:fontRef>
+          </p:style>
+        </p:sp>
+        <p:sp>
+          <p:nvSpPr>
+            <p:cNvPr id="27" name="Rectangle 29"/>
+            <p:cNvSpPr/>
+            <p:nvPr/>
+          </p:nvSpPr>
+          <p:spPr>
+            <a:xfrm>
+              <a:off x="10938999" y="-8467"/>
+              <a:ext cx="1249825" cy="6866467"/>
+            </a:xfrm>
+            <a:custGeom>
+              <a:avLst/>
+              <a:gdLst/>
+              <a:ahLst/>
+              <a:cxnLst/>
+              <a:rect l="l" t="t" r="r" b="b"/>
+              <a:pathLst>
+                <a:path w="1249825" h="6858000">
+                  <a:moveTo>
+                    <a:pt x="0" y="0"/>
+                  </a:moveTo>
+                  <a:lnTo>
+                    <a:pt x="1249825" y="0"/>
+                  </a:lnTo>
+                  <a:lnTo>
+                    <a:pt x="1249825" y="6858000"/>
+                  </a:lnTo>
+                  <a:lnTo>
+                    <a:pt x="1109382" y="6858000"/>
+                  </a:lnTo>
+                  <a:lnTo>
+                    <a:pt x="0" y="0"/>
+                  </a:lnTo>
+                  <a:close/>
+                </a:path>
+              </a:pathLst>
+            </a:custGeom>
+            <a:solidFill>
+              <a:schemeClr val="accent1">
+                <a:alpha val="65000"/>
+              </a:schemeClr>
+            </a:solidFill>
+            <a:ln>
+              <a:noFill/>
+            </a:ln>
+            <a:effectLst/>
+          </p:spPr>
+          <p:style>
+            <a:lnRef idx="1">
+              <a:schemeClr val="accent1"/>
+            </a:lnRef>
+            <a:fillRef idx="3">
+              <a:schemeClr val="accent1"/>
+            </a:fillRef>
+            <a:effectRef idx="2">
+              <a:schemeClr val="accent1"/>
+            </a:effectRef>
+            <a:fontRef idx="minor">
+              <a:schemeClr val="lt1"/>
+            </a:fontRef>
+          </p:style>
+        </p:sp>
+        <p:sp>
+          <p:nvSpPr>
+            <p:cNvPr id="28" name="Isosceles Triangle 27"/>
+            <p:cNvSpPr/>
+            <p:nvPr/>
+          </p:nvSpPr>
+          <p:spPr>
+            <a:xfrm>
+              <a:off x="10371666" y="3589867"/>
+              <a:ext cx="1817159" cy="3268133"/>
+            </a:xfrm>
+            <a:prstGeom prst="triangle">
+              <a:avLst>
+                <a:gd name="adj" fmla="val 100000"/>
+              </a:avLst>
+            </a:prstGeom>
+            <a:solidFill>
+              <a:schemeClr val="accent1">
+                <a:alpha val="80000"/>
+              </a:schemeClr>
+            </a:solidFill>
+            <a:ln>
+              <a:noFill/>
+            </a:ln>
+            <a:effectLst/>
+          </p:spPr>
+          <p:style>
+            <a:lnRef idx="1">
+              <a:schemeClr val="accent1"/>
+            </a:lnRef>
+            <a:fillRef idx="3">
+              <a:schemeClr val="accent1"/>
+            </a:fillRef>
+            <a:effectRef idx="2">
+              <a:schemeClr val="accent1"/>
+            </a:effectRef>
+            <a:fontRef idx="minor">
+              <a:schemeClr val="lt1"/>
+            </a:fontRef>
+          </p:style>
+        </p:sp>
+        <p:sp>
+          <p:nvSpPr>
+            <p:cNvPr id="29" name="Isosceles Triangle 28"/>
+            <p:cNvSpPr/>
+            <p:nvPr/>
+          </p:nvSpPr>
+          <p:spPr>
+            <a:xfrm>
+              <a:off x="0" y="4013200"/>
+              <a:ext cx="448733" cy="2844800"/>
+            </a:xfrm>
+            <a:prstGeom prst="triangle">
+              <a:avLst>
+                <a:gd name="adj" fmla="val 0"/>
+              </a:avLst>
+            </a:prstGeom>
+            <a:solidFill>
+              <a:schemeClr val="accent1">
+                <a:alpha val="85000"/>
+              </a:schemeClr>
+            </a:solidFill>
+            <a:ln>
+              <a:noFill/>
+            </a:ln>
+            <a:effectLst/>
+          </p:spPr>
+          <p:style>
+            <a:lnRef idx="1">
+              <a:schemeClr val="accent1"/>
+            </a:lnRef>
+            <a:fillRef idx="3">
+              <a:schemeClr val="accent1"/>
+            </a:fillRef>
+            <a:effectRef idx="2">
+              <a:schemeClr val="accent1"/>
+            </a:effectRef>
+            <a:fontRef idx="minor">
+              <a:schemeClr val="lt1"/>
+            </a:fontRef>
+          </p:style>
+        </p:sp>
+      </p:grpSp>
+      <p:sp>
+        <p:nvSpPr>
+          <p:cNvPr id="2" name="Title Placeholder 1"/>
           <p:cNvSpPr>
             <a:spLocks noGrp="1"/>
           </p:cNvSpPr>
@@ -2776,15 +5608,15 @@
         </p:nvSpPr>
         <p:spPr>
           <a:xfrm>
-            <a:off x="838200" y="365125"/>
-            <a:ext cx="10515600" cy="1325563"/>
+            <a:off x="677334" y="609600"/>
+            <a:ext cx="8596668" cy="1320800"/>
           </a:xfrm>
           <a:prstGeom prst="rect">
             <a:avLst/>
           </a:prstGeom>
         </p:spPr>
         <p:txBody>
-          <a:bodyPr vert="horz" lIns="91440" tIns="45720" rIns="91440" bIns="45720" rtlCol="0" anchor="ctr">
+          <a:bodyPr vert="horz" lIns="91440" tIns="45720" rIns="91440" bIns="45720" rtlCol="0" anchor="t">
             <a:normAutofit/>
           </a:bodyPr>
           <a:lstStyle/>
@@ -2793,18 +5625,13 @@
               <a:rPr lang="zh-CN" altLang="en-US"/>
               <a:t>单击此处编辑母版标题样式</a:t>
             </a:r>
-          </a:p>
-        </p:txBody>
-      </p:sp>
-      <p:sp>
-        <p:nvSpPr>
-          <p:cNvPr id="3" name="文本占位符 2">
-            <a:extLst>
-              <a:ext uri="{FF2B5EF4-FFF2-40B4-BE49-F238E27FC236}">
-                <a16:creationId xmlns:a16="http://schemas.microsoft.com/office/drawing/2014/main" id="{ADFF2249-959D-4953-A618-E67497F03ED8}"/>
-              </a:ext>
-            </a:extLst>
-          </p:cNvPr>
+            <a:endParaRPr lang="en-US" dirty="0"/>
+          </a:p>
+        </p:txBody>
+      </p:sp>
+      <p:sp>
+        <p:nvSpPr>
+          <p:cNvPr id="3" name="Text Placeholder 2"/>
           <p:cNvSpPr>
             <a:spLocks noGrp="1"/>
           </p:cNvSpPr>
@@ -2814,8 +5641,8 @@
         </p:nvSpPr>
         <p:spPr>
           <a:xfrm>
-            <a:off x="838200" y="1825625"/>
-            <a:ext cx="10515600" cy="4351338"/>
+            <a:off x="677334" y="2160589"/>
+            <a:ext cx="8596668" cy="3880773"/>
           </a:xfrm>
           <a:prstGeom prst="rect">
             <a:avLst/>
@@ -2860,18 +5687,13 @@
               <a:rPr lang="zh-CN" altLang="en-US"/>
               <a:t>第五级</a:t>
             </a:r>
-          </a:p>
-        </p:txBody>
-      </p:sp>
-      <p:sp>
-        <p:nvSpPr>
-          <p:cNvPr id="4" name="日期占位符 3">
-            <a:extLst>
-              <a:ext uri="{FF2B5EF4-FFF2-40B4-BE49-F238E27FC236}">
-                <a16:creationId xmlns:a16="http://schemas.microsoft.com/office/drawing/2014/main" id="{386F9D94-9737-40C1-A04A-9FFCE472842F}"/>
-              </a:ext>
-            </a:extLst>
-          </p:cNvPr>
+            <a:endParaRPr lang="en-US" dirty="0"/>
+          </a:p>
+        </p:txBody>
+      </p:sp>
+      <p:sp>
+        <p:nvSpPr>
+          <p:cNvPr id="4" name="Date Placeholder 3"/>
           <p:cNvSpPr>
             <a:spLocks noGrp="1"/>
           </p:cNvSpPr>
@@ -2881,8 +5703,8 @@
         </p:nvSpPr>
         <p:spPr>
           <a:xfrm>
-            <a:off x="838200" y="6356350"/>
-            <a:ext cx="2743200" cy="365125"/>
+            <a:off x="7205133" y="6041362"/>
+            <a:ext cx="911939" cy="365125"/>
           </a:xfrm>
           <a:prstGeom prst="rect">
             <a:avLst/>
@@ -2891,8 +5713,8 @@
         <p:txBody>
           <a:bodyPr vert="horz" lIns="91440" tIns="45720" rIns="91440" bIns="45720" rtlCol="0" anchor="ctr"/>
           <a:lstStyle>
-            <a:lvl1pPr algn="l">
-              <a:defRPr sz="1200">
+            <a:lvl1pPr algn="r">
+              <a:defRPr sz="900">
                 <a:solidFill>
                   <a:schemeClr val="tx1">
                     <a:tint val="75000"/>
@@ -2912,13 +5734,7 @@
       </p:sp>
       <p:sp>
         <p:nvSpPr>
-          <p:cNvPr id="5" name="页脚占位符 4">
-            <a:extLst>
-              <a:ext uri="{FF2B5EF4-FFF2-40B4-BE49-F238E27FC236}">
-                <a16:creationId xmlns:a16="http://schemas.microsoft.com/office/drawing/2014/main" id="{E84F0F35-ECB2-4223-A57D-C9B09745BAA1}"/>
-              </a:ext>
-            </a:extLst>
-          </p:cNvPr>
+          <p:cNvPr id="5" name="Footer Placeholder 4"/>
           <p:cNvSpPr>
             <a:spLocks noGrp="1"/>
           </p:cNvSpPr>
@@ -2928,8 +5744,8 @@
         </p:nvSpPr>
         <p:spPr>
           <a:xfrm>
-            <a:off x="4038600" y="6356350"/>
-            <a:ext cx="4114800" cy="365125"/>
+            <a:off x="677334" y="6041362"/>
+            <a:ext cx="6297612" cy="365125"/>
           </a:xfrm>
           <a:prstGeom prst="rect">
             <a:avLst/>
@@ -2938,8 +5754,8 @@
         <p:txBody>
           <a:bodyPr vert="horz" lIns="91440" tIns="45720" rIns="91440" bIns="45720" rtlCol="0" anchor="ctr"/>
           <a:lstStyle>
-            <a:lvl1pPr algn="ctr">
-              <a:defRPr sz="1200">
+            <a:lvl1pPr algn="l">
+              <a:defRPr sz="900">
                 <a:solidFill>
                   <a:schemeClr val="tx1">
                     <a:tint val="75000"/>
@@ -2955,13 +5771,7 @@
       </p:sp>
       <p:sp>
         <p:nvSpPr>
-          <p:cNvPr id="6" name="灯片编号占位符 5">
-            <a:extLst>
-              <a:ext uri="{FF2B5EF4-FFF2-40B4-BE49-F238E27FC236}">
-                <a16:creationId xmlns:a16="http://schemas.microsoft.com/office/drawing/2014/main" id="{34A1A7D4-7C95-4A4B-ABCB-6EA5AAB565CB}"/>
-              </a:ext>
-            </a:extLst>
-          </p:cNvPr>
+          <p:cNvPr id="6" name="Slide Number Placeholder 5"/>
           <p:cNvSpPr>
             <a:spLocks noGrp="1"/>
           </p:cNvSpPr>
@@ -2971,8 +5781,8 @@
         </p:nvSpPr>
         <p:spPr>
           <a:xfrm>
-            <a:off x="8610600" y="6356350"/>
-            <a:ext cx="2743200" cy="365125"/>
+            <a:off x="8590663" y="6041362"/>
+            <a:ext cx="683339" cy="365125"/>
           </a:xfrm>
           <a:prstGeom prst="rect">
             <a:avLst/>
@@ -2982,11 +5792,9 @@
           <a:bodyPr vert="horz" lIns="91440" tIns="45720" rIns="91440" bIns="45720" rtlCol="0" anchor="ctr"/>
           <a:lstStyle>
             <a:lvl1pPr algn="r">
-              <a:defRPr sz="1200">
-                <a:solidFill>
-                  <a:schemeClr val="tx1">
-                    <a:tint val="75000"/>
-                  </a:schemeClr>
+              <a:defRPr sz="900">
+                <a:solidFill>
+                  <a:schemeClr val="accent1"/>
                 </a:solidFill>
               </a:defRPr>
             </a:lvl1pPr>
@@ -3003,55 +5811,335 @@
     </p:spTree>
     <p:extLst>
       <p:ext uri="{BB962C8B-B14F-4D97-AF65-F5344CB8AC3E}">
-        <p14:creationId xmlns:p14="http://schemas.microsoft.com/office/powerpoint/2010/main" val="3394239219"/>
+        <p14:creationId xmlns:p14="http://schemas.microsoft.com/office/powerpoint/2010/main" val="314882701"/>
       </p:ext>
     </p:extLst>
   </p:cSld>
-  <p:clrMap bg1="lt1" tx1="dk1" bg2="lt2" tx2="dk2" accent1="accent1" accent2="accent2" accent3="accent3" accent4="accent4" accent5="accent5" accent6="accent6" hlink="hlink" folHlink="folHlink"/>
+  <p:clrMap bg1="dk1" tx1="lt1" bg2="dk2" tx2="lt2" accent1="accent1" accent2="accent2" accent3="accent3" accent4="accent4" accent5="accent5" accent6="accent6" hlink="hlink" folHlink="folHlink"/>
   <p:sldLayoutIdLst>
-    <p:sldLayoutId id="2147483649" r:id="rId1"/>
-    <p:sldLayoutId id="2147483650" r:id="rId2"/>
-    <p:sldLayoutId id="2147483651" r:id="rId3"/>
-    <p:sldLayoutId id="2147483652" r:id="rId4"/>
-    <p:sldLayoutId id="2147483653" r:id="rId5"/>
-    <p:sldLayoutId id="2147483654" r:id="rId6"/>
-    <p:sldLayoutId id="2147483655" r:id="rId7"/>
-    <p:sldLayoutId id="2147483656" r:id="rId8"/>
-    <p:sldLayoutId id="2147483657" r:id="rId9"/>
-    <p:sldLayoutId id="2147483658" r:id="rId10"/>
-    <p:sldLayoutId id="2147483659" r:id="rId11"/>
+    <p:sldLayoutId id="2147483893" r:id="rId1"/>
+    <p:sldLayoutId id="2147483894" r:id="rId2"/>
+    <p:sldLayoutId id="2147483895" r:id="rId3"/>
+    <p:sldLayoutId id="2147483896" r:id="rId4"/>
+    <p:sldLayoutId id="2147483897" r:id="rId5"/>
+    <p:sldLayoutId id="2147483898" r:id="rId6"/>
+    <p:sldLayoutId id="2147483899" r:id="rId7"/>
+    <p:sldLayoutId id="2147483900" r:id="rId8"/>
+    <p:sldLayoutId id="2147483901" r:id="rId9"/>
+    <p:sldLayoutId id="2147483902" r:id="rId10"/>
+    <p:sldLayoutId id="2147483903" r:id="rId11"/>
+    <p:sldLayoutId id="2147483904" r:id="rId12"/>
+    <p:sldLayoutId id="2147483905" r:id="rId13"/>
+    <p:sldLayoutId id="2147483906" r:id="rId14"/>
+    <p:sldLayoutId id="2147483907" r:id="rId15"/>
+    <p:sldLayoutId id="2147483908" r:id="rId16"/>
   </p:sldLayoutIdLst>
   <p:txStyles>
     <p:titleStyle>
-      <a:lvl1pPr algn="l" defTabSz="914400" rtl="0" eaLnBrk="1" latinLnBrk="0" hangingPunct="1">
-        <a:lnSpc>
-          <a:spcPct val="90000"/>
-        </a:lnSpc>
+      <a:lvl1pPr algn="l" defTabSz="457200" rtl="0" eaLnBrk="1" latinLnBrk="0" hangingPunct="1">
         <a:spcBef>
           <a:spcPct val="0"/>
         </a:spcBef>
         <a:buNone/>
-        <a:defRPr sz="4400" kern="1200">
+        <a:defRPr sz="3600" kern="1200">
           <a:solidFill>
-            <a:schemeClr val="tx1"/>
+            <a:schemeClr val="accent1"/>
           </a:solidFill>
           <a:latin typeface="+mj-lt"/>
           <a:ea typeface="+mj-ea"/>
           <a:cs typeface="+mj-cs"/>
         </a:defRPr>
       </a:lvl1pPr>
+      <a:lvl2pPr eaLnBrk="1" hangingPunct="1">
+        <a:defRPr>
+          <a:solidFill>
+            <a:schemeClr val="tx2"/>
+          </a:solidFill>
+        </a:defRPr>
+      </a:lvl2pPr>
+      <a:lvl3pPr eaLnBrk="1" hangingPunct="1">
+        <a:defRPr>
+          <a:solidFill>
+            <a:schemeClr val="tx2"/>
+          </a:solidFill>
+        </a:defRPr>
+      </a:lvl3pPr>
+      <a:lvl4pPr eaLnBrk="1" hangingPunct="1">
+        <a:defRPr>
+          <a:solidFill>
+            <a:schemeClr val="tx2"/>
+          </a:solidFill>
+        </a:defRPr>
+      </a:lvl4pPr>
+      <a:lvl5pPr eaLnBrk="1" hangingPunct="1">
+        <a:defRPr>
+          <a:solidFill>
+            <a:schemeClr val="tx2"/>
+          </a:solidFill>
+        </a:defRPr>
+      </a:lvl5pPr>
+      <a:lvl6pPr eaLnBrk="1" hangingPunct="1">
+        <a:defRPr>
+          <a:solidFill>
+            <a:schemeClr val="tx2"/>
+          </a:solidFill>
+        </a:defRPr>
+      </a:lvl6pPr>
+      <a:lvl7pPr eaLnBrk="1" hangingPunct="1">
+        <a:defRPr>
+          <a:solidFill>
+            <a:schemeClr val="tx2"/>
+          </a:solidFill>
+        </a:defRPr>
+      </a:lvl7pPr>
+      <a:lvl8pPr eaLnBrk="1" hangingPunct="1">
+        <a:defRPr>
+          <a:solidFill>
+            <a:schemeClr val="tx2"/>
+          </a:solidFill>
+        </a:defRPr>
+      </a:lvl8pPr>
+      <a:lvl9pPr eaLnBrk="1" hangingPunct="1">
+        <a:defRPr>
+          <a:solidFill>
+            <a:schemeClr val="tx2"/>
+          </a:solidFill>
+        </a:defRPr>
+      </a:lvl9pPr>
     </p:titleStyle>
     <p:bodyStyle>
-      <a:lvl1pPr marL="228600" indent="-228600" algn="l" defTabSz="914400" rtl="0" eaLnBrk="1" latinLnBrk="0" hangingPunct="1">
-        <a:lnSpc>
-          <a:spcPct val="90000"/>
-        </a:lnSpc>
+      <a:lvl1pPr marL="342900" indent="-342900" algn="l" defTabSz="457200" rtl="0" eaLnBrk="1" latinLnBrk="0" hangingPunct="1">
         <a:spcBef>
           <a:spcPts val="1000"/>
         </a:spcBef>
-        <a:buFont typeface="Arial" panose="020B0604020202020204" pitchFamily="34" charset="0"/>
-        <a:buChar char="•"/>
-        <a:defRPr sz="2800" kern="1200">
+        <a:spcAft>
+          <a:spcPts val="0"/>
+        </a:spcAft>
+        <a:buClr>
+          <a:schemeClr val="accent1"/>
+        </a:buClr>
+        <a:buSzPct val="80000"/>
+        <a:buFont typeface="Wingdings 3" charset="2"/>
+        <a:buChar char=""/>
+        <a:defRPr sz="1800" kern="1200">
+          <a:solidFill>
+            <a:schemeClr val="tx1">
+              <a:lumMod val="75000"/>
+              <a:lumOff val="25000"/>
+            </a:schemeClr>
+          </a:solidFill>
+          <a:latin typeface="+mn-lt"/>
+          <a:ea typeface="+mn-ea"/>
+          <a:cs typeface="+mn-cs"/>
+        </a:defRPr>
+      </a:lvl1pPr>
+      <a:lvl2pPr marL="742950" indent="-285750" algn="l" defTabSz="457200" rtl="0" eaLnBrk="1" latinLnBrk="0" hangingPunct="1">
+        <a:spcBef>
+          <a:spcPts val="1000"/>
+        </a:spcBef>
+        <a:spcAft>
+          <a:spcPts val="0"/>
+        </a:spcAft>
+        <a:buClr>
+          <a:schemeClr val="accent1"/>
+        </a:buClr>
+        <a:buSzPct val="80000"/>
+        <a:buFont typeface="Wingdings 3" charset="2"/>
+        <a:buChar char=""/>
+        <a:defRPr sz="1600" kern="1200">
+          <a:solidFill>
+            <a:schemeClr val="tx1">
+              <a:lumMod val="75000"/>
+              <a:lumOff val="25000"/>
+            </a:schemeClr>
+          </a:solidFill>
+          <a:latin typeface="+mn-lt"/>
+          <a:ea typeface="+mn-ea"/>
+          <a:cs typeface="+mn-cs"/>
+        </a:defRPr>
+      </a:lvl2pPr>
+      <a:lvl3pPr marL="1143000" indent="-228600" algn="l" defTabSz="457200" rtl="0" eaLnBrk="1" latinLnBrk="0" hangingPunct="1">
+        <a:spcBef>
+          <a:spcPts val="1000"/>
+        </a:spcBef>
+        <a:spcAft>
+          <a:spcPts val="0"/>
+        </a:spcAft>
+        <a:buClr>
+          <a:schemeClr val="accent1"/>
+        </a:buClr>
+        <a:buSzPct val="80000"/>
+        <a:buFont typeface="Wingdings 3" charset="2"/>
+        <a:buChar char=""/>
+        <a:defRPr sz="1400" kern="1200">
+          <a:solidFill>
+            <a:schemeClr val="tx1">
+              <a:lumMod val="75000"/>
+              <a:lumOff val="25000"/>
+            </a:schemeClr>
+          </a:solidFill>
+          <a:latin typeface="+mn-lt"/>
+          <a:ea typeface="+mn-ea"/>
+          <a:cs typeface="+mn-cs"/>
+        </a:defRPr>
+      </a:lvl3pPr>
+      <a:lvl4pPr marL="1600200" indent="-228600" algn="l" defTabSz="457200" rtl="0" eaLnBrk="1" latinLnBrk="0" hangingPunct="1">
+        <a:spcBef>
+          <a:spcPts val="1000"/>
+        </a:spcBef>
+        <a:spcAft>
+          <a:spcPts val="0"/>
+        </a:spcAft>
+        <a:buClr>
+          <a:schemeClr val="accent1"/>
+        </a:buClr>
+        <a:buSzPct val="80000"/>
+        <a:buFont typeface="Wingdings 3" charset="2"/>
+        <a:buChar char=""/>
+        <a:defRPr sz="1200" kern="1200">
+          <a:solidFill>
+            <a:schemeClr val="tx1">
+              <a:lumMod val="75000"/>
+              <a:lumOff val="25000"/>
+            </a:schemeClr>
+          </a:solidFill>
+          <a:latin typeface="+mn-lt"/>
+          <a:ea typeface="+mn-ea"/>
+          <a:cs typeface="+mn-cs"/>
+        </a:defRPr>
+      </a:lvl4pPr>
+      <a:lvl5pPr marL="2057400" indent="-228600" algn="l" defTabSz="457200" rtl="0" eaLnBrk="1" latinLnBrk="0" hangingPunct="1">
+        <a:spcBef>
+          <a:spcPts val="1000"/>
+        </a:spcBef>
+        <a:spcAft>
+          <a:spcPts val="0"/>
+        </a:spcAft>
+        <a:buClr>
+          <a:schemeClr val="accent1"/>
+        </a:buClr>
+        <a:buSzPct val="80000"/>
+        <a:buFont typeface="Wingdings 3" charset="2"/>
+        <a:buChar char=""/>
+        <a:defRPr sz="1200" kern="1200">
+          <a:solidFill>
+            <a:schemeClr val="tx1">
+              <a:lumMod val="75000"/>
+              <a:lumOff val="25000"/>
+            </a:schemeClr>
+          </a:solidFill>
+          <a:latin typeface="+mn-lt"/>
+          <a:ea typeface="+mn-ea"/>
+          <a:cs typeface="+mn-cs"/>
+        </a:defRPr>
+      </a:lvl5pPr>
+      <a:lvl6pPr marL="2514600" indent="-228600" algn="l" defTabSz="457200" rtl="0" eaLnBrk="1" latinLnBrk="0" hangingPunct="1">
+        <a:spcBef>
+          <a:spcPts val="1000"/>
+        </a:spcBef>
+        <a:spcAft>
+          <a:spcPts val="0"/>
+        </a:spcAft>
+        <a:buClr>
+          <a:schemeClr val="accent1"/>
+        </a:buClr>
+        <a:buSzPct val="80000"/>
+        <a:buFont typeface="Wingdings 3" charset="2"/>
+        <a:buChar char=""/>
+        <a:defRPr sz="1200" kern="1200">
+          <a:solidFill>
+            <a:schemeClr val="tx1">
+              <a:lumMod val="75000"/>
+              <a:lumOff val="25000"/>
+            </a:schemeClr>
+          </a:solidFill>
+          <a:latin typeface="+mn-lt"/>
+          <a:ea typeface="+mn-ea"/>
+          <a:cs typeface="+mn-cs"/>
+        </a:defRPr>
+      </a:lvl6pPr>
+      <a:lvl7pPr marL="2971800" indent="-228600" algn="l" defTabSz="457200" rtl="0" eaLnBrk="1" latinLnBrk="0" hangingPunct="1">
+        <a:spcBef>
+          <a:spcPts val="1000"/>
+        </a:spcBef>
+        <a:spcAft>
+          <a:spcPts val="0"/>
+        </a:spcAft>
+        <a:buClr>
+          <a:schemeClr val="accent1"/>
+        </a:buClr>
+        <a:buSzPct val="80000"/>
+        <a:buFont typeface="Wingdings 3" charset="2"/>
+        <a:buChar char=""/>
+        <a:defRPr sz="1200" kern="1200">
+          <a:solidFill>
+            <a:schemeClr val="tx1">
+              <a:lumMod val="75000"/>
+              <a:lumOff val="25000"/>
+            </a:schemeClr>
+          </a:solidFill>
+          <a:latin typeface="+mn-lt"/>
+          <a:ea typeface="+mn-ea"/>
+          <a:cs typeface="+mn-cs"/>
+        </a:defRPr>
+      </a:lvl7pPr>
+      <a:lvl8pPr marL="3429000" indent="-228600" algn="l" defTabSz="457200" rtl="0" eaLnBrk="1" latinLnBrk="0" hangingPunct="1">
+        <a:spcBef>
+          <a:spcPts val="1000"/>
+        </a:spcBef>
+        <a:spcAft>
+          <a:spcPts val="0"/>
+        </a:spcAft>
+        <a:buClr>
+          <a:schemeClr val="accent1"/>
+        </a:buClr>
+        <a:buSzPct val="80000"/>
+        <a:buFont typeface="Wingdings 3" charset="2"/>
+        <a:buChar char=""/>
+        <a:defRPr sz="1200" kern="1200">
+          <a:solidFill>
+            <a:schemeClr val="tx1">
+              <a:lumMod val="75000"/>
+              <a:lumOff val="25000"/>
+            </a:schemeClr>
+          </a:solidFill>
+          <a:latin typeface="+mn-lt"/>
+          <a:ea typeface="+mn-ea"/>
+          <a:cs typeface="+mn-cs"/>
+        </a:defRPr>
+      </a:lvl8pPr>
+      <a:lvl9pPr marL="3886200" indent="-228600" algn="l" defTabSz="457200" rtl="0" eaLnBrk="1" latinLnBrk="0" hangingPunct="1">
+        <a:spcBef>
+          <a:spcPts val="1000"/>
+        </a:spcBef>
+        <a:spcAft>
+          <a:spcPts val="0"/>
+        </a:spcAft>
+        <a:buClr>
+          <a:schemeClr val="accent1"/>
+        </a:buClr>
+        <a:buSzPct val="80000"/>
+        <a:buFont typeface="Wingdings 3" charset="2"/>
+        <a:buChar char=""/>
+        <a:defRPr sz="1200" kern="1200">
+          <a:solidFill>
+            <a:schemeClr val="tx1">
+              <a:lumMod val="75000"/>
+              <a:lumOff val="25000"/>
+            </a:schemeClr>
+          </a:solidFill>
+          <a:latin typeface="+mn-lt"/>
+          <a:ea typeface="+mn-ea"/>
+          <a:cs typeface="+mn-cs"/>
+        </a:defRPr>
+      </a:lvl9pPr>
+    </p:bodyStyle>
+    <p:otherStyle>
+      <a:defPPr>
+        <a:defRPr lang="en-US"/>
+      </a:defPPr>
+      <a:lvl1pPr marL="0" algn="l" defTabSz="457200" rtl="0" eaLnBrk="1" latinLnBrk="0" hangingPunct="1">
+        <a:defRPr sz="1800" kern="1200">
           <a:solidFill>
             <a:schemeClr val="tx1"/>
           </a:solidFill>
@@ -3060,16 +6148,8 @@
           <a:cs typeface="+mn-cs"/>
         </a:defRPr>
       </a:lvl1pPr>
-      <a:lvl2pPr marL="685800" indent="-228600" algn="l" defTabSz="914400" rtl="0" eaLnBrk="1" latinLnBrk="0" hangingPunct="1">
-        <a:lnSpc>
-          <a:spcPct val="90000"/>
-        </a:lnSpc>
-        <a:spcBef>
-          <a:spcPts val="500"/>
-        </a:spcBef>
-        <a:buFont typeface="Arial" panose="020B0604020202020204" pitchFamily="34" charset="0"/>
-        <a:buChar char="•"/>
-        <a:defRPr sz="2400" kern="1200">
+      <a:lvl2pPr marL="457200" algn="l" defTabSz="457200" rtl="0" eaLnBrk="1" latinLnBrk="0" hangingPunct="1">
+        <a:defRPr sz="1800" kern="1200">
           <a:solidFill>
             <a:schemeClr val="tx1"/>
           </a:solidFill>
@@ -3078,16 +6158,8 @@
           <a:cs typeface="+mn-cs"/>
         </a:defRPr>
       </a:lvl2pPr>
-      <a:lvl3pPr marL="1143000" indent="-228600" algn="l" defTabSz="914400" rtl="0" eaLnBrk="1" latinLnBrk="0" hangingPunct="1">
-        <a:lnSpc>
-          <a:spcPct val="90000"/>
-        </a:lnSpc>
-        <a:spcBef>
-          <a:spcPts val="500"/>
-        </a:spcBef>
-        <a:buFont typeface="Arial" panose="020B0604020202020204" pitchFamily="34" charset="0"/>
-        <a:buChar char="•"/>
-        <a:defRPr sz="2000" kern="1200">
+      <a:lvl3pPr marL="914400" algn="l" defTabSz="457200" rtl="0" eaLnBrk="1" latinLnBrk="0" hangingPunct="1">
+        <a:defRPr sz="1800" kern="1200">
           <a:solidFill>
             <a:schemeClr val="tx1"/>
           </a:solidFill>
@@ -3096,15 +6168,7 @@
           <a:cs typeface="+mn-cs"/>
         </a:defRPr>
       </a:lvl3pPr>
-      <a:lvl4pPr marL="1600200" indent="-228600" algn="l" defTabSz="914400" rtl="0" eaLnBrk="1" latinLnBrk="0" hangingPunct="1">
-        <a:lnSpc>
-          <a:spcPct val="90000"/>
-        </a:lnSpc>
-        <a:spcBef>
-          <a:spcPts val="500"/>
-        </a:spcBef>
-        <a:buFont typeface="Arial" panose="020B0604020202020204" pitchFamily="34" charset="0"/>
-        <a:buChar char="•"/>
+      <a:lvl4pPr marL="1371600" algn="l" defTabSz="457200" rtl="0" eaLnBrk="1" latinLnBrk="0" hangingPunct="1">
         <a:defRPr sz="1800" kern="1200">
           <a:solidFill>
             <a:schemeClr val="tx1"/>
@@ -3114,15 +6178,7 @@
           <a:cs typeface="+mn-cs"/>
         </a:defRPr>
       </a:lvl4pPr>
-      <a:lvl5pPr marL="2057400" indent="-228600" algn="l" defTabSz="914400" rtl="0" eaLnBrk="1" latinLnBrk="0" hangingPunct="1">
-        <a:lnSpc>
-          <a:spcPct val="90000"/>
-        </a:lnSpc>
-        <a:spcBef>
-          <a:spcPts val="500"/>
-        </a:spcBef>
-        <a:buFont typeface="Arial" panose="020B0604020202020204" pitchFamily="34" charset="0"/>
-        <a:buChar char="•"/>
+      <a:lvl5pPr marL="1828800" algn="l" defTabSz="457200" rtl="0" eaLnBrk="1" latinLnBrk="0" hangingPunct="1">
         <a:defRPr sz="1800" kern="1200">
           <a:solidFill>
             <a:schemeClr val="tx1"/>
@@ -3132,15 +6188,7 @@
           <a:cs typeface="+mn-cs"/>
         </a:defRPr>
       </a:lvl5pPr>
-      <a:lvl6pPr marL="2514600" indent="-228600" algn="l" defTabSz="914400" rtl="0" eaLnBrk="1" latinLnBrk="0" hangingPunct="1">
-        <a:lnSpc>
-          <a:spcPct val="90000"/>
-        </a:lnSpc>
-        <a:spcBef>
-          <a:spcPts val="500"/>
-        </a:spcBef>
-        <a:buFont typeface="Arial" panose="020B0604020202020204" pitchFamily="34" charset="0"/>
-        <a:buChar char="•"/>
+      <a:lvl6pPr marL="2286000" algn="l" defTabSz="457200" rtl="0" eaLnBrk="1" latinLnBrk="0" hangingPunct="1">
         <a:defRPr sz="1800" kern="1200">
           <a:solidFill>
             <a:schemeClr val="tx1"/>
@@ -3150,15 +6198,7 @@
           <a:cs typeface="+mn-cs"/>
         </a:defRPr>
       </a:lvl6pPr>
-      <a:lvl7pPr marL="2971800" indent="-228600" algn="l" defTabSz="914400" rtl="0" eaLnBrk="1" latinLnBrk="0" hangingPunct="1">
-        <a:lnSpc>
-          <a:spcPct val="90000"/>
-        </a:lnSpc>
-        <a:spcBef>
-          <a:spcPts val="500"/>
-        </a:spcBef>
-        <a:buFont typeface="Arial" panose="020B0604020202020204" pitchFamily="34" charset="0"/>
-        <a:buChar char="•"/>
+      <a:lvl7pPr marL="2743200" algn="l" defTabSz="457200" rtl="0" eaLnBrk="1" latinLnBrk="0" hangingPunct="1">
         <a:defRPr sz="1800" kern="1200">
           <a:solidFill>
             <a:schemeClr val="tx1"/>
@@ -3168,15 +6208,7 @@
           <a:cs typeface="+mn-cs"/>
         </a:defRPr>
       </a:lvl7pPr>
-      <a:lvl8pPr marL="3429000" indent="-228600" algn="l" defTabSz="914400" rtl="0" eaLnBrk="1" latinLnBrk="0" hangingPunct="1">
-        <a:lnSpc>
-          <a:spcPct val="90000"/>
-        </a:lnSpc>
-        <a:spcBef>
-          <a:spcPts val="500"/>
-        </a:spcBef>
-        <a:buFont typeface="Arial" panose="020B0604020202020204" pitchFamily="34" charset="0"/>
-        <a:buChar char="•"/>
+      <a:lvl8pPr marL="3200400" algn="l" defTabSz="457200" rtl="0" eaLnBrk="1" latinLnBrk="0" hangingPunct="1">
         <a:defRPr sz="1800" kern="1200">
           <a:solidFill>
             <a:schemeClr val="tx1"/>
@@ -3186,110 +6218,7 @@
           <a:cs typeface="+mn-cs"/>
         </a:defRPr>
       </a:lvl8pPr>
-      <a:lvl9pPr marL="3886200" indent="-228600" algn="l" defTabSz="914400" rtl="0" eaLnBrk="1" latinLnBrk="0" hangingPunct="1">
-        <a:lnSpc>
-          <a:spcPct val="90000"/>
-        </a:lnSpc>
-        <a:spcBef>
-          <a:spcPts val="500"/>
-        </a:spcBef>
-        <a:buFont typeface="Arial" panose="020B0604020202020204" pitchFamily="34" charset="0"/>
-        <a:buChar char="•"/>
-        <a:defRPr sz="1800" kern="1200">
-          <a:solidFill>
-            <a:schemeClr val="tx1"/>
-          </a:solidFill>
-          <a:latin typeface="+mn-lt"/>
-          <a:ea typeface="+mn-ea"/>
-          <a:cs typeface="+mn-cs"/>
-        </a:defRPr>
-      </a:lvl9pPr>
-    </p:bodyStyle>
-    <p:otherStyle>
-      <a:defPPr>
-        <a:defRPr lang="zh-CN"/>
-      </a:defPPr>
-      <a:lvl1pPr marL="0" algn="l" defTabSz="914400" rtl="0" eaLnBrk="1" latinLnBrk="0" hangingPunct="1">
-        <a:defRPr sz="1800" kern="1200">
-          <a:solidFill>
-            <a:schemeClr val="tx1"/>
-          </a:solidFill>
-          <a:latin typeface="+mn-lt"/>
-          <a:ea typeface="+mn-ea"/>
-          <a:cs typeface="+mn-cs"/>
-        </a:defRPr>
-      </a:lvl1pPr>
-      <a:lvl2pPr marL="457200" algn="l" defTabSz="914400" rtl="0" eaLnBrk="1" latinLnBrk="0" hangingPunct="1">
-        <a:defRPr sz="1800" kern="1200">
-          <a:solidFill>
-            <a:schemeClr val="tx1"/>
-          </a:solidFill>
-          <a:latin typeface="+mn-lt"/>
-          <a:ea typeface="+mn-ea"/>
-          <a:cs typeface="+mn-cs"/>
-        </a:defRPr>
-      </a:lvl2pPr>
-      <a:lvl3pPr marL="914400" algn="l" defTabSz="914400" rtl="0" eaLnBrk="1" latinLnBrk="0" hangingPunct="1">
-        <a:defRPr sz="1800" kern="1200">
-          <a:solidFill>
-            <a:schemeClr val="tx1"/>
-          </a:solidFill>
-          <a:latin typeface="+mn-lt"/>
-          <a:ea typeface="+mn-ea"/>
-          <a:cs typeface="+mn-cs"/>
-        </a:defRPr>
-      </a:lvl3pPr>
-      <a:lvl4pPr marL="1371600" algn="l" defTabSz="914400" rtl="0" eaLnBrk="1" latinLnBrk="0" hangingPunct="1">
-        <a:defRPr sz="1800" kern="1200">
-          <a:solidFill>
-            <a:schemeClr val="tx1"/>
-          </a:solidFill>
-          <a:latin typeface="+mn-lt"/>
-          <a:ea typeface="+mn-ea"/>
-          <a:cs typeface="+mn-cs"/>
-        </a:defRPr>
-      </a:lvl4pPr>
-      <a:lvl5pPr marL="1828800" algn="l" defTabSz="914400" rtl="0" eaLnBrk="1" latinLnBrk="0" hangingPunct="1">
-        <a:defRPr sz="1800" kern="1200">
-          <a:solidFill>
-            <a:schemeClr val="tx1"/>
-          </a:solidFill>
-          <a:latin typeface="+mn-lt"/>
-          <a:ea typeface="+mn-ea"/>
-          <a:cs typeface="+mn-cs"/>
-        </a:defRPr>
-      </a:lvl5pPr>
-      <a:lvl6pPr marL="2286000" algn="l" defTabSz="914400" rtl="0" eaLnBrk="1" latinLnBrk="0" hangingPunct="1">
-        <a:defRPr sz="1800" kern="1200">
-          <a:solidFill>
-            <a:schemeClr val="tx1"/>
-          </a:solidFill>
-          <a:latin typeface="+mn-lt"/>
-          <a:ea typeface="+mn-ea"/>
-          <a:cs typeface="+mn-cs"/>
-        </a:defRPr>
-      </a:lvl6pPr>
-      <a:lvl7pPr marL="2743200" algn="l" defTabSz="914400" rtl="0" eaLnBrk="1" latinLnBrk="0" hangingPunct="1">
-        <a:defRPr sz="1800" kern="1200">
-          <a:solidFill>
-            <a:schemeClr val="tx1"/>
-          </a:solidFill>
-          <a:latin typeface="+mn-lt"/>
-          <a:ea typeface="+mn-ea"/>
-          <a:cs typeface="+mn-cs"/>
-        </a:defRPr>
-      </a:lvl7pPr>
-      <a:lvl8pPr marL="3200400" algn="l" defTabSz="914400" rtl="0" eaLnBrk="1" latinLnBrk="0" hangingPunct="1">
-        <a:defRPr sz="1800" kern="1200">
-          <a:solidFill>
-            <a:schemeClr val="tx1"/>
-          </a:solidFill>
-          <a:latin typeface="+mn-lt"/>
-          <a:ea typeface="+mn-ea"/>
-          <a:cs typeface="+mn-cs"/>
-        </a:defRPr>
-      </a:lvl8pPr>
-      <a:lvl9pPr marL="3657600" algn="l" defTabSz="914400" rtl="0" eaLnBrk="1" latinLnBrk="0" hangingPunct="1">
+      <a:lvl9pPr marL="3657600" algn="l" defTabSz="457200" rtl="0" eaLnBrk="1" latinLnBrk="0" hangingPunct="1">
         <a:defRPr sz="1800" kern="1200">
           <a:solidFill>
             <a:schemeClr val="tx1"/>
@@ -3337,40 +6266,95 @@
             <p:ph type="ctrTitle"/>
           </p:nvPr>
         </p:nvSpPr>
-        <p:spPr/>
+        <p:spPr>
+          <a:xfrm>
+            <a:off x="498397" y="433634"/>
+            <a:ext cx="8834137" cy="2649594"/>
+          </a:xfrm>
+        </p:spPr>
         <p:txBody>
           <a:bodyPr/>
           <a:lstStyle/>
           <a:p>
-            <a:endParaRPr lang="zh-CN" altLang="en-US"/>
-          </a:p>
-        </p:txBody>
-      </p:sp>
-      <p:sp>
-        <p:nvSpPr>
-          <p:cNvPr id="3" name="副标题 2">
+            <a:r>
+              <a:rPr lang="en-US" altLang="zh-CN" dirty="0"/>
+              <a:t>Terrain Modification with fluid simulation using doubly-coupled PCISPH</a:t>
+            </a:r>
+            <a:endParaRPr lang="zh-CN" altLang="en-US" dirty="0"/>
+          </a:p>
+        </p:txBody>
+      </p:sp>
+      <p:pic>
+        <p:nvPicPr>
+          <p:cNvPr id="5" name="图片 4">
             <a:extLst>
               <a:ext uri="{FF2B5EF4-FFF2-40B4-BE49-F238E27FC236}">
-                <a16:creationId xmlns:a16="http://schemas.microsoft.com/office/drawing/2014/main" id="{601E2E1B-6F34-48BE-AA4D-74CFCE33EAD3}"/>
+                <a16:creationId xmlns:a16="http://schemas.microsoft.com/office/drawing/2014/main" id="{201F5F39-9A8E-41B5-926F-E561A1B749A4}"/>
               </a:ext>
             </a:extLst>
           </p:cNvPr>
-          <p:cNvSpPr>
-            <a:spLocks noGrp="1"/>
-          </p:cNvSpPr>
-          <p:nvPr>
-            <p:ph type="subTitle" idx="1"/>
-          </p:nvPr>
-        </p:nvSpPr>
-        <p:spPr/>
-        <p:txBody>
-          <a:bodyPr/>
-          <a:lstStyle/>
-          <a:p>
-            <a:endParaRPr lang="zh-CN" altLang="en-US"/>
-          </a:p>
-        </p:txBody>
-      </p:sp>
+          <p:cNvPicPr>
+            <a:picLocks noChangeAspect="1"/>
+          </p:cNvPicPr>
+          <p:nvPr/>
+        </p:nvPicPr>
+        <p:blipFill>
+          <a:blip r:embed="rId3">
+            <a:extLst>
+              <a:ext uri="{28A0092B-C50C-407E-A947-70E740481C1C}">
+                <a14:useLocalDpi xmlns:a14="http://schemas.microsoft.com/office/drawing/2010/main" val="0"/>
+              </a:ext>
+            </a:extLst>
+          </a:blip>
+          <a:stretch>
+            <a:fillRect/>
+          </a:stretch>
+        </p:blipFill>
+        <p:spPr>
+          <a:xfrm>
+            <a:off x="1838227" y="3335440"/>
+            <a:ext cx="3122594" cy="3296316"/>
+          </a:xfrm>
+          <a:prstGeom prst="rect">
+            <a:avLst/>
+          </a:prstGeom>
+        </p:spPr>
+      </p:pic>
+      <p:pic>
+        <p:nvPicPr>
+          <p:cNvPr id="7" name="图片 6">
+            <a:extLst>
+              <a:ext uri="{FF2B5EF4-FFF2-40B4-BE49-F238E27FC236}">
+                <a16:creationId xmlns:a16="http://schemas.microsoft.com/office/drawing/2014/main" id="{33AE797C-71DD-4A2E-9021-7F0440D8B9C8}"/>
+              </a:ext>
+            </a:extLst>
+          </p:cNvPr>
+          <p:cNvPicPr>
+            <a:picLocks noChangeAspect="1"/>
+          </p:cNvPicPr>
+          <p:nvPr/>
+        </p:nvPicPr>
+        <p:blipFill rotWithShape="1">
+          <a:blip r:embed="rId4">
+            <a:extLst>
+              <a:ext uri="{28A0092B-C50C-407E-A947-70E740481C1C}">
+                <a14:useLocalDpi xmlns:a14="http://schemas.microsoft.com/office/drawing/2010/main" val="0"/>
+              </a:ext>
+            </a:extLst>
+          </a:blip>
+          <a:srcRect l="15997" t="-172" r="14851" b="9123"/>
+          <a:stretch/>
+        </p:blipFill>
+        <p:spPr>
+          <a:xfrm>
+            <a:off x="4960821" y="3335440"/>
+            <a:ext cx="3535051" cy="3296316"/>
+          </a:xfrm>
+          <a:prstGeom prst="rect">
+            <a:avLst/>
+          </a:prstGeom>
+        </p:spPr>
+      </p:pic>
     </p:spTree>
     <p:extLst>
       <p:ext uri="{BB962C8B-B14F-4D97-AF65-F5344CB8AC3E}">
@@ -3384,7 +6368,344 @@
 </p:sld>
 </file>
 
+<file path=ppt/slides/slide2.xml><?xml version="1.0" encoding="utf-8"?>
+<p:sld xmlns:a="http://schemas.openxmlformats.org/drawingml/2006/main" xmlns:r="http://schemas.openxmlformats.org/officeDocument/2006/relationships" xmlns:p="http://schemas.openxmlformats.org/presentationml/2006/main">
+  <p:cSld>
+    <p:spTree>
+      <p:nvGrpSpPr>
+        <p:cNvPr id="1" name=""/>
+        <p:cNvGrpSpPr/>
+        <p:nvPr/>
+      </p:nvGrpSpPr>
+      <p:grpSpPr>
+        <a:xfrm>
+          <a:off x="0" y="0"/>
+          <a:ext cx="0" cy="0"/>
+          <a:chOff x="0" y="0"/>
+          <a:chExt cx="0" cy="0"/>
+        </a:xfrm>
+      </p:grpSpPr>
+      <p:sp>
+        <p:nvSpPr>
+          <p:cNvPr id="2" name="标题 1">
+            <a:extLst>
+              <a:ext uri="{FF2B5EF4-FFF2-40B4-BE49-F238E27FC236}">
+                <a16:creationId xmlns:a16="http://schemas.microsoft.com/office/drawing/2014/main" id="{602636D4-0C48-4443-A94A-CC1F2E08ED62}"/>
+              </a:ext>
+            </a:extLst>
+          </p:cNvPr>
+          <p:cNvSpPr>
+            <a:spLocks noGrp="1"/>
+          </p:cNvSpPr>
+          <p:nvPr>
+            <p:ph type="title"/>
+          </p:nvPr>
+        </p:nvSpPr>
+        <p:spPr/>
+        <p:txBody>
+          <a:bodyPr/>
+          <a:lstStyle/>
+          <a:p>
+            <a:endParaRPr lang="zh-CN" altLang="en-US"/>
+          </a:p>
+        </p:txBody>
+      </p:sp>
+      <p:sp>
+        <p:nvSpPr>
+          <p:cNvPr id="3" name="内容占位符 2">
+            <a:extLst>
+              <a:ext uri="{FF2B5EF4-FFF2-40B4-BE49-F238E27FC236}">
+                <a16:creationId xmlns:a16="http://schemas.microsoft.com/office/drawing/2014/main" id="{0E201978-1FB4-4473-955C-B6FA2F121F10}"/>
+              </a:ext>
+            </a:extLst>
+          </p:cNvPr>
+          <p:cNvSpPr>
+            <a:spLocks noGrp="1"/>
+          </p:cNvSpPr>
+          <p:nvPr>
+            <p:ph idx="1"/>
+          </p:nvPr>
+        </p:nvSpPr>
+        <p:spPr/>
+        <p:txBody>
+          <a:bodyPr/>
+          <a:lstStyle/>
+          <a:p>
+            <a:endParaRPr lang="zh-CN" altLang="en-US"/>
+          </a:p>
+        </p:txBody>
+      </p:sp>
+    </p:spTree>
+    <p:extLst>
+      <p:ext uri="{BB962C8B-B14F-4D97-AF65-F5344CB8AC3E}">
+        <p14:creationId xmlns:p14="http://schemas.microsoft.com/office/powerpoint/2010/main" val="2831758395"/>
+      </p:ext>
+    </p:extLst>
+  </p:cSld>
+  <p:clrMapOvr>
+    <a:masterClrMapping/>
+  </p:clrMapOvr>
+</p:sld>
+</file>
+
 <file path=ppt/theme/theme1.xml><?xml version="1.0" encoding="utf-8"?>
+<a:theme xmlns:a="http://schemas.openxmlformats.org/drawingml/2006/main" name="平面">
+  <a:themeElements>
+    <a:clrScheme name="平面">
+      <a:dk1>
+        <a:sysClr val="windowText" lastClr="000000"/>
+      </a:dk1>
+      <a:lt1>
+        <a:sysClr val="window" lastClr="FFFFFF"/>
+      </a:lt1>
+      <a:dk2>
+        <a:srgbClr val="2C3C43"/>
+      </a:dk2>
+      <a:lt2>
+        <a:srgbClr val="EBEBEB"/>
+      </a:lt2>
+      <a:accent1>
+        <a:srgbClr val="90C226"/>
+      </a:accent1>
+      <a:accent2>
+        <a:srgbClr val="54A021"/>
+      </a:accent2>
+      <a:accent3>
+        <a:srgbClr val="E6B91E"/>
+      </a:accent3>
+      <a:accent4>
+        <a:srgbClr val="E76618"/>
+      </a:accent4>
+      <a:accent5>
+        <a:srgbClr val="C42F1A"/>
+      </a:accent5>
+      <a:accent6>
+        <a:srgbClr val="918655"/>
+      </a:accent6>
+      <a:hlink>
+        <a:srgbClr val="99CA3C"/>
+      </a:hlink>
+      <a:folHlink>
+        <a:srgbClr val="B9D181"/>
+      </a:folHlink>
+    </a:clrScheme>
+    <a:fontScheme name="平面">
+      <a:majorFont>
+        <a:latin typeface="Trebuchet MS" panose="020B0603020202020204"/>
+        <a:ea typeface=""/>
+        <a:cs typeface=""/>
+        <a:font script="Jpan" typeface="メイリオ"/>
+        <a:font script="Hang" typeface="맑은 고딕"/>
+        <a:font script="Hans" typeface="方正姚体"/>
+        <a:font script="Hant" typeface="微軟正黑體"/>
+        <a:font script="Arab" typeface="Tahoma"/>
+        <a:font script="Hebr" typeface="Arial"/>
+        <a:font script="Thai" typeface="Cordia New"/>
+        <a:font script="Ethi" typeface="Nyala"/>
+        <a:font script="Beng" typeface="Vrinda"/>
+        <a:font script="Gujr" typeface="Shruti"/>
+        <a:font script="Khmr" typeface="DaunPenh"/>
+        <a:font script="Knda" typeface="Tunga"/>
+        <a:font script="Guru" typeface="Raavi"/>
+        <a:font script="Cans" typeface="Euphemia"/>
+        <a:font script="Cher" typeface="Plantagenet Cherokee"/>
+        <a:font script="Yiii" typeface="Microsoft Yi Baiti"/>
+        <a:font script="Tibt" typeface="Microsoft Himalaya"/>
+        <a:font script="Thaa" typeface="MV Boli"/>
+        <a:font script="Deva" typeface="Mangal"/>
+        <a:font script="Telu" typeface="Gautami"/>
+        <a:font script="Taml" typeface="Latha"/>
+        <a:font script="Syrc" typeface="Estrangelo Edessa"/>
+        <a:font script="Orya" typeface="Kalinga"/>
+        <a:font script="Mlym" typeface="Kartika"/>
+        <a:font script="Laoo" typeface="DokChampa"/>
+        <a:font script="Sinh" typeface="Iskoola Pota"/>
+        <a:font script="Mong" typeface="Mongolian Baiti"/>
+        <a:font script="Viet" typeface="Tahoma"/>
+        <a:font script="Uigh" typeface="Microsoft Uighur"/>
+        <a:font script="Geor" typeface="Sylfaen"/>
+      </a:majorFont>
+      <a:minorFont>
+        <a:latin typeface="Trebuchet MS" panose="020B0603020202020204"/>
+        <a:ea typeface=""/>
+        <a:cs typeface=""/>
+        <a:font script="Jpan" typeface="メイリオ"/>
+        <a:font script="Hang" typeface="HY그래픽M"/>
+        <a:font script="Hans" typeface="华文新魏"/>
+        <a:font script="Hant" typeface="微軟正黑體"/>
+        <a:font script="Arab" typeface="Tahoma"/>
+        <a:font script="Hebr" typeface="Gisha"/>
+        <a:font script="Thai" typeface="IrisUPC"/>
+        <a:font script="Ethi" typeface="Nyala"/>
+        <a:font script="Beng" typeface="Vrinda"/>
+        <a:font script="Gujr" typeface="Shruti"/>
+        <a:font script="Khmr" typeface="DaunPenh"/>
+        <a:font script="Knda" typeface="Tunga"/>
+        <a:font script="Guru" typeface="Raavi"/>
+        <a:font script="Cans" typeface="Euphemia"/>
+        <a:font script="Cher" typeface="Plantagenet Cherokee"/>
+        <a:font script="Yiii" typeface="Microsoft Yi Baiti"/>
+        <a:font script="Tibt" typeface="Microsoft Himalaya"/>
+        <a:font script="Thaa" typeface="MV Boli"/>
+        <a:font script="Deva" typeface="Mangal"/>
+        <a:font script="Telu" typeface="Gautami"/>
+        <a:font script="Taml" typeface="Latha"/>
+        <a:font script="Syrc" typeface="Estrangelo Edessa"/>
+        <a:font script="Orya" typeface="Kalinga"/>
+        <a:font script="Mlym" typeface="Kartika"/>
+        <a:font script="Laoo" typeface="DokChampa"/>
+        <a:font script="Sinh" typeface="Iskoola Pota"/>
+        <a:font script="Mong" typeface="Mongolian Baiti"/>
+        <a:font script="Viet" typeface="Arial"/>
+        <a:font script="Uigh" typeface="Microsoft Uighur"/>
+        <a:font script="Geor" typeface="Sylfaen"/>
+      </a:minorFont>
+    </a:fontScheme>
+    <a:fmtScheme name="平面">
+      <a:fillStyleLst>
+        <a:solidFill>
+          <a:schemeClr val="phClr"/>
+        </a:solidFill>
+        <a:gradFill rotWithShape="1">
+          <a:gsLst>
+            <a:gs pos="0">
+              <a:schemeClr val="phClr">
+                <a:tint val="65000"/>
+                <a:lumMod val="110000"/>
+              </a:schemeClr>
+            </a:gs>
+            <a:gs pos="88000">
+              <a:schemeClr val="phClr">
+                <a:tint val="90000"/>
+              </a:schemeClr>
+            </a:gs>
+          </a:gsLst>
+          <a:lin ang="5400000" scaled="0"/>
+        </a:gradFill>
+        <a:gradFill rotWithShape="1">
+          <a:gsLst>
+            <a:gs pos="0">
+              <a:schemeClr val="phClr">
+                <a:tint val="96000"/>
+                <a:lumMod val="100000"/>
+              </a:schemeClr>
+            </a:gs>
+            <a:gs pos="78000">
+              <a:schemeClr val="phClr">
+                <a:shade val="94000"/>
+                <a:lumMod val="94000"/>
+              </a:schemeClr>
+            </a:gs>
+          </a:gsLst>
+          <a:lin ang="5400000" scaled="0"/>
+        </a:gradFill>
+      </a:fillStyleLst>
+      <a:lnStyleLst>
+        <a:ln w="12700" cap="rnd" cmpd="sng" algn="ctr">
+          <a:solidFill>
+            <a:schemeClr val="phClr"/>
+          </a:solidFill>
+          <a:prstDash val="solid"/>
+        </a:ln>
+        <a:ln w="19050" cap="rnd" cmpd="sng" algn="ctr">
+          <a:solidFill>
+            <a:schemeClr val="phClr"/>
+          </a:solidFill>
+          <a:prstDash val="solid"/>
+        </a:ln>
+        <a:ln w="25400" cap="rnd" cmpd="sng" algn="ctr">
+          <a:solidFill>
+            <a:schemeClr val="phClr"/>
+          </a:solidFill>
+          <a:prstDash val="solid"/>
+        </a:ln>
+      </a:lnStyleLst>
+      <a:effectStyleLst>
+        <a:effectStyle>
+          <a:effectLst/>
+        </a:effectStyle>
+        <a:effectStyle>
+          <a:effectLst>
+            <a:outerShdw blurRad="38100" dist="25400" dir="5400000" rotWithShape="0">
+              <a:srgbClr val="000000">
+                <a:alpha val="35000"/>
+              </a:srgbClr>
+            </a:outerShdw>
+          </a:effectLst>
+        </a:effectStyle>
+        <a:effectStyle>
+          <a:effectLst>
+            <a:outerShdw blurRad="50800" dist="38100" dir="5400000" rotWithShape="0">
+              <a:srgbClr val="000000">
+                <a:alpha val="35000"/>
+              </a:srgbClr>
+            </a:outerShdw>
+          </a:effectLst>
+          <a:scene3d>
+            <a:camera prst="orthographicFront">
+              <a:rot lat="0" lon="0" rev="0"/>
+            </a:camera>
+            <a:lightRig rig="threePt" dir="tl"/>
+          </a:scene3d>
+          <a:sp3d prstMaterial="plastic">
+            <a:bevelT w="0" h="0"/>
+          </a:sp3d>
+        </a:effectStyle>
+      </a:effectStyleLst>
+      <a:bgFillStyleLst>
+        <a:solidFill>
+          <a:schemeClr val="phClr"/>
+        </a:solidFill>
+        <a:gradFill rotWithShape="1">
+          <a:gsLst>
+            <a:gs pos="0">
+              <a:schemeClr val="phClr">
+                <a:tint val="90000"/>
+                <a:lumMod val="104000"/>
+              </a:schemeClr>
+            </a:gs>
+            <a:gs pos="94000">
+              <a:schemeClr val="phClr">
+                <a:shade val="96000"/>
+                <a:lumMod val="82000"/>
+              </a:schemeClr>
+            </a:gs>
+          </a:gsLst>
+          <a:lin ang="5400000" scaled="0"/>
+        </a:gradFill>
+        <a:gradFill rotWithShape="1">
+          <a:gsLst>
+            <a:gs pos="0">
+              <a:schemeClr val="phClr">
+                <a:tint val="90000"/>
+                <a:lumMod val="110000"/>
+              </a:schemeClr>
+            </a:gs>
+            <a:gs pos="100000">
+              <a:schemeClr val="phClr">
+                <a:shade val="94000"/>
+                <a:lumMod val="96000"/>
+              </a:schemeClr>
+            </a:gs>
+          </a:gsLst>
+          <a:path path="circle">
+            <a:fillToRect l="50000" t="50000" r="100000" b="100000"/>
+          </a:path>
+        </a:gradFill>
+      </a:bgFillStyleLst>
+    </a:fmtScheme>
+  </a:themeElements>
+  <a:objectDefaults/>
+  <a:extraClrSchemeLst/>
+  <a:extLst>
+    <a:ext uri="{05A4C25C-085E-4340-85A3-A5531E510DB2}">
+      <thm15:themeFamily xmlns:thm15="http://schemas.microsoft.com/office/thememl/2012/main" name="Facet" id="{C0C680CD-088A-49FC-A102-D699147F32B2}" vid="{8C59B386-999D-4CB6-B907-9F3997C027CC}"/>
+    </a:ext>
+  </a:extLst>
+</a:theme>
+</file>
+
+<file path=ppt/theme/theme2.xml><?xml version="1.0" encoding="utf-8"?>
 <a:theme xmlns:a="http://schemas.openxmlformats.org/drawingml/2006/main" name="Office 主题​​">
   <a:themeElements>
     <a:clrScheme name="Office">
